--- a/Inne/Prawa autorskie.pptx
+++ b/Inne/Prawa autorskie.pptx
@@ -160,6 +160,7 @@
 <p1510:revInfo xmlns:a="http://schemas.openxmlformats.org/drawingml/2006/main" xmlns:r="http://schemas.openxmlformats.org/officeDocument/2006/relationships" xmlns:p1510="http://schemas.microsoft.com/office/powerpoint/2015/10/main">
   <p1510:revLst>
     <p1510:client id="{535046B6-FC6D-48B9-82B5-7BE99E48B2ED}" v="3" dt="2021-05-10T06:32:00.968"/>
+    <p1510:client id="{703539CB-B3EB-4B80-AC32-0A43115B4953}" v="12" dt="2021-05-11T05:47:59.809"/>
   </p1510:revLst>
 </p1510:revInfo>
 </file>
@@ -4089,6 +4090,2257 @@
             <pc:sldMasterMk cId="3922541662" sldId="2147483830"/>
             <pc:sldLayoutMk cId="2562561515" sldId="2147483842"/>
           </pc:sldLayoutMkLst>
+        </pc:sldLayoutChg>
+      </pc:sldMasterChg>
+    </pc:docChg>
+  </pc:docChgLst>
+  <pc:docChgLst>
+    <pc:chgData name="Damian Kurpiewski" userId="a6c40eeacb61fb23" providerId="LiveId" clId="{703539CB-B3EB-4B80-AC32-0A43115B4953}"/>
+    <pc:docChg chg="undo custSel addSld delSld modSld modMainMaster modNotesMaster">
+      <pc:chgData name="Damian Kurpiewski" userId="a6c40eeacb61fb23" providerId="LiveId" clId="{703539CB-B3EB-4B80-AC32-0A43115B4953}" dt="2021-05-11T05:47:59.808" v="121" actId="1076"/>
+      <pc:docMkLst>
+        <pc:docMk/>
+      </pc:docMkLst>
+      <pc:sldChg chg="addSp delSp modSp delDesignElem">
+        <pc:chgData name="Damian Kurpiewski" userId="a6c40eeacb61fb23" providerId="LiveId" clId="{703539CB-B3EB-4B80-AC32-0A43115B4953}" dt="2021-05-11T04:53:04.302" v="56"/>
+        <pc:sldMkLst>
+          <pc:docMk/>
+          <pc:sldMk cId="0" sldId="258"/>
+        </pc:sldMkLst>
+        <pc:spChg chg="mod">
+          <ac:chgData name="Damian Kurpiewski" userId="a6c40eeacb61fb23" providerId="LiveId" clId="{703539CB-B3EB-4B80-AC32-0A43115B4953}" dt="2021-05-11T04:53:04.302" v="56"/>
+          <ac:spMkLst>
+            <pc:docMk/>
+            <pc:sldMk cId="0" sldId="258"/>
+            <ac:spMk id="2" creationId="{AB06AA7D-95CF-446D-AA9C-9E9556989B0A}"/>
+          </ac:spMkLst>
+        </pc:spChg>
+        <pc:spChg chg="mod">
+          <ac:chgData name="Damian Kurpiewski" userId="a6c40eeacb61fb23" providerId="LiveId" clId="{703539CB-B3EB-4B80-AC32-0A43115B4953}" dt="2021-05-11T04:53:04.302" v="56"/>
+          <ac:spMkLst>
+            <pc:docMk/>
+            <pc:sldMk cId="0" sldId="258"/>
+            <ac:spMk id="6" creationId="{38B1A56D-58E0-411B-9603-505E769B2351}"/>
+          </ac:spMkLst>
+        </pc:spChg>
+        <pc:spChg chg="mod">
+          <ac:chgData name="Damian Kurpiewski" userId="a6c40eeacb61fb23" providerId="LiveId" clId="{703539CB-B3EB-4B80-AC32-0A43115B4953}" dt="2021-05-11T04:53:04.302" v="56"/>
+          <ac:spMkLst>
+            <pc:docMk/>
+            <pc:sldMk cId="0" sldId="258"/>
+            <ac:spMk id="76" creationId="{979EA430-360E-4176-9623-B9A83D31CEEC}"/>
+          </ac:spMkLst>
+        </pc:spChg>
+        <pc:spChg chg="mod">
+          <ac:chgData name="Damian Kurpiewski" userId="a6c40eeacb61fb23" providerId="LiveId" clId="{703539CB-B3EB-4B80-AC32-0A43115B4953}" dt="2021-05-11T04:53:04.302" v="56"/>
+          <ac:spMkLst>
+            <pc:docMk/>
+            <pc:sldMk cId="0" sldId="258"/>
+            <ac:spMk id="12290" creationId="{219D9252-E913-4941-8520-5FB77F7AD2A6}"/>
+          </ac:spMkLst>
+        </pc:spChg>
+        <pc:spChg chg="add del mod">
+          <ac:chgData name="Damian Kurpiewski" userId="a6c40eeacb61fb23" providerId="LiveId" clId="{703539CB-B3EB-4B80-AC32-0A43115B4953}" dt="2021-05-11T04:53:04.302" v="56"/>
+          <ac:spMkLst>
+            <pc:docMk/>
+            <pc:sldMk cId="0" sldId="258"/>
+            <ac:spMk id="12292" creationId="{6709138F-8BF1-40DF-B2EB-61DEDE1D3218}"/>
+          </ac:spMkLst>
+        </pc:spChg>
+        <pc:spChg chg="mod">
+          <ac:chgData name="Damian Kurpiewski" userId="a6c40eeacb61fb23" providerId="LiveId" clId="{703539CB-B3EB-4B80-AC32-0A43115B4953}" dt="2021-05-11T04:53:04.302" v="56"/>
+          <ac:spMkLst>
+            <pc:docMk/>
+            <pc:sldMk cId="0" sldId="258"/>
+            <ac:spMk id="12294" creationId="{D1714FD0-5C47-42B7-9A05-FAF494EF4F3C}"/>
+          </ac:spMkLst>
+        </pc:spChg>
+        <pc:spChg chg="add del mod">
+          <ac:chgData name="Damian Kurpiewski" userId="a6c40eeacb61fb23" providerId="LiveId" clId="{703539CB-B3EB-4B80-AC32-0A43115B4953}" dt="2021-05-11T04:53:04.302" v="56"/>
+          <ac:spMkLst>
+            <pc:docMk/>
+            <pc:sldMk cId="0" sldId="258"/>
+            <ac:spMk id="12295" creationId="{7ED76833-0D4E-42A8-AEF4-8853ADB0E8F9}"/>
+          </ac:spMkLst>
+        </pc:spChg>
+        <pc:grpChg chg="add del mod">
+          <ac:chgData name="Damian Kurpiewski" userId="a6c40eeacb61fb23" providerId="LiveId" clId="{703539CB-B3EB-4B80-AC32-0A43115B4953}" dt="2021-05-11T04:53:04.302" v="56"/>
+          <ac:grpSpMkLst>
+            <pc:docMk/>
+            <pc:sldMk cId="0" sldId="258"/>
+            <ac:grpSpMk id="12293" creationId="{8390D0A1-1C50-4248-A68B-7D09D8B4100D}"/>
+          </ac:grpSpMkLst>
+        </pc:grpChg>
+        <pc:picChg chg="mod">
+          <ac:chgData name="Damian Kurpiewski" userId="a6c40eeacb61fb23" providerId="LiveId" clId="{703539CB-B3EB-4B80-AC32-0A43115B4953}" dt="2021-05-11T04:53:04.302" v="56"/>
+          <ac:picMkLst>
+            <pc:docMk/>
+            <pc:sldMk cId="0" sldId="258"/>
+            <ac:picMk id="70" creationId="{FB3D2981-68C3-45E3-ADA7-E39994F24A2B}"/>
+          </ac:picMkLst>
+        </pc:picChg>
+      </pc:sldChg>
+      <pc:sldChg chg="modSp">
+        <pc:chgData name="Damian Kurpiewski" userId="a6c40eeacb61fb23" providerId="LiveId" clId="{703539CB-B3EB-4B80-AC32-0A43115B4953}" dt="2021-05-11T04:53:04.302" v="56"/>
+        <pc:sldMkLst>
+          <pc:docMk/>
+          <pc:sldMk cId="0" sldId="271"/>
+        </pc:sldMkLst>
+        <pc:spChg chg="mod">
+          <ac:chgData name="Damian Kurpiewski" userId="a6c40eeacb61fb23" providerId="LiveId" clId="{703539CB-B3EB-4B80-AC32-0A43115B4953}" dt="2021-05-11T04:53:04.302" v="56"/>
+          <ac:spMkLst>
+            <pc:docMk/>
+            <pc:sldMk cId="0" sldId="271"/>
+            <ac:spMk id="2" creationId="{204A4661-18C7-4AA8-8D38-749074C71471}"/>
+          </ac:spMkLst>
+        </pc:spChg>
+        <pc:spChg chg="mod">
+          <ac:chgData name="Damian Kurpiewski" userId="a6c40eeacb61fb23" providerId="LiveId" clId="{703539CB-B3EB-4B80-AC32-0A43115B4953}" dt="2021-05-11T04:53:04.302" v="56"/>
+          <ac:spMkLst>
+            <pc:docMk/>
+            <pc:sldMk cId="0" sldId="271"/>
+            <ac:spMk id="27653" creationId="{4D6DF06E-D11C-44AB-9CF4-A5695171ACA2}"/>
+          </ac:spMkLst>
+        </pc:spChg>
+        <pc:grpChg chg="mod">
+          <ac:chgData name="Damian Kurpiewski" userId="a6c40eeacb61fb23" providerId="LiveId" clId="{703539CB-B3EB-4B80-AC32-0A43115B4953}" dt="2021-05-11T04:53:04.302" v="56"/>
+          <ac:grpSpMkLst>
+            <pc:docMk/>
+            <pc:sldMk cId="0" sldId="271"/>
+            <ac:grpSpMk id="27650" creationId="{4AA4BEE1-C917-47D4-B6A6-9BD335173A65}"/>
+          </ac:grpSpMkLst>
+        </pc:grpChg>
+        <pc:picChg chg="mod">
+          <ac:chgData name="Damian Kurpiewski" userId="a6c40eeacb61fb23" providerId="LiveId" clId="{703539CB-B3EB-4B80-AC32-0A43115B4953}" dt="2021-05-11T04:53:04.302" v="56"/>
+          <ac:picMkLst>
+            <pc:docMk/>
+            <pc:sldMk cId="0" sldId="271"/>
+            <ac:picMk id="27652" creationId="{C8CE3740-ABD3-4CB1-ABF2-A57259AC4253}"/>
+          </ac:picMkLst>
+        </pc:picChg>
+      </pc:sldChg>
+      <pc:sldChg chg="addSp modSp">
+        <pc:chgData name="Damian Kurpiewski" userId="a6c40eeacb61fb23" providerId="LiveId" clId="{703539CB-B3EB-4B80-AC32-0A43115B4953}" dt="2021-05-11T05:47:59.808" v="121" actId="1076"/>
+        <pc:sldMkLst>
+          <pc:docMk/>
+          <pc:sldMk cId="0" sldId="316"/>
+        </pc:sldMkLst>
+        <pc:spChg chg="mod">
+          <ac:chgData name="Damian Kurpiewski" userId="a6c40eeacb61fb23" providerId="LiveId" clId="{703539CB-B3EB-4B80-AC32-0A43115B4953}" dt="2021-05-11T04:53:04.302" v="56"/>
+          <ac:spMkLst>
+            <pc:docMk/>
+            <pc:sldMk cId="0" sldId="316"/>
+            <ac:spMk id="3" creationId="{741CEFC2-A6A7-4565-B9BC-7E8A21A8BFD3}"/>
+          </ac:spMkLst>
+        </pc:spChg>
+        <pc:spChg chg="mod">
+          <ac:chgData name="Damian Kurpiewski" userId="a6c40eeacb61fb23" providerId="LiveId" clId="{703539CB-B3EB-4B80-AC32-0A43115B4953}" dt="2021-05-11T04:53:04.302" v="56"/>
+          <ac:spMkLst>
+            <pc:docMk/>
+            <pc:sldMk cId="0" sldId="316"/>
+            <ac:spMk id="3074" creationId="{029DCF30-03F3-405D-AEF3-8F217B6B3B1A}"/>
+          </ac:spMkLst>
+        </pc:spChg>
+        <pc:picChg chg="add mod">
+          <ac:chgData name="Damian Kurpiewski" userId="a6c40eeacb61fb23" providerId="LiveId" clId="{703539CB-B3EB-4B80-AC32-0A43115B4953}" dt="2021-05-11T05:47:59.808" v="121" actId="1076"/>
+          <ac:picMkLst>
+            <pc:docMk/>
+            <pc:sldMk cId="0" sldId="316"/>
+            <ac:picMk id="4" creationId="{B47B47ED-2223-486B-BD2F-3C2C8CD12291}"/>
+          </ac:picMkLst>
+        </pc:picChg>
+      </pc:sldChg>
+      <pc:sldChg chg="modSp mod">
+        <pc:chgData name="Damian Kurpiewski" userId="a6c40eeacb61fb23" providerId="LiveId" clId="{703539CB-B3EB-4B80-AC32-0A43115B4953}" dt="2021-05-11T04:53:04.302" v="56"/>
+        <pc:sldMkLst>
+          <pc:docMk/>
+          <pc:sldMk cId="518885271" sldId="320"/>
+        </pc:sldMkLst>
+        <pc:spChg chg="mod">
+          <ac:chgData name="Damian Kurpiewski" userId="a6c40eeacb61fb23" providerId="LiveId" clId="{703539CB-B3EB-4B80-AC32-0A43115B4953}" dt="2021-05-11T04:53:04.302" v="56"/>
+          <ac:spMkLst>
+            <pc:docMk/>
+            <pc:sldMk cId="518885271" sldId="320"/>
+            <ac:spMk id="2" creationId="{FC80F0FF-472D-48AA-8D33-DFB6C250470D}"/>
+          </ac:spMkLst>
+        </pc:spChg>
+        <pc:spChg chg="mod">
+          <ac:chgData name="Damian Kurpiewski" userId="a6c40eeacb61fb23" providerId="LiveId" clId="{703539CB-B3EB-4B80-AC32-0A43115B4953}" dt="2021-05-11T04:53:04.302" v="56"/>
+          <ac:spMkLst>
+            <pc:docMk/>
+            <pc:sldMk cId="518885271" sldId="320"/>
+            <ac:spMk id="3" creationId="{865E9353-D67C-4485-96D7-56F82B92FF9F}"/>
+          </ac:spMkLst>
+        </pc:spChg>
+        <pc:spChg chg="mod">
+          <ac:chgData name="Damian Kurpiewski" userId="a6c40eeacb61fb23" providerId="LiveId" clId="{703539CB-B3EB-4B80-AC32-0A43115B4953}" dt="2021-05-11T04:53:04.302" v="56"/>
+          <ac:spMkLst>
+            <pc:docMk/>
+            <pc:sldMk cId="518885271" sldId="320"/>
+            <ac:spMk id="4" creationId="{EEF1A794-0EA0-4295-83AC-5166DA14D65B}"/>
+          </ac:spMkLst>
+        </pc:spChg>
+        <pc:spChg chg="mod">
+          <ac:chgData name="Damian Kurpiewski" userId="a6c40eeacb61fb23" providerId="LiveId" clId="{703539CB-B3EB-4B80-AC32-0A43115B4953}" dt="2021-05-11T04:53:04.302" v="56"/>
+          <ac:spMkLst>
+            <pc:docMk/>
+            <pc:sldMk cId="518885271" sldId="320"/>
+            <ac:spMk id="5" creationId="{A5A15F55-1570-4C7B-B479-956A92364F3B}"/>
+          </ac:spMkLst>
+        </pc:spChg>
+        <pc:spChg chg="mod">
+          <ac:chgData name="Damian Kurpiewski" userId="a6c40eeacb61fb23" providerId="LiveId" clId="{703539CB-B3EB-4B80-AC32-0A43115B4953}" dt="2021-05-11T04:53:04.302" v="56"/>
+          <ac:spMkLst>
+            <pc:docMk/>
+            <pc:sldMk cId="518885271" sldId="320"/>
+            <ac:spMk id="6" creationId="{E32256CA-62A0-4732-8836-4E3D3102E964}"/>
+          </ac:spMkLst>
+        </pc:spChg>
+        <pc:spChg chg="mod">
+          <ac:chgData name="Damian Kurpiewski" userId="a6c40eeacb61fb23" providerId="LiveId" clId="{703539CB-B3EB-4B80-AC32-0A43115B4953}" dt="2021-05-11T04:53:04.302" v="56"/>
+          <ac:spMkLst>
+            <pc:docMk/>
+            <pc:sldMk cId="518885271" sldId="320"/>
+            <ac:spMk id="7" creationId="{5FDCC010-6A2C-4B54-901F-F703F9DC5B18}"/>
+          </ac:spMkLst>
+        </pc:spChg>
+      </pc:sldChg>
+      <pc:sldChg chg="addSp delSp modSp delDesignElem">
+        <pc:chgData name="Damian Kurpiewski" userId="a6c40eeacb61fb23" providerId="LiveId" clId="{703539CB-B3EB-4B80-AC32-0A43115B4953}" dt="2021-05-11T04:53:04.302" v="56"/>
+        <pc:sldMkLst>
+          <pc:docMk/>
+          <pc:sldMk cId="1740820585" sldId="321"/>
+        </pc:sldMkLst>
+        <pc:spChg chg="mod">
+          <ac:chgData name="Damian Kurpiewski" userId="a6c40eeacb61fb23" providerId="LiveId" clId="{703539CB-B3EB-4B80-AC32-0A43115B4953}" dt="2021-05-11T04:53:04.302" v="56"/>
+          <ac:spMkLst>
+            <pc:docMk/>
+            <pc:sldMk cId="1740820585" sldId="321"/>
+            <ac:spMk id="2" creationId="{FE28C268-4932-4964-B517-9BD71944AEBC}"/>
+          </ac:spMkLst>
+        </pc:spChg>
+        <pc:spChg chg="mod">
+          <ac:chgData name="Damian Kurpiewski" userId="a6c40eeacb61fb23" providerId="LiveId" clId="{703539CB-B3EB-4B80-AC32-0A43115B4953}" dt="2021-05-11T04:53:04.302" v="56"/>
+          <ac:spMkLst>
+            <pc:docMk/>
+            <pc:sldMk cId="1740820585" sldId="321"/>
+            <ac:spMk id="3" creationId="{9764C1FE-5119-40A2-A64B-1F6DD41C0BF0}"/>
+          </ac:spMkLst>
+        </pc:spChg>
+        <pc:spChg chg="mod">
+          <ac:chgData name="Damian Kurpiewski" userId="a6c40eeacb61fb23" providerId="LiveId" clId="{703539CB-B3EB-4B80-AC32-0A43115B4953}" dt="2021-05-11T04:53:04.302" v="56"/>
+          <ac:spMkLst>
+            <pc:docMk/>
+            <pc:sldMk cId="1740820585" sldId="321"/>
+            <ac:spMk id="4" creationId="{EC57654F-CB5E-47D2-85F9-68207C057B82}"/>
+          </ac:spMkLst>
+        </pc:spChg>
+        <pc:spChg chg="add del mod">
+          <ac:chgData name="Damian Kurpiewski" userId="a6c40eeacb61fb23" providerId="LiveId" clId="{703539CB-B3EB-4B80-AC32-0A43115B4953}" dt="2021-05-11T04:53:04.302" v="56"/>
+          <ac:spMkLst>
+            <pc:docMk/>
+            <pc:sldMk cId="1740820585" sldId="321"/>
+            <ac:spMk id="29" creationId="{3C06EAFD-0C69-4B3B-BEA7-E7E11DDF9C43}"/>
+          </ac:spMkLst>
+        </pc:spChg>
+        <pc:spChg chg="add del mod">
+          <ac:chgData name="Damian Kurpiewski" userId="a6c40eeacb61fb23" providerId="LiveId" clId="{703539CB-B3EB-4B80-AC32-0A43115B4953}" dt="2021-05-11T04:53:04.302" v="56"/>
+          <ac:spMkLst>
+            <pc:docMk/>
+            <pc:sldMk cId="1740820585" sldId="321"/>
+            <ac:spMk id="30" creationId="{A4066C89-42FB-4624-9AFE-3A31B36491B5}"/>
+          </ac:spMkLst>
+        </pc:spChg>
+        <pc:spChg chg="add del mod">
+          <ac:chgData name="Damian Kurpiewski" userId="a6c40eeacb61fb23" providerId="LiveId" clId="{703539CB-B3EB-4B80-AC32-0A43115B4953}" dt="2021-05-11T04:53:04.302" v="56"/>
+          <ac:spMkLst>
+            <pc:docMk/>
+            <pc:sldMk cId="1740820585" sldId="321"/>
+            <ac:spMk id="31" creationId="{BA218FBC-B2D6-48CA-9289-C4110162EDAD}"/>
+          </ac:spMkLst>
+        </pc:spChg>
+        <pc:spChg chg="add del mod">
+          <ac:chgData name="Damian Kurpiewski" userId="a6c40eeacb61fb23" providerId="LiveId" clId="{703539CB-B3EB-4B80-AC32-0A43115B4953}" dt="2021-05-11T04:53:04.302" v="56"/>
+          <ac:spMkLst>
+            <pc:docMk/>
+            <pc:sldMk cId="1740820585" sldId="321"/>
+            <ac:spMk id="32" creationId="{2DED9084-49DA-4911-ACB7-5F9E4DEFA039}"/>
+          </ac:spMkLst>
+        </pc:spChg>
+      </pc:sldChg>
+      <pc:sldChg chg="addSp delSp modSp delDesignElem">
+        <pc:chgData name="Damian Kurpiewski" userId="a6c40eeacb61fb23" providerId="LiveId" clId="{703539CB-B3EB-4B80-AC32-0A43115B4953}" dt="2021-05-11T04:53:04.302" v="56"/>
+        <pc:sldMkLst>
+          <pc:docMk/>
+          <pc:sldMk cId="559766233" sldId="322"/>
+        </pc:sldMkLst>
+        <pc:spChg chg="mod">
+          <ac:chgData name="Damian Kurpiewski" userId="a6c40eeacb61fb23" providerId="LiveId" clId="{703539CB-B3EB-4B80-AC32-0A43115B4953}" dt="2021-05-11T04:53:04.302" v="56"/>
+          <ac:spMkLst>
+            <pc:docMk/>
+            <pc:sldMk cId="559766233" sldId="322"/>
+            <ac:spMk id="2" creationId="{6F457F63-4625-4711-BDC7-E90408A0C3B9}"/>
+          </ac:spMkLst>
+        </pc:spChg>
+        <pc:spChg chg="mod">
+          <ac:chgData name="Damian Kurpiewski" userId="a6c40eeacb61fb23" providerId="LiveId" clId="{703539CB-B3EB-4B80-AC32-0A43115B4953}" dt="2021-05-11T04:53:04.302" v="56"/>
+          <ac:spMkLst>
+            <pc:docMk/>
+            <pc:sldMk cId="559766233" sldId="322"/>
+            <ac:spMk id="4" creationId="{84D5303C-DD86-4F19-9124-84A2BD8C2F22}"/>
+          </ac:spMkLst>
+        </pc:spChg>
+        <pc:spChg chg="add del mod">
+          <ac:chgData name="Damian Kurpiewski" userId="a6c40eeacb61fb23" providerId="LiveId" clId="{703539CB-B3EB-4B80-AC32-0A43115B4953}" dt="2021-05-11T04:53:04.302" v="56"/>
+          <ac:spMkLst>
+            <pc:docMk/>
+            <pc:sldMk cId="559766233" sldId="322"/>
+            <ac:spMk id="11" creationId="{E2A093B8-A2CC-4243-9D24-415419DA1489}"/>
+          </ac:spMkLst>
+        </pc:spChg>
+        <pc:graphicFrameChg chg="mod">
+          <ac:chgData name="Damian Kurpiewski" userId="a6c40eeacb61fb23" providerId="LiveId" clId="{703539CB-B3EB-4B80-AC32-0A43115B4953}" dt="2021-05-11T04:53:04.302" v="56"/>
+          <ac:graphicFrameMkLst>
+            <pc:docMk/>
+            <pc:sldMk cId="559766233" sldId="322"/>
+            <ac:graphicFrameMk id="6" creationId="{E22A4263-C2E7-4577-A295-94083E39BD3E}"/>
+          </ac:graphicFrameMkLst>
+        </pc:graphicFrameChg>
+      </pc:sldChg>
+      <pc:sldChg chg="addSp delSp modSp delDesignElem">
+        <pc:chgData name="Damian Kurpiewski" userId="a6c40eeacb61fb23" providerId="LiveId" clId="{703539CB-B3EB-4B80-AC32-0A43115B4953}" dt="2021-05-11T04:53:04.302" v="56"/>
+        <pc:sldMkLst>
+          <pc:docMk/>
+          <pc:sldMk cId="1628271767" sldId="323"/>
+        </pc:sldMkLst>
+        <pc:spChg chg="mod">
+          <ac:chgData name="Damian Kurpiewski" userId="a6c40eeacb61fb23" providerId="LiveId" clId="{703539CB-B3EB-4B80-AC32-0A43115B4953}" dt="2021-05-11T04:53:04.302" v="56"/>
+          <ac:spMkLst>
+            <pc:docMk/>
+            <pc:sldMk cId="1628271767" sldId="323"/>
+            <ac:spMk id="2" creationId="{5B0AF2C8-C588-4D53-8FF9-7D745A4685CB}"/>
+          </ac:spMkLst>
+        </pc:spChg>
+        <pc:spChg chg="mod">
+          <ac:chgData name="Damian Kurpiewski" userId="a6c40eeacb61fb23" providerId="LiveId" clId="{703539CB-B3EB-4B80-AC32-0A43115B4953}" dt="2021-05-11T04:53:04.302" v="56"/>
+          <ac:spMkLst>
+            <pc:docMk/>
+            <pc:sldMk cId="1628271767" sldId="323"/>
+            <ac:spMk id="3" creationId="{A2916B8A-CBE5-401F-A46A-8FA2809D5536}"/>
+          </ac:spMkLst>
+        </pc:spChg>
+        <pc:spChg chg="mod">
+          <ac:chgData name="Damian Kurpiewski" userId="a6c40eeacb61fb23" providerId="LiveId" clId="{703539CB-B3EB-4B80-AC32-0A43115B4953}" dt="2021-05-11T04:53:04.302" v="56"/>
+          <ac:spMkLst>
+            <pc:docMk/>
+            <pc:sldMk cId="1628271767" sldId="323"/>
+            <ac:spMk id="4" creationId="{C4ED78CA-55CE-400C-AD78-6A6828A6A709}"/>
+          </ac:spMkLst>
+        </pc:spChg>
+        <pc:spChg chg="add del mod">
+          <ac:chgData name="Damian Kurpiewski" userId="a6c40eeacb61fb23" providerId="LiveId" clId="{703539CB-B3EB-4B80-AC32-0A43115B4953}" dt="2021-05-11T04:53:04.302" v="56"/>
+          <ac:spMkLst>
+            <pc:docMk/>
+            <pc:sldMk cId="1628271767" sldId="323"/>
+            <ac:spMk id="9" creationId="{9A3D0CE2-91FF-49B3-A5D8-181E900D7501}"/>
+          </ac:spMkLst>
+        </pc:spChg>
+        <pc:spChg chg="mod">
+          <ac:chgData name="Damian Kurpiewski" userId="a6c40eeacb61fb23" providerId="LiveId" clId="{703539CB-B3EB-4B80-AC32-0A43115B4953}" dt="2021-05-11T04:53:04.302" v="56"/>
+          <ac:spMkLst>
+            <pc:docMk/>
+            <pc:sldMk cId="1628271767" sldId="323"/>
+            <ac:spMk id="16" creationId="{D512C9B2-6B22-4211-A940-FCD7C2CD0BEA}"/>
+          </ac:spMkLst>
+        </pc:spChg>
+        <pc:spChg chg="mod">
+          <ac:chgData name="Damian Kurpiewski" userId="a6c40eeacb61fb23" providerId="LiveId" clId="{703539CB-B3EB-4B80-AC32-0A43115B4953}" dt="2021-05-11T04:53:04.302" v="56"/>
+          <ac:spMkLst>
+            <pc:docMk/>
+            <pc:sldMk cId="1628271767" sldId="323"/>
+            <ac:spMk id="17" creationId="{85F7DB84-CDE7-46F8-90DD-9D048A7D52D1}"/>
+          </ac:spMkLst>
+        </pc:spChg>
+        <pc:spChg chg="add del mod">
+          <ac:chgData name="Damian Kurpiewski" userId="a6c40eeacb61fb23" providerId="LiveId" clId="{703539CB-B3EB-4B80-AC32-0A43115B4953}" dt="2021-05-11T04:53:04.302" v="56"/>
+          <ac:spMkLst>
+            <pc:docMk/>
+            <pc:sldMk cId="1628271767" sldId="323"/>
+            <ac:spMk id="18" creationId="{58AEBD96-C315-4F53-9D9E-0E20E993EBFA}"/>
+          </ac:spMkLst>
+        </pc:spChg>
+        <pc:spChg chg="add del mod">
+          <ac:chgData name="Damian Kurpiewski" userId="a6c40eeacb61fb23" providerId="LiveId" clId="{703539CB-B3EB-4B80-AC32-0A43115B4953}" dt="2021-05-11T04:53:04.302" v="56"/>
+          <ac:spMkLst>
+            <pc:docMk/>
+            <pc:sldMk cId="1628271767" sldId="323"/>
+            <ac:spMk id="19" creationId="{48FDEBDB-5859-4B9E-8810-2C5CFED093F3}"/>
+          </ac:spMkLst>
+        </pc:spChg>
+        <pc:spChg chg="add del mod">
+          <ac:chgData name="Damian Kurpiewski" userId="a6c40eeacb61fb23" providerId="LiveId" clId="{703539CB-B3EB-4B80-AC32-0A43115B4953}" dt="2021-05-11T04:53:04.302" v="56"/>
+          <ac:spMkLst>
+            <pc:docMk/>
+            <pc:sldMk cId="1628271767" sldId="323"/>
+            <ac:spMk id="20" creationId="{78916AAA-66F6-4DFA-88ED-7E27CF6B8DAD}"/>
+          </ac:spMkLst>
+        </pc:spChg>
+        <pc:grpChg chg="add del mod">
+          <ac:chgData name="Damian Kurpiewski" userId="a6c40eeacb61fb23" providerId="LiveId" clId="{703539CB-B3EB-4B80-AC32-0A43115B4953}" dt="2021-05-11T04:53:04.302" v="56"/>
+          <ac:grpSpMkLst>
+            <pc:docMk/>
+            <pc:sldMk cId="1628271767" sldId="323"/>
+            <ac:grpSpMk id="22" creationId="{A137D43F-BAD6-47F1-AA65-AEEA38A2FF30}"/>
+          </ac:grpSpMkLst>
+        </pc:grpChg>
+        <pc:cxnChg chg="add del mod">
+          <ac:chgData name="Damian Kurpiewski" userId="a6c40eeacb61fb23" providerId="LiveId" clId="{703539CB-B3EB-4B80-AC32-0A43115B4953}" dt="2021-05-11T04:53:04.302" v="56"/>
+          <ac:cxnSpMkLst>
+            <pc:docMk/>
+            <pc:sldMk cId="1628271767" sldId="323"/>
+            <ac:cxnSpMk id="21" creationId="{B1D1A340-723B-4014-B5FE-204F06273136}"/>
+          </ac:cxnSpMkLst>
+        </pc:cxnChg>
+      </pc:sldChg>
+      <pc:sldChg chg="addSp delSp modSp delDesignElem">
+        <pc:chgData name="Damian Kurpiewski" userId="a6c40eeacb61fb23" providerId="LiveId" clId="{703539CB-B3EB-4B80-AC32-0A43115B4953}" dt="2021-05-11T04:53:04.302" v="56"/>
+        <pc:sldMkLst>
+          <pc:docMk/>
+          <pc:sldMk cId="1034101744" sldId="324"/>
+        </pc:sldMkLst>
+        <pc:spChg chg="mod">
+          <ac:chgData name="Damian Kurpiewski" userId="a6c40eeacb61fb23" providerId="LiveId" clId="{703539CB-B3EB-4B80-AC32-0A43115B4953}" dt="2021-05-11T04:53:04.302" v="56"/>
+          <ac:spMkLst>
+            <pc:docMk/>
+            <pc:sldMk cId="1034101744" sldId="324"/>
+            <ac:spMk id="2" creationId="{851AFD78-D8B4-4910-A8F9-5306861A4338}"/>
+          </ac:spMkLst>
+        </pc:spChg>
+        <pc:spChg chg="mod">
+          <ac:chgData name="Damian Kurpiewski" userId="a6c40eeacb61fb23" providerId="LiveId" clId="{703539CB-B3EB-4B80-AC32-0A43115B4953}" dt="2021-05-11T04:53:04.302" v="56"/>
+          <ac:spMkLst>
+            <pc:docMk/>
+            <pc:sldMk cId="1034101744" sldId="324"/>
+            <ac:spMk id="3" creationId="{904D91F7-E37E-483B-A396-68B12B492094}"/>
+          </ac:spMkLst>
+        </pc:spChg>
+        <pc:spChg chg="add del mod">
+          <ac:chgData name="Damian Kurpiewski" userId="a6c40eeacb61fb23" providerId="LiveId" clId="{703539CB-B3EB-4B80-AC32-0A43115B4953}" dt="2021-05-11T04:53:04.302" v="56"/>
+          <ac:spMkLst>
+            <pc:docMk/>
+            <pc:sldMk cId="1034101744" sldId="324"/>
+            <ac:spMk id="10" creationId="{F44B2CE7-FD25-42E3-AB52-73B889FDAC4C}"/>
+          </ac:spMkLst>
+        </pc:spChg>
+        <pc:spChg chg="add del mod">
+          <ac:chgData name="Damian Kurpiewski" userId="a6c40eeacb61fb23" providerId="LiveId" clId="{703539CB-B3EB-4B80-AC32-0A43115B4953}" dt="2021-05-11T04:53:04.302" v="56"/>
+          <ac:spMkLst>
+            <pc:docMk/>
+            <pc:sldMk cId="1034101744" sldId="324"/>
+            <ac:spMk id="12" creationId="{4CEA8393-144C-4FCF-9A6C-1102F988A207}"/>
+          </ac:spMkLst>
+        </pc:spChg>
+        <pc:spChg chg="add del mod">
+          <ac:chgData name="Damian Kurpiewski" userId="a6c40eeacb61fb23" providerId="LiveId" clId="{703539CB-B3EB-4B80-AC32-0A43115B4953}" dt="2021-05-11T04:53:04.302" v="56"/>
+          <ac:spMkLst>
+            <pc:docMk/>
+            <pc:sldMk cId="1034101744" sldId="324"/>
+            <ac:spMk id="14" creationId="{35C31E2E-65FD-40B6-B604-C096F5B75FCF}"/>
+          </ac:spMkLst>
+        </pc:spChg>
+        <pc:spChg chg="mod">
+          <ac:chgData name="Damian Kurpiewski" userId="a6c40eeacb61fb23" providerId="LiveId" clId="{703539CB-B3EB-4B80-AC32-0A43115B4953}" dt="2021-05-11T04:53:04.302" v="56"/>
+          <ac:spMkLst>
+            <pc:docMk/>
+            <pc:sldMk cId="1034101744" sldId="324"/>
+            <ac:spMk id="17" creationId="{605CD65F-BF66-4468-B683-A882ED3D28F2}"/>
+          </ac:spMkLst>
+        </pc:spChg>
+        <pc:spChg chg="mod">
+          <ac:chgData name="Damian Kurpiewski" userId="a6c40eeacb61fb23" providerId="LiveId" clId="{703539CB-B3EB-4B80-AC32-0A43115B4953}" dt="2021-05-11T04:53:04.302" v="56"/>
+          <ac:spMkLst>
+            <pc:docMk/>
+            <pc:sldMk cId="1034101744" sldId="324"/>
+            <ac:spMk id="18" creationId="{251A7AF1-716F-4EC1-9804-7539576FBD74}"/>
+          </ac:spMkLst>
+        </pc:spChg>
+        <pc:spChg chg="add del mod">
+          <ac:chgData name="Damian Kurpiewski" userId="a6c40eeacb61fb23" providerId="LiveId" clId="{703539CB-B3EB-4B80-AC32-0A43115B4953}" dt="2021-05-11T04:53:04.302" v="56"/>
+          <ac:spMkLst>
+            <pc:docMk/>
+            <pc:sldMk cId="1034101744" sldId="324"/>
+            <ac:spMk id="20" creationId="{D8E837CA-4F14-488E-B978-C16C9A19A415}"/>
+          </ac:spMkLst>
+        </pc:spChg>
+        <pc:spChg chg="add del mod">
+          <ac:chgData name="Damian Kurpiewski" userId="a6c40eeacb61fb23" providerId="LiveId" clId="{703539CB-B3EB-4B80-AC32-0A43115B4953}" dt="2021-05-11T04:53:04.302" v="56"/>
+          <ac:spMkLst>
+            <pc:docMk/>
+            <pc:sldMk cId="1034101744" sldId="324"/>
+            <ac:spMk id="22" creationId="{A31D588E-4BEB-459D-8053-B9363722D733}"/>
+          </ac:spMkLst>
+        </pc:spChg>
+        <pc:spChg chg="add del mod">
+          <ac:chgData name="Damian Kurpiewski" userId="a6c40eeacb61fb23" providerId="LiveId" clId="{703539CB-B3EB-4B80-AC32-0A43115B4953}" dt="2021-05-11T04:53:04.302" v="56"/>
+          <ac:spMkLst>
+            <pc:docMk/>
+            <pc:sldMk cId="1034101744" sldId="324"/>
+            <ac:spMk id="24" creationId="{4E9E1286-F76F-4EB4-9B6A-520847AD718E}"/>
+          </ac:spMkLst>
+        </pc:spChg>
+        <pc:spChg chg="add del mod">
+          <ac:chgData name="Damian Kurpiewski" userId="a6c40eeacb61fb23" providerId="LiveId" clId="{703539CB-B3EB-4B80-AC32-0A43115B4953}" dt="2021-05-11T04:53:04.302" v="56"/>
+          <ac:spMkLst>
+            <pc:docMk/>
+            <pc:sldMk cId="1034101744" sldId="324"/>
+            <ac:spMk id="26" creationId="{F3E8B4EC-3D07-4306-9FAD-448704062CCB}"/>
+          </ac:spMkLst>
+        </pc:spChg>
+        <pc:spChg chg="mod">
+          <ac:chgData name="Damian Kurpiewski" userId="a6c40eeacb61fb23" providerId="LiveId" clId="{703539CB-B3EB-4B80-AC32-0A43115B4953}" dt="2021-05-11T04:53:04.302" v="56"/>
+          <ac:spMkLst>
+            <pc:docMk/>
+            <pc:sldMk cId="1034101744" sldId="324"/>
+            <ac:spMk id="29" creationId="{B2293BB0-EC57-4AD0-85D2-AFCF2778950F}"/>
+          </ac:spMkLst>
+        </pc:spChg>
+        <pc:spChg chg="mod">
+          <ac:chgData name="Damian Kurpiewski" userId="a6c40eeacb61fb23" providerId="LiveId" clId="{703539CB-B3EB-4B80-AC32-0A43115B4953}" dt="2021-05-11T04:53:04.302" v="56"/>
+          <ac:spMkLst>
+            <pc:docMk/>
+            <pc:sldMk cId="1034101744" sldId="324"/>
+            <ac:spMk id="30" creationId="{D0BFBAFA-3D50-45DB-A784-0112BD8E88E5}"/>
+          </ac:spMkLst>
+        </pc:spChg>
+        <pc:grpChg chg="add del mod">
+          <ac:chgData name="Damian Kurpiewski" userId="a6c40eeacb61fb23" providerId="LiveId" clId="{703539CB-B3EB-4B80-AC32-0A43115B4953}" dt="2021-05-11T04:53:04.302" v="56"/>
+          <ac:grpSpMkLst>
+            <pc:docMk/>
+            <pc:sldMk cId="1034101744" sldId="324"/>
+            <ac:grpSpMk id="16" creationId="{A97B9141-8535-472D-B922-E499D77F8CFD}"/>
+          </ac:grpSpMkLst>
+        </pc:grpChg>
+        <pc:grpChg chg="add del mod">
+          <ac:chgData name="Damian Kurpiewski" userId="a6c40eeacb61fb23" providerId="LiveId" clId="{703539CB-B3EB-4B80-AC32-0A43115B4953}" dt="2021-05-11T04:53:04.302" v="56"/>
+          <ac:grpSpMkLst>
+            <pc:docMk/>
+            <pc:sldMk cId="1034101744" sldId="324"/>
+            <ac:grpSpMk id="28" creationId="{25167E2D-A7EB-43A4-86B3-5819BEB87D63}"/>
+          </ac:grpSpMkLst>
+        </pc:grpChg>
+        <pc:picChg chg="mod">
+          <ac:chgData name="Damian Kurpiewski" userId="a6c40eeacb61fb23" providerId="LiveId" clId="{703539CB-B3EB-4B80-AC32-0A43115B4953}" dt="2021-05-11T04:53:04.302" v="56"/>
+          <ac:picMkLst>
+            <pc:docMk/>
+            <pc:sldMk cId="1034101744" sldId="324"/>
+            <ac:picMk id="7" creationId="{8AEA2317-D3DF-4449-B5A0-69C62193B5FA}"/>
+          </ac:picMkLst>
+        </pc:picChg>
+      </pc:sldChg>
+      <pc:sldChg chg="addSp delSp modSp mod delDesignElem">
+        <pc:chgData name="Damian Kurpiewski" userId="a6c40eeacb61fb23" providerId="LiveId" clId="{703539CB-B3EB-4B80-AC32-0A43115B4953}" dt="2021-05-11T04:53:04.302" v="56"/>
+        <pc:sldMkLst>
+          <pc:docMk/>
+          <pc:sldMk cId="2790292660" sldId="325"/>
+        </pc:sldMkLst>
+        <pc:spChg chg="mod">
+          <ac:chgData name="Damian Kurpiewski" userId="a6c40eeacb61fb23" providerId="LiveId" clId="{703539CB-B3EB-4B80-AC32-0A43115B4953}" dt="2021-05-11T04:53:04.302" v="56"/>
+          <ac:spMkLst>
+            <pc:docMk/>
+            <pc:sldMk cId="2790292660" sldId="325"/>
+            <ac:spMk id="2" creationId="{43E6C1FB-FC27-420F-944F-AB0DA4503113}"/>
+          </ac:spMkLst>
+        </pc:spChg>
+        <pc:spChg chg="mod">
+          <ac:chgData name="Damian Kurpiewski" userId="a6c40eeacb61fb23" providerId="LiveId" clId="{703539CB-B3EB-4B80-AC32-0A43115B4953}" dt="2021-05-11T04:53:04.302" v="56"/>
+          <ac:spMkLst>
+            <pc:docMk/>
+            <pc:sldMk cId="2790292660" sldId="325"/>
+            <ac:spMk id="4" creationId="{F286D4F2-FAB9-4120-8EB8-44984141B3B9}"/>
+          </ac:spMkLst>
+        </pc:spChg>
+        <pc:spChg chg="add del mod">
+          <ac:chgData name="Damian Kurpiewski" userId="a6c40eeacb61fb23" providerId="LiveId" clId="{703539CB-B3EB-4B80-AC32-0A43115B4953}" dt="2021-05-11T04:53:04.302" v="56"/>
+          <ac:spMkLst>
+            <pc:docMk/>
+            <pc:sldMk cId="2790292660" sldId="325"/>
+            <ac:spMk id="11" creationId="{E2A093B8-A2CC-4243-9D24-415419DA1489}"/>
+          </ac:spMkLst>
+        </pc:spChg>
+        <pc:graphicFrameChg chg="mod">
+          <ac:chgData name="Damian Kurpiewski" userId="a6c40eeacb61fb23" providerId="LiveId" clId="{703539CB-B3EB-4B80-AC32-0A43115B4953}" dt="2021-05-11T04:53:04.302" v="56"/>
+          <ac:graphicFrameMkLst>
+            <pc:docMk/>
+            <pc:sldMk cId="2790292660" sldId="325"/>
+            <ac:graphicFrameMk id="6" creationId="{D0686D25-412F-404F-B791-CECDCC6FC551}"/>
+          </ac:graphicFrameMkLst>
+        </pc:graphicFrameChg>
+      </pc:sldChg>
+      <pc:sldChg chg="addSp delSp modSp delDesignElem">
+        <pc:chgData name="Damian Kurpiewski" userId="a6c40eeacb61fb23" providerId="LiveId" clId="{703539CB-B3EB-4B80-AC32-0A43115B4953}" dt="2021-05-11T04:53:04.302" v="56"/>
+        <pc:sldMkLst>
+          <pc:docMk/>
+          <pc:sldMk cId="2867945294" sldId="326"/>
+        </pc:sldMkLst>
+        <pc:spChg chg="mod">
+          <ac:chgData name="Damian Kurpiewski" userId="a6c40eeacb61fb23" providerId="LiveId" clId="{703539CB-B3EB-4B80-AC32-0A43115B4953}" dt="2021-05-11T04:53:04.302" v="56"/>
+          <ac:spMkLst>
+            <pc:docMk/>
+            <pc:sldMk cId="2867945294" sldId="326"/>
+            <ac:spMk id="2" creationId="{31E79F7C-FD87-46D8-B472-DE12D72FCF68}"/>
+          </ac:spMkLst>
+        </pc:spChg>
+        <pc:spChg chg="mod">
+          <ac:chgData name="Damian Kurpiewski" userId="a6c40eeacb61fb23" providerId="LiveId" clId="{703539CB-B3EB-4B80-AC32-0A43115B4953}" dt="2021-05-11T04:53:04.302" v="56"/>
+          <ac:spMkLst>
+            <pc:docMk/>
+            <pc:sldMk cId="2867945294" sldId="326"/>
+            <ac:spMk id="4" creationId="{BE9924AD-F212-47F0-BA3C-D55F83602087}"/>
+          </ac:spMkLst>
+        </pc:spChg>
+        <pc:spChg chg="add del mod">
+          <ac:chgData name="Damian Kurpiewski" userId="a6c40eeacb61fb23" providerId="LiveId" clId="{703539CB-B3EB-4B80-AC32-0A43115B4953}" dt="2021-05-11T04:53:04.302" v="56"/>
+          <ac:spMkLst>
+            <pc:docMk/>
+            <pc:sldMk cId="2867945294" sldId="326"/>
+            <ac:spMk id="13" creationId="{E2A093B8-A2CC-4243-9D24-415419DA1489}"/>
+          </ac:spMkLst>
+        </pc:spChg>
+        <pc:graphicFrameChg chg="mod">
+          <ac:chgData name="Damian Kurpiewski" userId="a6c40eeacb61fb23" providerId="LiveId" clId="{703539CB-B3EB-4B80-AC32-0A43115B4953}" dt="2021-05-11T04:53:04.302" v="56"/>
+          <ac:graphicFrameMkLst>
+            <pc:docMk/>
+            <pc:sldMk cId="2867945294" sldId="326"/>
+            <ac:graphicFrameMk id="14" creationId="{45D298CA-DCEF-4F62-BE7A-46A047F13A4A}"/>
+          </ac:graphicFrameMkLst>
+        </pc:graphicFrameChg>
+      </pc:sldChg>
+      <pc:sldChg chg="addSp delSp modSp delDesignElem">
+        <pc:chgData name="Damian Kurpiewski" userId="a6c40eeacb61fb23" providerId="LiveId" clId="{703539CB-B3EB-4B80-AC32-0A43115B4953}" dt="2021-05-11T04:53:04.302" v="56"/>
+        <pc:sldMkLst>
+          <pc:docMk/>
+          <pc:sldMk cId="327087896" sldId="327"/>
+        </pc:sldMkLst>
+        <pc:spChg chg="mod">
+          <ac:chgData name="Damian Kurpiewski" userId="a6c40eeacb61fb23" providerId="LiveId" clId="{703539CB-B3EB-4B80-AC32-0A43115B4953}" dt="2021-05-11T04:53:04.302" v="56"/>
+          <ac:spMkLst>
+            <pc:docMk/>
+            <pc:sldMk cId="327087896" sldId="327"/>
+            <ac:spMk id="2" creationId="{4D54E798-6120-4AFB-A9DB-33CB0415ED5B}"/>
+          </ac:spMkLst>
+        </pc:spChg>
+        <pc:spChg chg="mod">
+          <ac:chgData name="Damian Kurpiewski" userId="a6c40eeacb61fb23" providerId="LiveId" clId="{703539CB-B3EB-4B80-AC32-0A43115B4953}" dt="2021-05-11T04:53:04.302" v="56"/>
+          <ac:spMkLst>
+            <pc:docMk/>
+            <pc:sldMk cId="327087896" sldId="327"/>
+            <ac:spMk id="4" creationId="{3DC3B89D-0FC0-438C-9A64-224B8482D4FF}"/>
+          </ac:spMkLst>
+        </pc:spChg>
+        <pc:spChg chg="add del mod">
+          <ac:chgData name="Damian Kurpiewski" userId="a6c40eeacb61fb23" providerId="LiveId" clId="{703539CB-B3EB-4B80-AC32-0A43115B4953}" dt="2021-05-11T04:53:04.302" v="56"/>
+          <ac:spMkLst>
+            <pc:docMk/>
+            <pc:sldMk cId="327087896" sldId="327"/>
+            <ac:spMk id="11" creationId="{E2A093B8-A2CC-4243-9D24-415419DA1489}"/>
+          </ac:spMkLst>
+        </pc:spChg>
+        <pc:graphicFrameChg chg="mod">
+          <ac:chgData name="Damian Kurpiewski" userId="a6c40eeacb61fb23" providerId="LiveId" clId="{703539CB-B3EB-4B80-AC32-0A43115B4953}" dt="2021-05-11T04:53:04.302" v="56"/>
+          <ac:graphicFrameMkLst>
+            <pc:docMk/>
+            <pc:sldMk cId="327087896" sldId="327"/>
+            <ac:graphicFrameMk id="6" creationId="{A39F1873-2581-484E-BA33-2C2B644D70CF}"/>
+          </ac:graphicFrameMkLst>
+        </pc:graphicFrameChg>
+      </pc:sldChg>
+      <pc:sldChg chg="addSp delSp modSp mod delDesignElem">
+        <pc:chgData name="Damian Kurpiewski" userId="a6c40eeacb61fb23" providerId="LiveId" clId="{703539CB-B3EB-4B80-AC32-0A43115B4953}" dt="2021-05-11T04:53:04.302" v="56"/>
+        <pc:sldMkLst>
+          <pc:docMk/>
+          <pc:sldMk cId="4180367828" sldId="328"/>
+        </pc:sldMkLst>
+        <pc:spChg chg="mod">
+          <ac:chgData name="Damian Kurpiewski" userId="a6c40eeacb61fb23" providerId="LiveId" clId="{703539CB-B3EB-4B80-AC32-0A43115B4953}" dt="2021-05-11T04:53:04.302" v="56"/>
+          <ac:spMkLst>
+            <pc:docMk/>
+            <pc:sldMk cId="4180367828" sldId="328"/>
+            <ac:spMk id="2" creationId="{F8105B94-D4B0-4FD0-9B65-D2F5AA7237B1}"/>
+          </ac:spMkLst>
+        </pc:spChg>
+        <pc:spChg chg="mod">
+          <ac:chgData name="Damian Kurpiewski" userId="a6c40eeacb61fb23" providerId="LiveId" clId="{703539CB-B3EB-4B80-AC32-0A43115B4953}" dt="2021-05-11T04:53:04.302" v="56"/>
+          <ac:spMkLst>
+            <pc:docMk/>
+            <pc:sldMk cId="4180367828" sldId="328"/>
+            <ac:spMk id="4" creationId="{59EDD400-7F1E-4144-8A0E-26C6426F1AC1}"/>
+          </ac:spMkLst>
+        </pc:spChg>
+        <pc:spChg chg="add del mod">
+          <ac:chgData name="Damian Kurpiewski" userId="a6c40eeacb61fb23" providerId="LiveId" clId="{703539CB-B3EB-4B80-AC32-0A43115B4953}" dt="2021-05-11T04:53:04.302" v="56"/>
+          <ac:spMkLst>
+            <pc:docMk/>
+            <pc:sldMk cId="4180367828" sldId="328"/>
+            <ac:spMk id="11" creationId="{E2A093B8-A2CC-4243-9D24-415419DA1489}"/>
+          </ac:spMkLst>
+        </pc:spChg>
+        <pc:graphicFrameChg chg="mod">
+          <ac:chgData name="Damian Kurpiewski" userId="a6c40eeacb61fb23" providerId="LiveId" clId="{703539CB-B3EB-4B80-AC32-0A43115B4953}" dt="2021-05-11T04:53:04.302" v="56"/>
+          <ac:graphicFrameMkLst>
+            <pc:docMk/>
+            <pc:sldMk cId="4180367828" sldId="328"/>
+            <ac:graphicFrameMk id="6" creationId="{5A9FFF2A-EABE-40E3-94C5-1D20ACE3311C}"/>
+          </ac:graphicFrameMkLst>
+        </pc:graphicFrameChg>
+      </pc:sldChg>
+      <pc:sldChg chg="modSp mod">
+        <pc:chgData name="Damian Kurpiewski" userId="a6c40eeacb61fb23" providerId="LiveId" clId="{703539CB-B3EB-4B80-AC32-0A43115B4953}" dt="2021-05-11T05:00:37.886" v="112" actId="20577"/>
+        <pc:sldMkLst>
+          <pc:docMk/>
+          <pc:sldMk cId="439988425" sldId="329"/>
+        </pc:sldMkLst>
+        <pc:spChg chg="mod">
+          <ac:chgData name="Damian Kurpiewski" userId="a6c40eeacb61fb23" providerId="LiveId" clId="{703539CB-B3EB-4B80-AC32-0A43115B4953}" dt="2021-05-11T04:53:04.302" v="56"/>
+          <ac:spMkLst>
+            <pc:docMk/>
+            <pc:sldMk cId="439988425" sldId="329"/>
+            <ac:spMk id="2" creationId="{022286F9-3A9A-41DC-84AB-4D3463283B06}"/>
+          </ac:spMkLst>
+        </pc:spChg>
+        <pc:spChg chg="mod">
+          <ac:chgData name="Damian Kurpiewski" userId="a6c40eeacb61fb23" providerId="LiveId" clId="{703539CB-B3EB-4B80-AC32-0A43115B4953}" dt="2021-05-11T05:00:37.886" v="112" actId="20577"/>
+          <ac:spMkLst>
+            <pc:docMk/>
+            <pc:sldMk cId="439988425" sldId="329"/>
+            <ac:spMk id="3" creationId="{567F2464-6472-4A46-B6EF-7CF842010E04}"/>
+          </ac:spMkLst>
+        </pc:spChg>
+        <pc:spChg chg="mod">
+          <ac:chgData name="Damian Kurpiewski" userId="a6c40eeacb61fb23" providerId="LiveId" clId="{703539CB-B3EB-4B80-AC32-0A43115B4953}" dt="2021-05-11T04:53:04.302" v="56"/>
+          <ac:spMkLst>
+            <pc:docMk/>
+            <pc:sldMk cId="439988425" sldId="329"/>
+            <ac:spMk id="4" creationId="{1B31CA6E-672E-4776-89D9-EF8F9E037703}"/>
+          </ac:spMkLst>
+        </pc:spChg>
+      </pc:sldChg>
+      <pc:sldChg chg="addSp delSp modSp delDesignElem">
+        <pc:chgData name="Damian Kurpiewski" userId="a6c40eeacb61fb23" providerId="LiveId" clId="{703539CB-B3EB-4B80-AC32-0A43115B4953}" dt="2021-05-11T04:53:04.302" v="56"/>
+        <pc:sldMkLst>
+          <pc:docMk/>
+          <pc:sldMk cId="3957472432" sldId="330"/>
+        </pc:sldMkLst>
+        <pc:spChg chg="mod">
+          <ac:chgData name="Damian Kurpiewski" userId="a6c40eeacb61fb23" providerId="LiveId" clId="{703539CB-B3EB-4B80-AC32-0A43115B4953}" dt="2021-05-11T04:53:04.302" v="56"/>
+          <ac:spMkLst>
+            <pc:docMk/>
+            <pc:sldMk cId="3957472432" sldId="330"/>
+            <ac:spMk id="2" creationId="{2DBFDFC4-7CF0-48FA-9FF9-D1ACE29E1AAC}"/>
+          </ac:spMkLst>
+        </pc:spChg>
+        <pc:spChg chg="mod">
+          <ac:chgData name="Damian Kurpiewski" userId="a6c40eeacb61fb23" providerId="LiveId" clId="{703539CB-B3EB-4B80-AC32-0A43115B4953}" dt="2021-05-11T04:53:04.302" v="56"/>
+          <ac:spMkLst>
+            <pc:docMk/>
+            <pc:sldMk cId="3957472432" sldId="330"/>
+            <ac:spMk id="4" creationId="{AE194E1B-BA86-4D67-AC5E-D86298BF583A}"/>
+          </ac:spMkLst>
+        </pc:spChg>
+        <pc:spChg chg="add del mod">
+          <ac:chgData name="Damian Kurpiewski" userId="a6c40eeacb61fb23" providerId="LiveId" clId="{703539CB-B3EB-4B80-AC32-0A43115B4953}" dt="2021-05-11T04:53:04.302" v="56"/>
+          <ac:spMkLst>
+            <pc:docMk/>
+            <pc:sldMk cId="3957472432" sldId="330"/>
+            <ac:spMk id="11" creationId="{E2A093B8-A2CC-4243-9D24-415419DA1489}"/>
+          </ac:spMkLst>
+        </pc:spChg>
+        <pc:graphicFrameChg chg="mod">
+          <ac:chgData name="Damian Kurpiewski" userId="a6c40eeacb61fb23" providerId="LiveId" clId="{703539CB-B3EB-4B80-AC32-0A43115B4953}" dt="2021-05-11T04:53:04.302" v="56"/>
+          <ac:graphicFrameMkLst>
+            <pc:docMk/>
+            <pc:sldMk cId="3957472432" sldId="330"/>
+            <ac:graphicFrameMk id="6" creationId="{F240F824-327C-4436-8369-45BED02E097C}"/>
+          </ac:graphicFrameMkLst>
+        </pc:graphicFrameChg>
+      </pc:sldChg>
+      <pc:sldChg chg="addSp delSp modSp mod delDesignElem">
+        <pc:chgData name="Damian Kurpiewski" userId="a6c40eeacb61fb23" providerId="LiveId" clId="{703539CB-B3EB-4B80-AC32-0A43115B4953}" dt="2021-05-11T04:53:04.302" v="56"/>
+        <pc:sldMkLst>
+          <pc:docMk/>
+          <pc:sldMk cId="3632350086" sldId="331"/>
+        </pc:sldMkLst>
+        <pc:spChg chg="mod">
+          <ac:chgData name="Damian Kurpiewski" userId="a6c40eeacb61fb23" providerId="LiveId" clId="{703539CB-B3EB-4B80-AC32-0A43115B4953}" dt="2021-05-11T04:53:04.302" v="56"/>
+          <ac:spMkLst>
+            <pc:docMk/>
+            <pc:sldMk cId="3632350086" sldId="331"/>
+            <ac:spMk id="2" creationId="{30ADE68A-FE34-44AA-B4C9-10D4112F9CCE}"/>
+          </ac:spMkLst>
+        </pc:spChg>
+        <pc:spChg chg="mod">
+          <ac:chgData name="Damian Kurpiewski" userId="a6c40eeacb61fb23" providerId="LiveId" clId="{703539CB-B3EB-4B80-AC32-0A43115B4953}" dt="2021-05-11T04:53:04.302" v="56"/>
+          <ac:spMkLst>
+            <pc:docMk/>
+            <pc:sldMk cId="3632350086" sldId="331"/>
+            <ac:spMk id="4" creationId="{297A038D-6BCE-4E89-B548-BBD58B060216}"/>
+          </ac:spMkLst>
+        </pc:spChg>
+        <pc:spChg chg="add del mod">
+          <ac:chgData name="Damian Kurpiewski" userId="a6c40eeacb61fb23" providerId="LiveId" clId="{703539CB-B3EB-4B80-AC32-0A43115B4953}" dt="2021-05-11T04:53:04.302" v="56"/>
+          <ac:spMkLst>
+            <pc:docMk/>
+            <pc:sldMk cId="3632350086" sldId="331"/>
+            <ac:spMk id="11" creationId="{E2A093B8-A2CC-4243-9D24-415419DA1489}"/>
+          </ac:spMkLst>
+        </pc:spChg>
+        <pc:graphicFrameChg chg="mod">
+          <ac:chgData name="Damian Kurpiewski" userId="a6c40eeacb61fb23" providerId="LiveId" clId="{703539CB-B3EB-4B80-AC32-0A43115B4953}" dt="2021-05-11T04:53:04.302" v="56"/>
+          <ac:graphicFrameMkLst>
+            <pc:docMk/>
+            <pc:sldMk cId="3632350086" sldId="331"/>
+            <ac:graphicFrameMk id="6" creationId="{5B20AAAC-FD7C-45EA-B525-61E0A0220669}"/>
+          </ac:graphicFrameMkLst>
+        </pc:graphicFrameChg>
+      </pc:sldChg>
+      <pc:sldChg chg="addSp delSp modSp mod delDesignElem">
+        <pc:chgData name="Damian Kurpiewski" userId="a6c40eeacb61fb23" providerId="LiveId" clId="{703539CB-B3EB-4B80-AC32-0A43115B4953}" dt="2021-05-11T04:53:04.302" v="56"/>
+        <pc:sldMkLst>
+          <pc:docMk/>
+          <pc:sldMk cId="1956776049" sldId="332"/>
+        </pc:sldMkLst>
+        <pc:spChg chg="mod">
+          <ac:chgData name="Damian Kurpiewski" userId="a6c40eeacb61fb23" providerId="LiveId" clId="{703539CB-B3EB-4B80-AC32-0A43115B4953}" dt="2021-05-11T04:53:04.302" v="56"/>
+          <ac:spMkLst>
+            <pc:docMk/>
+            <pc:sldMk cId="1956776049" sldId="332"/>
+            <ac:spMk id="2" creationId="{B80E6A24-A27A-4D8A-954B-50580C84342A}"/>
+          </ac:spMkLst>
+        </pc:spChg>
+        <pc:spChg chg="mod">
+          <ac:chgData name="Damian Kurpiewski" userId="a6c40eeacb61fb23" providerId="LiveId" clId="{703539CB-B3EB-4B80-AC32-0A43115B4953}" dt="2021-05-11T04:53:04.302" v="56"/>
+          <ac:spMkLst>
+            <pc:docMk/>
+            <pc:sldMk cId="1956776049" sldId="332"/>
+            <ac:spMk id="3" creationId="{729EA3A6-BAF7-4361-986D-973260624D4E}"/>
+          </ac:spMkLst>
+        </pc:spChg>
+        <pc:spChg chg="mod">
+          <ac:chgData name="Damian Kurpiewski" userId="a6c40eeacb61fb23" providerId="LiveId" clId="{703539CB-B3EB-4B80-AC32-0A43115B4953}" dt="2021-05-11T04:53:04.302" v="56"/>
+          <ac:spMkLst>
+            <pc:docMk/>
+            <pc:sldMk cId="1956776049" sldId="332"/>
+            <ac:spMk id="4" creationId="{FC1F3B76-9826-4C47-B522-A0188A764604}"/>
+          </ac:spMkLst>
+        </pc:spChg>
+        <pc:spChg chg="add del mod">
+          <ac:chgData name="Damian Kurpiewski" userId="a6c40eeacb61fb23" providerId="LiveId" clId="{703539CB-B3EB-4B80-AC32-0A43115B4953}" dt="2021-05-11T04:53:04.302" v="56"/>
+          <ac:spMkLst>
+            <pc:docMk/>
+            <pc:sldMk cId="1956776049" sldId="332"/>
+            <ac:spMk id="9" creationId="{E009DD9B-5EE2-4C0D-8B2B-351C8C102205}"/>
+          </ac:spMkLst>
+        </pc:spChg>
+        <pc:spChg chg="add del mod">
+          <ac:chgData name="Damian Kurpiewski" userId="a6c40eeacb61fb23" providerId="LiveId" clId="{703539CB-B3EB-4B80-AC32-0A43115B4953}" dt="2021-05-11T04:53:04.302" v="56"/>
+          <ac:spMkLst>
+            <pc:docMk/>
+            <pc:sldMk cId="1956776049" sldId="332"/>
+            <ac:spMk id="11" creationId="{E720DB99-7745-4E75-9D96-AAB6D55C531E}"/>
+          </ac:spMkLst>
+        </pc:spChg>
+        <pc:spChg chg="add del mod">
+          <ac:chgData name="Damian Kurpiewski" userId="a6c40eeacb61fb23" providerId="LiveId" clId="{703539CB-B3EB-4B80-AC32-0A43115B4953}" dt="2021-05-11T04:53:04.302" v="56"/>
+          <ac:spMkLst>
+            <pc:docMk/>
+            <pc:sldMk cId="1956776049" sldId="332"/>
+            <ac:spMk id="13" creationId="{D68803C4-E159-4360-B7BB-74205C8F782D}"/>
+          </ac:spMkLst>
+        </pc:spChg>
+        <pc:spChg chg="add del mod">
+          <ac:chgData name="Damian Kurpiewski" userId="a6c40eeacb61fb23" providerId="LiveId" clId="{703539CB-B3EB-4B80-AC32-0A43115B4953}" dt="2021-05-11T04:53:04.302" v="56"/>
+          <ac:spMkLst>
+            <pc:docMk/>
+            <pc:sldMk cId="1956776049" sldId="332"/>
+            <ac:spMk id="15" creationId="{504B0465-3B07-49BF-BEA7-D81476246293}"/>
+          </ac:spMkLst>
+        </pc:spChg>
+        <pc:spChg chg="add del mod">
+          <ac:chgData name="Damian Kurpiewski" userId="a6c40eeacb61fb23" providerId="LiveId" clId="{703539CB-B3EB-4B80-AC32-0A43115B4953}" dt="2021-05-11T04:53:04.302" v="56"/>
+          <ac:spMkLst>
+            <pc:docMk/>
+            <pc:sldMk cId="1956776049" sldId="332"/>
+            <ac:spMk id="17" creationId="{49B7FFA5-14CB-4A4F-9BCC-CA3AA5D9D276}"/>
+          </ac:spMkLst>
+        </pc:spChg>
+        <pc:spChg chg="add del mod">
+          <ac:chgData name="Damian Kurpiewski" userId="a6c40eeacb61fb23" providerId="LiveId" clId="{703539CB-B3EB-4B80-AC32-0A43115B4953}" dt="2021-05-11T04:53:04.302" v="56"/>
+          <ac:spMkLst>
+            <pc:docMk/>
+            <pc:sldMk cId="1956776049" sldId="332"/>
+            <ac:spMk id="19" creationId="{04E48745-7512-4EC2-9E20-9092D12150CA}"/>
+          </ac:spMkLst>
+        </pc:spChg>
+      </pc:sldChg>
+      <pc:sldChg chg="addSp delSp modSp mod delDesignElem">
+        <pc:chgData name="Damian Kurpiewski" userId="a6c40eeacb61fb23" providerId="LiveId" clId="{703539CB-B3EB-4B80-AC32-0A43115B4953}" dt="2021-05-11T04:53:04.302" v="56"/>
+        <pc:sldMkLst>
+          <pc:docMk/>
+          <pc:sldMk cId="1189451598" sldId="333"/>
+        </pc:sldMkLst>
+        <pc:spChg chg="mod">
+          <ac:chgData name="Damian Kurpiewski" userId="a6c40eeacb61fb23" providerId="LiveId" clId="{703539CB-B3EB-4B80-AC32-0A43115B4953}" dt="2021-05-11T04:53:04.302" v="56"/>
+          <ac:spMkLst>
+            <pc:docMk/>
+            <pc:sldMk cId="1189451598" sldId="333"/>
+            <ac:spMk id="2" creationId="{8A47C430-4100-4E16-BD14-5C1BFC123162}"/>
+          </ac:spMkLst>
+        </pc:spChg>
+        <pc:spChg chg="mod">
+          <ac:chgData name="Damian Kurpiewski" userId="a6c40eeacb61fb23" providerId="LiveId" clId="{703539CB-B3EB-4B80-AC32-0A43115B4953}" dt="2021-05-11T04:53:04.302" v="56"/>
+          <ac:spMkLst>
+            <pc:docMk/>
+            <pc:sldMk cId="1189451598" sldId="333"/>
+            <ac:spMk id="3" creationId="{7EB4FECD-F2F1-4F3E-9BD6-3246A4B0A7CD}"/>
+          </ac:spMkLst>
+        </pc:spChg>
+        <pc:spChg chg="mod">
+          <ac:chgData name="Damian Kurpiewski" userId="a6c40eeacb61fb23" providerId="LiveId" clId="{703539CB-B3EB-4B80-AC32-0A43115B4953}" dt="2021-05-11T04:53:04.302" v="56"/>
+          <ac:spMkLst>
+            <pc:docMk/>
+            <pc:sldMk cId="1189451598" sldId="333"/>
+            <ac:spMk id="4" creationId="{9E6C9125-B784-4EC2-8E3E-C74111D64E3C}"/>
+          </ac:spMkLst>
+        </pc:spChg>
+        <pc:spChg chg="add del mod">
+          <ac:chgData name="Damian Kurpiewski" userId="a6c40eeacb61fb23" providerId="LiveId" clId="{703539CB-B3EB-4B80-AC32-0A43115B4953}" dt="2021-05-11T04:53:04.302" v="56"/>
+          <ac:spMkLst>
+            <pc:docMk/>
+            <pc:sldMk cId="1189451598" sldId="333"/>
+            <ac:spMk id="9" creationId="{E009DD9B-5EE2-4C0D-8B2B-351C8C102205}"/>
+          </ac:spMkLst>
+        </pc:spChg>
+        <pc:spChg chg="add del mod">
+          <ac:chgData name="Damian Kurpiewski" userId="a6c40eeacb61fb23" providerId="LiveId" clId="{703539CB-B3EB-4B80-AC32-0A43115B4953}" dt="2021-05-11T04:53:04.302" v="56"/>
+          <ac:spMkLst>
+            <pc:docMk/>
+            <pc:sldMk cId="1189451598" sldId="333"/>
+            <ac:spMk id="11" creationId="{E720DB99-7745-4E75-9D96-AAB6D55C531E}"/>
+          </ac:spMkLst>
+        </pc:spChg>
+        <pc:spChg chg="add del mod">
+          <ac:chgData name="Damian Kurpiewski" userId="a6c40eeacb61fb23" providerId="LiveId" clId="{703539CB-B3EB-4B80-AC32-0A43115B4953}" dt="2021-05-11T04:53:04.302" v="56"/>
+          <ac:spMkLst>
+            <pc:docMk/>
+            <pc:sldMk cId="1189451598" sldId="333"/>
+            <ac:spMk id="13" creationId="{D68803C4-E159-4360-B7BB-74205C8F782D}"/>
+          </ac:spMkLst>
+        </pc:spChg>
+        <pc:spChg chg="add del mod">
+          <ac:chgData name="Damian Kurpiewski" userId="a6c40eeacb61fb23" providerId="LiveId" clId="{703539CB-B3EB-4B80-AC32-0A43115B4953}" dt="2021-05-11T04:53:04.302" v="56"/>
+          <ac:spMkLst>
+            <pc:docMk/>
+            <pc:sldMk cId="1189451598" sldId="333"/>
+            <ac:spMk id="15" creationId="{504B0465-3B07-49BF-BEA7-D81476246293}"/>
+          </ac:spMkLst>
+        </pc:spChg>
+        <pc:spChg chg="add del mod">
+          <ac:chgData name="Damian Kurpiewski" userId="a6c40eeacb61fb23" providerId="LiveId" clId="{703539CB-B3EB-4B80-AC32-0A43115B4953}" dt="2021-05-11T04:53:04.302" v="56"/>
+          <ac:spMkLst>
+            <pc:docMk/>
+            <pc:sldMk cId="1189451598" sldId="333"/>
+            <ac:spMk id="17" creationId="{49B7FFA5-14CB-4A4F-9BCC-CA3AA5D9D276}"/>
+          </ac:spMkLst>
+        </pc:spChg>
+        <pc:spChg chg="add del mod">
+          <ac:chgData name="Damian Kurpiewski" userId="a6c40eeacb61fb23" providerId="LiveId" clId="{703539CB-B3EB-4B80-AC32-0A43115B4953}" dt="2021-05-11T04:53:04.302" v="56"/>
+          <ac:spMkLst>
+            <pc:docMk/>
+            <pc:sldMk cId="1189451598" sldId="333"/>
+            <ac:spMk id="19" creationId="{04E48745-7512-4EC2-9E20-9092D12150CA}"/>
+          </ac:spMkLst>
+        </pc:spChg>
+      </pc:sldChg>
+      <pc:sldChg chg="addSp delSp modSp delDesignElem">
+        <pc:chgData name="Damian Kurpiewski" userId="a6c40eeacb61fb23" providerId="LiveId" clId="{703539CB-B3EB-4B80-AC32-0A43115B4953}" dt="2021-05-11T04:53:04.302" v="56"/>
+        <pc:sldMkLst>
+          <pc:docMk/>
+          <pc:sldMk cId="2467344166" sldId="334"/>
+        </pc:sldMkLst>
+        <pc:spChg chg="mod">
+          <ac:chgData name="Damian Kurpiewski" userId="a6c40eeacb61fb23" providerId="LiveId" clId="{703539CB-B3EB-4B80-AC32-0A43115B4953}" dt="2021-05-11T04:53:04.302" v="56"/>
+          <ac:spMkLst>
+            <pc:docMk/>
+            <pc:sldMk cId="2467344166" sldId="334"/>
+            <ac:spMk id="2" creationId="{2DF0342E-8194-4A41-ACC3-C4F7198093EC}"/>
+          </ac:spMkLst>
+        </pc:spChg>
+        <pc:spChg chg="mod">
+          <ac:chgData name="Damian Kurpiewski" userId="a6c40eeacb61fb23" providerId="LiveId" clId="{703539CB-B3EB-4B80-AC32-0A43115B4953}" dt="2021-05-11T04:53:04.302" v="56"/>
+          <ac:spMkLst>
+            <pc:docMk/>
+            <pc:sldMk cId="2467344166" sldId="334"/>
+            <ac:spMk id="4" creationId="{03D096C2-68FF-48C7-9151-36502B67F58C}"/>
+          </ac:spMkLst>
+        </pc:spChg>
+        <pc:spChg chg="add del mod">
+          <ac:chgData name="Damian Kurpiewski" userId="a6c40eeacb61fb23" providerId="LiveId" clId="{703539CB-B3EB-4B80-AC32-0A43115B4953}" dt="2021-05-11T04:53:04.302" v="56"/>
+          <ac:spMkLst>
+            <pc:docMk/>
+            <pc:sldMk cId="2467344166" sldId="334"/>
+            <ac:spMk id="11" creationId="{E2A093B8-A2CC-4243-9D24-415419DA1489}"/>
+          </ac:spMkLst>
+        </pc:spChg>
+        <pc:graphicFrameChg chg="mod">
+          <ac:chgData name="Damian Kurpiewski" userId="a6c40eeacb61fb23" providerId="LiveId" clId="{703539CB-B3EB-4B80-AC32-0A43115B4953}" dt="2021-05-11T04:53:04.302" v="56"/>
+          <ac:graphicFrameMkLst>
+            <pc:docMk/>
+            <pc:sldMk cId="2467344166" sldId="334"/>
+            <ac:graphicFrameMk id="6" creationId="{DD5D4442-A2E6-4A94-98F7-8B30CAD6E3DF}"/>
+          </ac:graphicFrameMkLst>
+        </pc:graphicFrameChg>
+      </pc:sldChg>
+      <pc:sldChg chg="addSp delSp modSp mod delDesignElem">
+        <pc:chgData name="Damian Kurpiewski" userId="a6c40eeacb61fb23" providerId="LiveId" clId="{703539CB-B3EB-4B80-AC32-0A43115B4953}" dt="2021-05-11T04:53:04.302" v="56"/>
+        <pc:sldMkLst>
+          <pc:docMk/>
+          <pc:sldMk cId="1476943398" sldId="335"/>
+        </pc:sldMkLst>
+        <pc:spChg chg="mod">
+          <ac:chgData name="Damian Kurpiewski" userId="a6c40eeacb61fb23" providerId="LiveId" clId="{703539CB-B3EB-4B80-AC32-0A43115B4953}" dt="2021-05-11T04:53:04.302" v="56"/>
+          <ac:spMkLst>
+            <pc:docMk/>
+            <pc:sldMk cId="1476943398" sldId="335"/>
+            <ac:spMk id="2" creationId="{E0DA48AF-F01B-4667-9FF4-CBB242672363}"/>
+          </ac:spMkLst>
+        </pc:spChg>
+        <pc:spChg chg="mod">
+          <ac:chgData name="Damian Kurpiewski" userId="a6c40eeacb61fb23" providerId="LiveId" clId="{703539CB-B3EB-4B80-AC32-0A43115B4953}" dt="2021-05-11T04:53:04.302" v="56"/>
+          <ac:spMkLst>
+            <pc:docMk/>
+            <pc:sldMk cId="1476943398" sldId="335"/>
+            <ac:spMk id="4" creationId="{E0D7756C-4571-406D-B917-5E336A33CAFD}"/>
+          </ac:spMkLst>
+        </pc:spChg>
+        <pc:spChg chg="mod">
+          <ac:chgData name="Damian Kurpiewski" userId="a6c40eeacb61fb23" providerId="LiveId" clId="{703539CB-B3EB-4B80-AC32-0A43115B4953}" dt="2021-05-11T04:53:04.302" v="56"/>
+          <ac:spMkLst>
+            <pc:docMk/>
+            <pc:sldMk cId="1476943398" sldId="335"/>
+            <ac:spMk id="22" creationId="{8F24BEE8-7E3E-4D02-B222-97427A285FA6}"/>
+          </ac:spMkLst>
+        </pc:spChg>
+        <pc:spChg chg="add del mod">
+          <ac:chgData name="Damian Kurpiewski" userId="a6c40eeacb61fb23" providerId="LiveId" clId="{703539CB-B3EB-4B80-AC32-0A43115B4953}" dt="2021-05-11T04:53:04.302" v="56"/>
+          <ac:spMkLst>
+            <pc:docMk/>
+            <pc:sldMk cId="1476943398" sldId="335"/>
+            <ac:spMk id="28" creationId="{E009DD9B-5EE2-4C0D-8B2B-351C8C102205}"/>
+          </ac:spMkLst>
+        </pc:spChg>
+        <pc:spChg chg="add del mod">
+          <ac:chgData name="Damian Kurpiewski" userId="a6c40eeacb61fb23" providerId="LiveId" clId="{703539CB-B3EB-4B80-AC32-0A43115B4953}" dt="2021-05-11T04:53:04.302" v="56"/>
+          <ac:spMkLst>
+            <pc:docMk/>
+            <pc:sldMk cId="1476943398" sldId="335"/>
+            <ac:spMk id="30" creationId="{E720DB99-7745-4E75-9D96-AAB6D55C531E}"/>
+          </ac:spMkLst>
+        </pc:spChg>
+        <pc:spChg chg="add del mod">
+          <ac:chgData name="Damian Kurpiewski" userId="a6c40eeacb61fb23" providerId="LiveId" clId="{703539CB-B3EB-4B80-AC32-0A43115B4953}" dt="2021-05-11T04:53:04.302" v="56"/>
+          <ac:spMkLst>
+            <pc:docMk/>
+            <pc:sldMk cId="1476943398" sldId="335"/>
+            <ac:spMk id="32" creationId="{D68803C4-E159-4360-B7BB-74205C8F782D}"/>
+          </ac:spMkLst>
+        </pc:spChg>
+        <pc:spChg chg="add del mod">
+          <ac:chgData name="Damian Kurpiewski" userId="a6c40eeacb61fb23" providerId="LiveId" clId="{703539CB-B3EB-4B80-AC32-0A43115B4953}" dt="2021-05-11T04:53:04.302" v="56"/>
+          <ac:spMkLst>
+            <pc:docMk/>
+            <pc:sldMk cId="1476943398" sldId="335"/>
+            <ac:spMk id="34" creationId="{504B0465-3B07-49BF-BEA7-D81476246293}"/>
+          </ac:spMkLst>
+        </pc:spChg>
+        <pc:spChg chg="add del mod">
+          <ac:chgData name="Damian Kurpiewski" userId="a6c40eeacb61fb23" providerId="LiveId" clId="{703539CB-B3EB-4B80-AC32-0A43115B4953}" dt="2021-05-11T04:53:04.302" v="56"/>
+          <ac:spMkLst>
+            <pc:docMk/>
+            <pc:sldMk cId="1476943398" sldId="335"/>
+            <ac:spMk id="36" creationId="{49B7FFA5-14CB-4A4F-9BCC-CA3AA5D9D276}"/>
+          </ac:spMkLst>
+        </pc:spChg>
+        <pc:spChg chg="add del mod">
+          <ac:chgData name="Damian Kurpiewski" userId="a6c40eeacb61fb23" providerId="LiveId" clId="{703539CB-B3EB-4B80-AC32-0A43115B4953}" dt="2021-05-11T04:53:04.302" v="56"/>
+          <ac:spMkLst>
+            <pc:docMk/>
+            <pc:sldMk cId="1476943398" sldId="335"/>
+            <ac:spMk id="38" creationId="{04E48745-7512-4EC2-9E20-9092D12150CA}"/>
+          </ac:spMkLst>
+        </pc:spChg>
+      </pc:sldChg>
+      <pc:sldChg chg="modSp mod">
+        <pc:chgData name="Damian Kurpiewski" userId="a6c40eeacb61fb23" providerId="LiveId" clId="{703539CB-B3EB-4B80-AC32-0A43115B4953}" dt="2021-05-11T04:53:04.302" v="56"/>
+        <pc:sldMkLst>
+          <pc:docMk/>
+          <pc:sldMk cId="2999903177" sldId="336"/>
+        </pc:sldMkLst>
+        <pc:spChg chg="mod">
+          <ac:chgData name="Damian Kurpiewski" userId="a6c40eeacb61fb23" providerId="LiveId" clId="{703539CB-B3EB-4B80-AC32-0A43115B4953}" dt="2021-05-11T04:53:04.302" v="56"/>
+          <ac:spMkLst>
+            <pc:docMk/>
+            <pc:sldMk cId="2999903177" sldId="336"/>
+            <ac:spMk id="2" creationId="{E669153A-C41C-4975-B48A-E76611A879A9}"/>
+          </ac:spMkLst>
+        </pc:spChg>
+        <pc:spChg chg="mod">
+          <ac:chgData name="Damian Kurpiewski" userId="a6c40eeacb61fb23" providerId="LiveId" clId="{703539CB-B3EB-4B80-AC32-0A43115B4953}" dt="2021-05-11T04:53:04.302" v="56"/>
+          <ac:spMkLst>
+            <pc:docMk/>
+            <pc:sldMk cId="2999903177" sldId="336"/>
+            <ac:spMk id="4" creationId="{4EE61728-A58A-48F4-946C-8DEAB5DC51A6}"/>
+          </ac:spMkLst>
+        </pc:spChg>
+        <pc:spChg chg="mod">
+          <ac:chgData name="Damian Kurpiewski" userId="a6c40eeacb61fb23" providerId="LiveId" clId="{703539CB-B3EB-4B80-AC32-0A43115B4953}" dt="2021-05-11T04:53:04.302" v="56"/>
+          <ac:spMkLst>
+            <pc:docMk/>
+            <pc:sldMk cId="2999903177" sldId="336"/>
+            <ac:spMk id="7" creationId="{FF6B2344-CF74-46AF-8856-24DEFD0984A1}"/>
+          </ac:spMkLst>
+        </pc:spChg>
+        <pc:grpChg chg="mod">
+          <ac:chgData name="Damian Kurpiewski" userId="a6c40eeacb61fb23" providerId="LiveId" clId="{703539CB-B3EB-4B80-AC32-0A43115B4953}" dt="2021-05-11T04:53:04.302" v="56"/>
+          <ac:grpSpMkLst>
+            <pc:docMk/>
+            <pc:sldMk cId="2999903177" sldId="336"/>
+            <ac:grpSpMk id="5" creationId="{CA524C1B-BA7A-473A-874F-D52A80B35DCA}"/>
+          </ac:grpSpMkLst>
+        </pc:grpChg>
+        <pc:picChg chg="mod">
+          <ac:chgData name="Damian Kurpiewski" userId="a6c40eeacb61fb23" providerId="LiveId" clId="{703539CB-B3EB-4B80-AC32-0A43115B4953}" dt="2021-05-11T04:53:04.302" v="56"/>
+          <ac:picMkLst>
+            <pc:docMk/>
+            <pc:sldMk cId="2999903177" sldId="336"/>
+            <ac:picMk id="6" creationId="{382312DE-59F7-4C93-8CC4-256AEAB57EC7}"/>
+          </ac:picMkLst>
+        </pc:picChg>
+      </pc:sldChg>
+      <pc:sldChg chg="addSp delSp modSp mod delDesignElem">
+        <pc:chgData name="Damian Kurpiewski" userId="a6c40eeacb61fb23" providerId="LiveId" clId="{703539CB-B3EB-4B80-AC32-0A43115B4953}" dt="2021-05-11T04:53:04.302" v="56"/>
+        <pc:sldMkLst>
+          <pc:docMk/>
+          <pc:sldMk cId="3528771517" sldId="337"/>
+        </pc:sldMkLst>
+        <pc:spChg chg="mod">
+          <ac:chgData name="Damian Kurpiewski" userId="a6c40eeacb61fb23" providerId="LiveId" clId="{703539CB-B3EB-4B80-AC32-0A43115B4953}" dt="2021-05-11T04:53:04.302" v="56"/>
+          <ac:spMkLst>
+            <pc:docMk/>
+            <pc:sldMk cId="3528771517" sldId="337"/>
+            <ac:spMk id="2" creationId="{4C68EF08-0942-4A05-B90A-54A43D11BE63}"/>
+          </ac:spMkLst>
+        </pc:spChg>
+        <pc:spChg chg="mod">
+          <ac:chgData name="Damian Kurpiewski" userId="a6c40eeacb61fb23" providerId="LiveId" clId="{703539CB-B3EB-4B80-AC32-0A43115B4953}" dt="2021-05-11T04:53:04.302" v="56"/>
+          <ac:spMkLst>
+            <pc:docMk/>
+            <pc:sldMk cId="3528771517" sldId="337"/>
+            <ac:spMk id="3" creationId="{50D2E9CE-F114-473F-9F0A-6E3C25963181}"/>
+          </ac:spMkLst>
+        </pc:spChg>
+        <pc:spChg chg="mod">
+          <ac:chgData name="Damian Kurpiewski" userId="a6c40eeacb61fb23" providerId="LiveId" clId="{703539CB-B3EB-4B80-AC32-0A43115B4953}" dt="2021-05-11T04:53:04.302" v="56"/>
+          <ac:spMkLst>
+            <pc:docMk/>
+            <pc:sldMk cId="3528771517" sldId="337"/>
+            <ac:spMk id="4" creationId="{9B85BD51-7793-4477-A00C-9DFA25728B21}"/>
+          </ac:spMkLst>
+        </pc:spChg>
+        <pc:spChg chg="add del mod">
+          <ac:chgData name="Damian Kurpiewski" userId="a6c40eeacb61fb23" providerId="LiveId" clId="{703539CB-B3EB-4B80-AC32-0A43115B4953}" dt="2021-05-11T04:53:04.302" v="56"/>
+          <ac:spMkLst>
+            <pc:docMk/>
+            <pc:sldMk cId="3528771517" sldId="337"/>
+            <ac:spMk id="9" creationId="{E009DD9B-5EE2-4C0D-8B2B-351C8C102205}"/>
+          </ac:spMkLst>
+        </pc:spChg>
+        <pc:spChg chg="add del mod">
+          <ac:chgData name="Damian Kurpiewski" userId="a6c40eeacb61fb23" providerId="LiveId" clId="{703539CB-B3EB-4B80-AC32-0A43115B4953}" dt="2021-05-11T04:53:04.302" v="56"/>
+          <ac:spMkLst>
+            <pc:docMk/>
+            <pc:sldMk cId="3528771517" sldId="337"/>
+            <ac:spMk id="11" creationId="{E720DB99-7745-4E75-9D96-AAB6D55C531E}"/>
+          </ac:spMkLst>
+        </pc:spChg>
+        <pc:spChg chg="add del mod">
+          <ac:chgData name="Damian Kurpiewski" userId="a6c40eeacb61fb23" providerId="LiveId" clId="{703539CB-B3EB-4B80-AC32-0A43115B4953}" dt="2021-05-11T04:53:04.302" v="56"/>
+          <ac:spMkLst>
+            <pc:docMk/>
+            <pc:sldMk cId="3528771517" sldId="337"/>
+            <ac:spMk id="13" creationId="{D68803C4-E159-4360-B7BB-74205C8F782D}"/>
+          </ac:spMkLst>
+        </pc:spChg>
+        <pc:spChg chg="add del mod">
+          <ac:chgData name="Damian Kurpiewski" userId="a6c40eeacb61fb23" providerId="LiveId" clId="{703539CB-B3EB-4B80-AC32-0A43115B4953}" dt="2021-05-11T04:53:04.302" v="56"/>
+          <ac:spMkLst>
+            <pc:docMk/>
+            <pc:sldMk cId="3528771517" sldId="337"/>
+            <ac:spMk id="15" creationId="{504B0465-3B07-49BF-BEA7-D81476246293}"/>
+          </ac:spMkLst>
+        </pc:spChg>
+        <pc:spChg chg="add del mod">
+          <ac:chgData name="Damian Kurpiewski" userId="a6c40eeacb61fb23" providerId="LiveId" clId="{703539CB-B3EB-4B80-AC32-0A43115B4953}" dt="2021-05-11T04:53:04.302" v="56"/>
+          <ac:spMkLst>
+            <pc:docMk/>
+            <pc:sldMk cId="3528771517" sldId="337"/>
+            <ac:spMk id="17" creationId="{49B7FFA5-14CB-4A4F-9BCC-CA3AA5D9D276}"/>
+          </ac:spMkLst>
+        </pc:spChg>
+        <pc:spChg chg="add del mod">
+          <ac:chgData name="Damian Kurpiewski" userId="a6c40eeacb61fb23" providerId="LiveId" clId="{703539CB-B3EB-4B80-AC32-0A43115B4953}" dt="2021-05-11T04:53:04.302" v="56"/>
+          <ac:spMkLst>
+            <pc:docMk/>
+            <pc:sldMk cId="3528771517" sldId="337"/>
+            <ac:spMk id="19" creationId="{04E48745-7512-4EC2-9E20-9092D12150CA}"/>
+          </ac:spMkLst>
+        </pc:spChg>
+      </pc:sldChg>
+      <pc:sldChg chg="addSp delSp modSp mod delDesignElem">
+        <pc:chgData name="Damian Kurpiewski" userId="a6c40eeacb61fb23" providerId="LiveId" clId="{703539CB-B3EB-4B80-AC32-0A43115B4953}" dt="2021-05-11T04:53:04.302" v="56"/>
+        <pc:sldMkLst>
+          <pc:docMk/>
+          <pc:sldMk cId="848823603" sldId="338"/>
+        </pc:sldMkLst>
+        <pc:spChg chg="mod">
+          <ac:chgData name="Damian Kurpiewski" userId="a6c40eeacb61fb23" providerId="LiveId" clId="{703539CB-B3EB-4B80-AC32-0A43115B4953}" dt="2021-05-11T04:53:04.302" v="56"/>
+          <ac:spMkLst>
+            <pc:docMk/>
+            <pc:sldMk cId="848823603" sldId="338"/>
+            <ac:spMk id="2" creationId="{4C68EF08-0942-4A05-B90A-54A43D11BE63}"/>
+          </ac:spMkLst>
+        </pc:spChg>
+        <pc:spChg chg="mod">
+          <ac:chgData name="Damian Kurpiewski" userId="a6c40eeacb61fb23" providerId="LiveId" clId="{703539CB-B3EB-4B80-AC32-0A43115B4953}" dt="2021-05-11T04:53:04.302" v="56"/>
+          <ac:spMkLst>
+            <pc:docMk/>
+            <pc:sldMk cId="848823603" sldId="338"/>
+            <ac:spMk id="3" creationId="{50D2E9CE-F114-473F-9F0A-6E3C25963181}"/>
+          </ac:spMkLst>
+        </pc:spChg>
+        <pc:spChg chg="mod">
+          <ac:chgData name="Damian Kurpiewski" userId="a6c40eeacb61fb23" providerId="LiveId" clId="{703539CB-B3EB-4B80-AC32-0A43115B4953}" dt="2021-05-11T04:53:04.302" v="56"/>
+          <ac:spMkLst>
+            <pc:docMk/>
+            <pc:sldMk cId="848823603" sldId="338"/>
+            <ac:spMk id="4" creationId="{9B85BD51-7793-4477-A00C-9DFA25728B21}"/>
+          </ac:spMkLst>
+        </pc:spChg>
+        <pc:spChg chg="add del mod">
+          <ac:chgData name="Damian Kurpiewski" userId="a6c40eeacb61fb23" providerId="LiveId" clId="{703539CB-B3EB-4B80-AC32-0A43115B4953}" dt="2021-05-11T04:53:04.302" v="56"/>
+          <ac:spMkLst>
+            <pc:docMk/>
+            <pc:sldMk cId="848823603" sldId="338"/>
+            <ac:spMk id="24" creationId="{E009DD9B-5EE2-4C0D-8B2B-351C8C102205}"/>
+          </ac:spMkLst>
+        </pc:spChg>
+        <pc:spChg chg="add del mod">
+          <ac:chgData name="Damian Kurpiewski" userId="a6c40eeacb61fb23" providerId="LiveId" clId="{703539CB-B3EB-4B80-AC32-0A43115B4953}" dt="2021-05-11T04:53:04.302" v="56"/>
+          <ac:spMkLst>
+            <pc:docMk/>
+            <pc:sldMk cId="848823603" sldId="338"/>
+            <ac:spMk id="26" creationId="{E720DB99-7745-4E75-9D96-AAB6D55C531E}"/>
+          </ac:spMkLst>
+        </pc:spChg>
+        <pc:spChg chg="add del mod">
+          <ac:chgData name="Damian Kurpiewski" userId="a6c40eeacb61fb23" providerId="LiveId" clId="{703539CB-B3EB-4B80-AC32-0A43115B4953}" dt="2021-05-11T04:53:04.302" v="56"/>
+          <ac:spMkLst>
+            <pc:docMk/>
+            <pc:sldMk cId="848823603" sldId="338"/>
+            <ac:spMk id="28" creationId="{D68803C4-E159-4360-B7BB-74205C8F782D}"/>
+          </ac:spMkLst>
+        </pc:spChg>
+        <pc:spChg chg="add del mod">
+          <ac:chgData name="Damian Kurpiewski" userId="a6c40eeacb61fb23" providerId="LiveId" clId="{703539CB-B3EB-4B80-AC32-0A43115B4953}" dt="2021-05-11T04:53:04.302" v="56"/>
+          <ac:spMkLst>
+            <pc:docMk/>
+            <pc:sldMk cId="848823603" sldId="338"/>
+            <ac:spMk id="30" creationId="{504B0465-3B07-49BF-BEA7-D81476246293}"/>
+          </ac:spMkLst>
+        </pc:spChg>
+        <pc:spChg chg="add del mod">
+          <ac:chgData name="Damian Kurpiewski" userId="a6c40eeacb61fb23" providerId="LiveId" clId="{703539CB-B3EB-4B80-AC32-0A43115B4953}" dt="2021-05-11T04:53:04.302" v="56"/>
+          <ac:spMkLst>
+            <pc:docMk/>
+            <pc:sldMk cId="848823603" sldId="338"/>
+            <ac:spMk id="32" creationId="{49B7FFA5-14CB-4A4F-9BCC-CA3AA5D9D276}"/>
+          </ac:spMkLst>
+        </pc:spChg>
+        <pc:spChg chg="add del mod">
+          <ac:chgData name="Damian Kurpiewski" userId="a6c40eeacb61fb23" providerId="LiveId" clId="{703539CB-B3EB-4B80-AC32-0A43115B4953}" dt="2021-05-11T04:53:04.302" v="56"/>
+          <ac:spMkLst>
+            <pc:docMk/>
+            <pc:sldMk cId="848823603" sldId="338"/>
+            <ac:spMk id="34" creationId="{04E48745-7512-4EC2-9E20-9092D12150CA}"/>
+          </ac:spMkLst>
+        </pc:spChg>
+      </pc:sldChg>
+      <pc:sldChg chg="addSp delSp modSp mod delDesignElem modShow">
+        <pc:chgData name="Damian Kurpiewski" userId="a6c40eeacb61fb23" providerId="LiveId" clId="{703539CB-B3EB-4B80-AC32-0A43115B4953}" dt="2021-05-11T04:53:12.991" v="58" actId="729"/>
+        <pc:sldMkLst>
+          <pc:docMk/>
+          <pc:sldMk cId="2025158463" sldId="339"/>
+        </pc:sldMkLst>
+        <pc:spChg chg="mod">
+          <ac:chgData name="Damian Kurpiewski" userId="a6c40eeacb61fb23" providerId="LiveId" clId="{703539CB-B3EB-4B80-AC32-0A43115B4953}" dt="2021-05-11T04:53:04.302" v="56"/>
+          <ac:spMkLst>
+            <pc:docMk/>
+            <pc:sldMk cId="2025158463" sldId="339"/>
+            <ac:spMk id="2" creationId="{DAC0A420-BA65-424F-A6C7-14E30A3255D8}"/>
+          </ac:spMkLst>
+        </pc:spChg>
+        <pc:spChg chg="del mod">
+          <ac:chgData name="Damian Kurpiewski" userId="a6c40eeacb61fb23" providerId="LiveId" clId="{703539CB-B3EB-4B80-AC32-0A43115B4953}" dt="2021-05-11T04:51:14.595" v="4"/>
+          <ac:spMkLst>
+            <pc:docMk/>
+            <pc:sldMk cId="2025158463" sldId="339"/>
+            <ac:spMk id="3" creationId="{D014108B-7856-43CC-AA1A-BA8972D192CC}"/>
+          </ac:spMkLst>
+        </pc:spChg>
+        <pc:spChg chg="mod">
+          <ac:chgData name="Damian Kurpiewski" userId="a6c40eeacb61fb23" providerId="LiveId" clId="{703539CB-B3EB-4B80-AC32-0A43115B4953}" dt="2021-05-11T04:53:04.302" v="56"/>
+          <ac:spMkLst>
+            <pc:docMk/>
+            <pc:sldMk cId="2025158463" sldId="339"/>
+            <ac:spMk id="4" creationId="{86AE0506-FE65-4FB5-97FB-5A1BC1CE1BD3}"/>
+          </ac:spMkLst>
+        </pc:spChg>
+        <pc:spChg chg="add del mod">
+          <ac:chgData name="Damian Kurpiewski" userId="a6c40eeacb61fb23" providerId="LiveId" clId="{703539CB-B3EB-4B80-AC32-0A43115B4953}" dt="2021-05-11T04:53:04.302" v="56"/>
+          <ac:spMkLst>
+            <pc:docMk/>
+            <pc:sldMk cId="2025158463" sldId="339"/>
+            <ac:spMk id="9" creationId="{5118BA95-03E7-41B7-B442-0AF8C0A7FF68}"/>
+          </ac:spMkLst>
+        </pc:spChg>
+        <pc:spChg chg="add del mod">
+          <ac:chgData name="Damian Kurpiewski" userId="a6c40eeacb61fb23" providerId="LiveId" clId="{703539CB-B3EB-4B80-AC32-0A43115B4953}" dt="2021-05-11T04:53:04.302" v="56"/>
+          <ac:spMkLst>
+            <pc:docMk/>
+            <pc:sldMk cId="2025158463" sldId="339"/>
+            <ac:spMk id="11" creationId="{AD9B3EAD-A2B3-42C4-927C-3455E3E69EE6}"/>
+          </ac:spMkLst>
+        </pc:spChg>
+        <pc:spChg chg="mod">
+          <ac:chgData name="Damian Kurpiewski" userId="a6c40eeacb61fb23" providerId="LiveId" clId="{703539CB-B3EB-4B80-AC32-0A43115B4953}" dt="2021-05-11T04:53:04.302" v="56"/>
+          <ac:spMkLst>
+            <pc:docMk/>
+            <pc:sldMk cId="2025158463" sldId="339"/>
+            <ac:spMk id="14" creationId="{059D8741-EAD6-41B1-A882-70D70FC35821}"/>
+          </ac:spMkLst>
+        </pc:spChg>
+        <pc:spChg chg="mod">
+          <ac:chgData name="Damian Kurpiewski" userId="a6c40eeacb61fb23" providerId="LiveId" clId="{703539CB-B3EB-4B80-AC32-0A43115B4953}" dt="2021-05-11T04:53:04.302" v="56"/>
+          <ac:spMkLst>
+            <pc:docMk/>
+            <pc:sldMk cId="2025158463" sldId="339"/>
+            <ac:spMk id="15" creationId="{45444F36-3103-4D11-A25F-C054D4606DA4}"/>
+          </ac:spMkLst>
+        </pc:spChg>
+        <pc:grpChg chg="add del mod">
+          <ac:chgData name="Damian Kurpiewski" userId="a6c40eeacb61fb23" providerId="LiveId" clId="{703539CB-B3EB-4B80-AC32-0A43115B4953}" dt="2021-05-11T04:53:04.302" v="56"/>
+          <ac:grpSpMkLst>
+            <pc:docMk/>
+            <pc:sldMk cId="2025158463" sldId="339"/>
+            <ac:grpSpMk id="13" creationId="{4BF9B298-BC35-4C0F-8301-5D63A1E6D281}"/>
+          </ac:grpSpMkLst>
+        </pc:grpChg>
+        <pc:picChg chg="add mod">
+          <ac:chgData name="Damian Kurpiewski" userId="a6c40eeacb61fb23" providerId="LiveId" clId="{703539CB-B3EB-4B80-AC32-0A43115B4953}" dt="2021-05-11T04:53:04.302" v="56"/>
+          <ac:picMkLst>
+            <pc:docMk/>
+            <pc:sldMk cId="2025158463" sldId="339"/>
+            <ac:picMk id="6" creationId="{D71D17CC-B95B-43B3-B598-7ABA7BBB4010}"/>
+          </ac:picMkLst>
+        </pc:picChg>
+      </pc:sldChg>
+      <pc:sldChg chg="addSp delSp modSp mod delDesignElem">
+        <pc:chgData name="Damian Kurpiewski" userId="a6c40eeacb61fb23" providerId="LiveId" clId="{703539CB-B3EB-4B80-AC32-0A43115B4953}" dt="2021-05-11T04:53:04.302" v="56"/>
+        <pc:sldMkLst>
+          <pc:docMk/>
+          <pc:sldMk cId="2933808887" sldId="340"/>
+        </pc:sldMkLst>
+        <pc:spChg chg="mod">
+          <ac:chgData name="Damian Kurpiewski" userId="a6c40eeacb61fb23" providerId="LiveId" clId="{703539CB-B3EB-4B80-AC32-0A43115B4953}" dt="2021-05-11T04:53:04.302" v="56"/>
+          <ac:spMkLst>
+            <pc:docMk/>
+            <pc:sldMk cId="2933808887" sldId="340"/>
+            <ac:spMk id="2" creationId="{B75C3FA6-8F12-48B8-B01D-CE39279E761A}"/>
+          </ac:spMkLst>
+        </pc:spChg>
+        <pc:spChg chg="mod">
+          <ac:chgData name="Damian Kurpiewski" userId="a6c40eeacb61fb23" providerId="LiveId" clId="{703539CB-B3EB-4B80-AC32-0A43115B4953}" dt="2021-05-11T04:53:04.302" v="56"/>
+          <ac:spMkLst>
+            <pc:docMk/>
+            <pc:sldMk cId="2933808887" sldId="340"/>
+            <ac:spMk id="4" creationId="{3E821530-746B-4F42-8F44-B633C6EB0F11}"/>
+          </ac:spMkLst>
+        </pc:spChg>
+        <pc:spChg chg="add del mod">
+          <ac:chgData name="Damian Kurpiewski" userId="a6c40eeacb61fb23" providerId="LiveId" clId="{703539CB-B3EB-4B80-AC32-0A43115B4953}" dt="2021-05-11T04:53:04.302" v="56"/>
+          <ac:spMkLst>
+            <pc:docMk/>
+            <pc:sldMk cId="2933808887" sldId="340"/>
+            <ac:spMk id="28" creationId="{6709138F-8BF1-40DF-B2EB-61DEDE1D3218}"/>
+          </ac:spMkLst>
+        </pc:spChg>
+        <pc:spChg chg="mod">
+          <ac:chgData name="Damian Kurpiewski" userId="a6c40eeacb61fb23" providerId="LiveId" clId="{703539CB-B3EB-4B80-AC32-0A43115B4953}" dt="2021-05-11T04:53:04.302" v="56"/>
+          <ac:spMkLst>
+            <pc:docMk/>
+            <pc:sldMk cId="2933808887" sldId="340"/>
+            <ac:spMk id="29" creationId="{458E76BD-859D-4E49-9739-FA41D4CD5D2D}"/>
+          </ac:spMkLst>
+        </pc:spChg>
+        <pc:spChg chg="mod">
+          <ac:chgData name="Damian Kurpiewski" userId="a6c40eeacb61fb23" providerId="LiveId" clId="{703539CB-B3EB-4B80-AC32-0A43115B4953}" dt="2021-05-11T04:53:04.302" v="56"/>
+          <ac:spMkLst>
+            <pc:docMk/>
+            <pc:sldMk cId="2933808887" sldId="340"/>
+            <ac:spMk id="32" creationId="{979EA430-360E-4176-9623-B9A83D31CEEC}"/>
+          </ac:spMkLst>
+        </pc:spChg>
+        <pc:spChg chg="mod">
+          <ac:chgData name="Damian Kurpiewski" userId="a6c40eeacb61fb23" providerId="LiveId" clId="{703539CB-B3EB-4B80-AC32-0A43115B4953}" dt="2021-05-11T04:53:04.302" v="56"/>
+          <ac:spMkLst>
+            <pc:docMk/>
+            <pc:sldMk cId="2933808887" sldId="340"/>
+            <ac:spMk id="33" creationId="{D1714FD0-5C47-42B7-9A05-FAF494EF4F3C}"/>
+          </ac:spMkLst>
+        </pc:spChg>
+        <pc:spChg chg="add del mod">
+          <ac:chgData name="Damian Kurpiewski" userId="a6c40eeacb61fb23" providerId="LiveId" clId="{703539CB-B3EB-4B80-AC32-0A43115B4953}" dt="2021-05-11T04:53:04.302" v="56"/>
+          <ac:spMkLst>
+            <pc:docMk/>
+            <pc:sldMk cId="2933808887" sldId="340"/>
+            <ac:spMk id="34" creationId="{7ED76833-0D4E-42A8-AEF4-8853ADB0E8F9}"/>
+          </ac:spMkLst>
+        </pc:spChg>
+        <pc:grpChg chg="add del mod">
+          <ac:chgData name="Damian Kurpiewski" userId="a6c40eeacb61fb23" providerId="LiveId" clId="{703539CB-B3EB-4B80-AC32-0A43115B4953}" dt="2021-05-11T04:53:04.302" v="56"/>
+          <ac:grpSpMkLst>
+            <pc:docMk/>
+            <pc:sldMk cId="2933808887" sldId="340"/>
+            <ac:grpSpMk id="31" creationId="{8390D0A1-1C50-4248-A68B-7D09D8B4100D}"/>
+          </ac:grpSpMkLst>
+        </pc:grpChg>
+        <pc:picChg chg="mod">
+          <ac:chgData name="Damian Kurpiewski" userId="a6c40eeacb61fb23" providerId="LiveId" clId="{703539CB-B3EB-4B80-AC32-0A43115B4953}" dt="2021-05-11T04:53:04.302" v="56"/>
+          <ac:picMkLst>
+            <pc:docMk/>
+            <pc:sldMk cId="2933808887" sldId="340"/>
+            <ac:picMk id="79874" creationId="{0BA29A4F-0163-43A4-B023-9AD65C0F6DBB}"/>
+          </ac:picMkLst>
+        </pc:picChg>
+      </pc:sldChg>
+      <pc:sldChg chg="addSp delSp modSp delDesignElem">
+        <pc:chgData name="Damian Kurpiewski" userId="a6c40eeacb61fb23" providerId="LiveId" clId="{703539CB-B3EB-4B80-AC32-0A43115B4953}" dt="2021-05-11T04:53:04.302" v="56"/>
+        <pc:sldMkLst>
+          <pc:docMk/>
+          <pc:sldMk cId="2516845872" sldId="341"/>
+        </pc:sldMkLst>
+        <pc:spChg chg="mod">
+          <ac:chgData name="Damian Kurpiewski" userId="a6c40eeacb61fb23" providerId="LiveId" clId="{703539CB-B3EB-4B80-AC32-0A43115B4953}" dt="2021-05-11T04:53:04.302" v="56"/>
+          <ac:spMkLst>
+            <pc:docMk/>
+            <pc:sldMk cId="2516845872" sldId="341"/>
+            <ac:spMk id="2" creationId="{550BC190-6B1B-4767-A5A0-456D8EE19B47}"/>
+          </ac:spMkLst>
+        </pc:spChg>
+        <pc:spChg chg="mod">
+          <ac:chgData name="Damian Kurpiewski" userId="a6c40eeacb61fb23" providerId="LiveId" clId="{703539CB-B3EB-4B80-AC32-0A43115B4953}" dt="2021-05-11T04:53:04.302" v="56"/>
+          <ac:spMkLst>
+            <pc:docMk/>
+            <pc:sldMk cId="2516845872" sldId="341"/>
+            <ac:spMk id="4" creationId="{0B65127A-FA53-43C7-91A6-85510F8A7E78}"/>
+          </ac:spMkLst>
+        </pc:spChg>
+        <pc:spChg chg="add del mod">
+          <ac:chgData name="Damian Kurpiewski" userId="a6c40eeacb61fb23" providerId="LiveId" clId="{703539CB-B3EB-4B80-AC32-0A43115B4953}" dt="2021-05-11T04:53:04.302" v="56"/>
+          <ac:spMkLst>
+            <pc:docMk/>
+            <pc:sldMk cId="2516845872" sldId="341"/>
+            <ac:spMk id="9" creationId="{E009DD9B-5EE2-4C0D-8B2B-351C8C102205}"/>
+          </ac:spMkLst>
+        </pc:spChg>
+        <pc:spChg chg="add del mod">
+          <ac:chgData name="Damian Kurpiewski" userId="a6c40eeacb61fb23" providerId="LiveId" clId="{703539CB-B3EB-4B80-AC32-0A43115B4953}" dt="2021-05-11T04:53:04.302" v="56"/>
+          <ac:spMkLst>
+            <pc:docMk/>
+            <pc:sldMk cId="2516845872" sldId="341"/>
+            <ac:spMk id="17" creationId="{49B7FFA5-14CB-4A4F-9BCC-CA3AA5D9D276}"/>
+          </ac:spMkLst>
+        </pc:spChg>
+        <pc:spChg chg="add del mod">
+          <ac:chgData name="Damian Kurpiewski" userId="a6c40eeacb61fb23" providerId="LiveId" clId="{703539CB-B3EB-4B80-AC32-0A43115B4953}" dt="2021-05-11T04:53:04.302" v="56"/>
+          <ac:spMkLst>
+            <pc:docMk/>
+            <pc:sldMk cId="2516845872" sldId="341"/>
+            <ac:spMk id="18" creationId="{E720DB99-7745-4E75-9D96-AAB6D55C531E}"/>
+          </ac:spMkLst>
+        </pc:spChg>
+        <pc:spChg chg="add del mod">
+          <ac:chgData name="Damian Kurpiewski" userId="a6c40eeacb61fb23" providerId="LiveId" clId="{703539CB-B3EB-4B80-AC32-0A43115B4953}" dt="2021-05-11T04:53:04.302" v="56"/>
+          <ac:spMkLst>
+            <pc:docMk/>
+            <pc:sldMk cId="2516845872" sldId="341"/>
+            <ac:spMk id="19" creationId="{04E48745-7512-4EC2-9E20-9092D12150CA}"/>
+          </ac:spMkLst>
+        </pc:spChg>
+        <pc:spChg chg="add del mod">
+          <ac:chgData name="Damian Kurpiewski" userId="a6c40eeacb61fb23" providerId="LiveId" clId="{703539CB-B3EB-4B80-AC32-0A43115B4953}" dt="2021-05-11T04:53:04.302" v="56"/>
+          <ac:spMkLst>
+            <pc:docMk/>
+            <pc:sldMk cId="2516845872" sldId="341"/>
+            <ac:spMk id="20" creationId="{D68803C4-E159-4360-B7BB-74205C8F782D}"/>
+          </ac:spMkLst>
+        </pc:spChg>
+        <pc:spChg chg="add del mod">
+          <ac:chgData name="Damian Kurpiewski" userId="a6c40eeacb61fb23" providerId="LiveId" clId="{703539CB-B3EB-4B80-AC32-0A43115B4953}" dt="2021-05-11T04:53:04.302" v="56"/>
+          <ac:spMkLst>
+            <pc:docMk/>
+            <pc:sldMk cId="2516845872" sldId="341"/>
+            <ac:spMk id="21" creationId="{504B0465-3B07-49BF-BEA7-D81476246293}"/>
+          </ac:spMkLst>
+        </pc:spChg>
+        <pc:spChg chg="mod">
+          <ac:chgData name="Damian Kurpiewski" userId="a6c40eeacb61fb23" providerId="LiveId" clId="{703539CB-B3EB-4B80-AC32-0A43115B4953}" dt="2021-05-11T04:53:04.302" v="56"/>
+          <ac:spMkLst>
+            <pc:docMk/>
+            <pc:sldMk cId="2516845872" sldId="341"/>
+            <ac:spMk id="22" creationId="{4A042338-C8E9-465D-B5D7-A2FAE27ACAE0}"/>
+          </ac:spMkLst>
+        </pc:spChg>
+      </pc:sldChg>
+      <pc:sldChg chg="addSp delSp modSp mod delDesignElem">
+        <pc:chgData name="Damian Kurpiewski" userId="a6c40eeacb61fb23" providerId="LiveId" clId="{703539CB-B3EB-4B80-AC32-0A43115B4953}" dt="2021-05-11T04:53:04.302" v="56"/>
+        <pc:sldMkLst>
+          <pc:docMk/>
+          <pc:sldMk cId="2298099227" sldId="342"/>
+        </pc:sldMkLst>
+        <pc:spChg chg="mod">
+          <ac:chgData name="Damian Kurpiewski" userId="a6c40eeacb61fb23" providerId="LiveId" clId="{703539CB-B3EB-4B80-AC32-0A43115B4953}" dt="2021-05-11T04:53:04.302" v="56"/>
+          <ac:spMkLst>
+            <pc:docMk/>
+            <pc:sldMk cId="2298099227" sldId="342"/>
+            <ac:spMk id="2" creationId="{CAD5385A-EFC4-4EFF-BA31-608171DCEB85}"/>
+          </ac:spMkLst>
+        </pc:spChg>
+        <pc:spChg chg="mod">
+          <ac:chgData name="Damian Kurpiewski" userId="a6c40eeacb61fb23" providerId="LiveId" clId="{703539CB-B3EB-4B80-AC32-0A43115B4953}" dt="2021-05-11T04:53:04.302" v="56"/>
+          <ac:spMkLst>
+            <pc:docMk/>
+            <pc:sldMk cId="2298099227" sldId="342"/>
+            <ac:spMk id="4" creationId="{2D78B8B0-601E-4FCC-B861-53C4F306EC3E}"/>
+          </ac:spMkLst>
+        </pc:spChg>
+        <pc:spChg chg="add del mod">
+          <ac:chgData name="Damian Kurpiewski" userId="a6c40eeacb61fb23" providerId="LiveId" clId="{703539CB-B3EB-4B80-AC32-0A43115B4953}" dt="2021-05-11T04:53:04.302" v="56"/>
+          <ac:spMkLst>
+            <pc:docMk/>
+            <pc:sldMk cId="2298099227" sldId="342"/>
+            <ac:spMk id="26" creationId="{E2A093B8-A2CC-4243-9D24-415419DA1489}"/>
+          </ac:spMkLst>
+        </pc:spChg>
+        <pc:graphicFrameChg chg="mod">
+          <ac:chgData name="Damian Kurpiewski" userId="a6c40eeacb61fb23" providerId="LiveId" clId="{703539CB-B3EB-4B80-AC32-0A43115B4953}" dt="2021-05-11T04:53:04.302" v="56"/>
+          <ac:graphicFrameMkLst>
+            <pc:docMk/>
+            <pc:sldMk cId="2298099227" sldId="342"/>
+            <ac:graphicFrameMk id="27" creationId="{2151A268-CF7D-430F-B8D5-70D130625958}"/>
+          </ac:graphicFrameMkLst>
+        </pc:graphicFrameChg>
+      </pc:sldChg>
+      <pc:sldChg chg="addSp delSp modSp mod delDesignElem modShow">
+        <pc:chgData name="Damian Kurpiewski" userId="a6c40eeacb61fb23" providerId="LiveId" clId="{703539CB-B3EB-4B80-AC32-0A43115B4953}" dt="2021-05-11T05:00:24.402" v="107" actId="729"/>
+        <pc:sldMkLst>
+          <pc:docMk/>
+          <pc:sldMk cId="1738058405" sldId="343"/>
+        </pc:sldMkLst>
+        <pc:spChg chg="mod">
+          <ac:chgData name="Damian Kurpiewski" userId="a6c40eeacb61fb23" providerId="LiveId" clId="{703539CB-B3EB-4B80-AC32-0A43115B4953}" dt="2021-05-11T04:59:40.190" v="105" actId="20577"/>
+          <ac:spMkLst>
+            <pc:docMk/>
+            <pc:sldMk cId="1738058405" sldId="343"/>
+            <ac:spMk id="2" creationId="{CE64B4A4-D379-46DC-A84A-582773D06927}"/>
+          </ac:spMkLst>
+        </pc:spChg>
+        <pc:spChg chg="del mod">
+          <ac:chgData name="Damian Kurpiewski" userId="a6c40eeacb61fb23" providerId="LiveId" clId="{703539CB-B3EB-4B80-AC32-0A43115B4953}" dt="2021-05-11T04:58:01.272" v="62"/>
+          <ac:spMkLst>
+            <pc:docMk/>
+            <pc:sldMk cId="1738058405" sldId="343"/>
+            <ac:spMk id="3" creationId="{C9848837-046A-4C7C-AD49-4FD95EAEC8E7}"/>
+          </ac:spMkLst>
+        </pc:spChg>
+        <pc:spChg chg="mod">
+          <ac:chgData name="Damian Kurpiewski" userId="a6c40eeacb61fb23" providerId="LiveId" clId="{703539CB-B3EB-4B80-AC32-0A43115B4953}" dt="2021-05-11T04:53:04.302" v="56"/>
+          <ac:spMkLst>
+            <pc:docMk/>
+            <pc:sldMk cId="1738058405" sldId="343"/>
+            <ac:spMk id="4" creationId="{EAF283B4-A84D-4AB2-88E6-4479ADC9B533}"/>
+          </ac:spMkLst>
+        </pc:spChg>
+        <pc:spChg chg="add del mod">
+          <ac:chgData name="Damian Kurpiewski" userId="a6c40eeacb61fb23" providerId="LiveId" clId="{703539CB-B3EB-4B80-AC32-0A43115B4953}" dt="2021-05-11T04:58:43.496" v="64"/>
+          <ac:spMkLst>
+            <pc:docMk/>
+            <pc:sldMk cId="1738058405" sldId="343"/>
+            <ac:spMk id="7" creationId="{4D61481F-B961-4C16-9FB4-92AD5103EA3C}"/>
+          </ac:spMkLst>
+        </pc:spChg>
+        <pc:spChg chg="add del mod">
+          <ac:chgData name="Damian Kurpiewski" userId="a6c40eeacb61fb23" providerId="LiveId" clId="{703539CB-B3EB-4B80-AC32-0A43115B4953}" dt="2021-05-11T04:53:04.302" v="56"/>
+          <ac:spMkLst>
+            <pc:docMk/>
+            <pc:sldMk cId="1738058405" sldId="343"/>
+            <ac:spMk id="9" creationId="{5118BA95-03E7-41B7-B442-0AF8C0A7FF68}"/>
+          </ac:spMkLst>
+        </pc:spChg>
+        <pc:spChg chg="mod">
+          <ac:chgData name="Damian Kurpiewski" userId="a6c40eeacb61fb23" providerId="LiveId" clId="{703539CB-B3EB-4B80-AC32-0A43115B4953}" dt="2021-05-11T04:53:04.302" v="56"/>
+          <ac:spMkLst>
+            <pc:docMk/>
+            <pc:sldMk cId="1738058405" sldId="343"/>
+            <ac:spMk id="12" creationId="{059D8741-EAD6-41B1-A882-70D70FC35821}"/>
+          </ac:spMkLst>
+        </pc:spChg>
+        <pc:spChg chg="mod">
+          <ac:chgData name="Damian Kurpiewski" userId="a6c40eeacb61fb23" providerId="LiveId" clId="{703539CB-B3EB-4B80-AC32-0A43115B4953}" dt="2021-05-11T04:53:04.302" v="56"/>
+          <ac:spMkLst>
+            <pc:docMk/>
+            <pc:sldMk cId="1738058405" sldId="343"/>
+            <ac:spMk id="13" creationId="{45444F36-3103-4D11-A25F-C054D4606DA4}"/>
+          </ac:spMkLst>
+        </pc:spChg>
+        <pc:spChg chg="add del mod">
+          <ac:chgData name="Damian Kurpiewski" userId="a6c40eeacb61fb23" providerId="LiveId" clId="{703539CB-B3EB-4B80-AC32-0A43115B4953}" dt="2021-05-11T04:53:04.302" v="56"/>
+          <ac:spMkLst>
+            <pc:docMk/>
+            <pc:sldMk cId="1738058405" sldId="343"/>
+            <ac:spMk id="15" creationId="{AD9B3EAD-A2B3-42C4-927C-3455E3E69EE6}"/>
+          </ac:spMkLst>
+        </pc:spChg>
+        <pc:grpChg chg="add del mod">
+          <ac:chgData name="Damian Kurpiewski" userId="a6c40eeacb61fb23" providerId="LiveId" clId="{703539CB-B3EB-4B80-AC32-0A43115B4953}" dt="2021-05-11T04:53:04.302" v="56"/>
+          <ac:grpSpMkLst>
+            <pc:docMk/>
+            <pc:sldMk cId="1738058405" sldId="343"/>
+            <ac:grpSpMk id="11" creationId="{E799C3D5-7D55-4046-808C-F290F456D6EF}"/>
+          </ac:grpSpMkLst>
+        </pc:grpChg>
+        <pc:graphicFrameChg chg="add del mod">
+          <ac:chgData name="Damian Kurpiewski" userId="a6c40eeacb61fb23" providerId="LiveId" clId="{703539CB-B3EB-4B80-AC32-0A43115B4953}" dt="2021-05-11T04:58:14.749" v="63" actId="478"/>
+          <ac:graphicFrameMkLst>
+            <pc:docMk/>
+            <pc:sldMk cId="1738058405" sldId="343"/>
+            <ac:graphicFrameMk id="5" creationId="{A2587029-7D00-49D3-BF08-804AA4367D3F}"/>
+          </ac:graphicFrameMkLst>
+        </pc:graphicFrameChg>
+        <pc:picChg chg="add mod">
+          <ac:chgData name="Damian Kurpiewski" userId="a6c40eeacb61fb23" providerId="LiveId" clId="{703539CB-B3EB-4B80-AC32-0A43115B4953}" dt="2021-05-11T04:59:47.597" v="106" actId="1076"/>
+          <ac:picMkLst>
+            <pc:docMk/>
+            <pc:sldMk cId="1738058405" sldId="343"/>
+            <ac:picMk id="10" creationId="{2AFA30AA-E083-49D8-A54E-2ADAD2853EBC}"/>
+          </ac:picMkLst>
+        </pc:picChg>
+      </pc:sldChg>
+      <pc:sldChg chg="addSp delSp modSp mod delDesignElem modShow">
+        <pc:chgData name="Damian Kurpiewski" userId="a6c40eeacb61fb23" providerId="LiveId" clId="{703539CB-B3EB-4B80-AC32-0A43115B4953}" dt="2021-05-11T05:07:37.410" v="119" actId="729"/>
+        <pc:sldMkLst>
+          <pc:docMk/>
+          <pc:sldMk cId="1541383126" sldId="344"/>
+        </pc:sldMkLst>
+        <pc:spChg chg="mod">
+          <ac:chgData name="Damian Kurpiewski" userId="a6c40eeacb61fb23" providerId="LiveId" clId="{703539CB-B3EB-4B80-AC32-0A43115B4953}" dt="2021-05-11T04:53:04.302" v="56"/>
+          <ac:spMkLst>
+            <pc:docMk/>
+            <pc:sldMk cId="1541383126" sldId="344"/>
+            <ac:spMk id="2" creationId="{070DF438-214A-489C-AB50-B5E243837648}"/>
+          </ac:spMkLst>
+        </pc:spChg>
+        <pc:spChg chg="del mod">
+          <ac:chgData name="Damian Kurpiewski" userId="a6c40eeacb61fb23" providerId="LiveId" clId="{703539CB-B3EB-4B80-AC32-0A43115B4953}" dt="2021-05-11T05:01:06.478" v="113"/>
+          <ac:spMkLst>
+            <pc:docMk/>
+            <pc:sldMk cId="1541383126" sldId="344"/>
+            <ac:spMk id="3" creationId="{22F4B25F-B2CB-4C68-B706-E1EA91E42269}"/>
+          </ac:spMkLst>
+        </pc:spChg>
+        <pc:spChg chg="mod">
+          <ac:chgData name="Damian Kurpiewski" userId="a6c40eeacb61fb23" providerId="LiveId" clId="{703539CB-B3EB-4B80-AC32-0A43115B4953}" dt="2021-05-11T04:53:04.302" v="56"/>
+          <ac:spMkLst>
+            <pc:docMk/>
+            <pc:sldMk cId="1541383126" sldId="344"/>
+            <ac:spMk id="4" creationId="{66B5B5D2-CDFD-4F06-AFBC-A67610F5F3E2}"/>
+          </ac:spMkLst>
+        </pc:spChg>
+        <pc:spChg chg="add del mod">
+          <ac:chgData name="Damian Kurpiewski" userId="a6c40eeacb61fb23" providerId="LiveId" clId="{703539CB-B3EB-4B80-AC32-0A43115B4953}" dt="2021-05-11T04:53:04.302" v="56"/>
+          <ac:spMkLst>
+            <pc:docMk/>
+            <pc:sldMk cId="1541383126" sldId="344"/>
+            <ac:spMk id="9" creationId="{5118BA95-03E7-41B7-B442-0AF8C0A7FF68}"/>
+          </ac:spMkLst>
+        </pc:spChg>
+        <pc:spChg chg="mod">
+          <ac:chgData name="Damian Kurpiewski" userId="a6c40eeacb61fb23" providerId="LiveId" clId="{703539CB-B3EB-4B80-AC32-0A43115B4953}" dt="2021-05-11T04:53:04.302" v="56"/>
+          <ac:spMkLst>
+            <pc:docMk/>
+            <pc:sldMk cId="1541383126" sldId="344"/>
+            <ac:spMk id="12" creationId="{059D8741-EAD6-41B1-A882-70D70FC35821}"/>
+          </ac:spMkLst>
+        </pc:spChg>
+        <pc:spChg chg="mod">
+          <ac:chgData name="Damian Kurpiewski" userId="a6c40eeacb61fb23" providerId="LiveId" clId="{703539CB-B3EB-4B80-AC32-0A43115B4953}" dt="2021-05-11T04:53:04.302" v="56"/>
+          <ac:spMkLst>
+            <pc:docMk/>
+            <pc:sldMk cId="1541383126" sldId="344"/>
+            <ac:spMk id="13" creationId="{45444F36-3103-4D11-A25F-C054D4606DA4}"/>
+          </ac:spMkLst>
+        </pc:spChg>
+        <pc:spChg chg="add del mod">
+          <ac:chgData name="Damian Kurpiewski" userId="a6c40eeacb61fb23" providerId="LiveId" clId="{703539CB-B3EB-4B80-AC32-0A43115B4953}" dt="2021-05-11T04:53:04.302" v="56"/>
+          <ac:spMkLst>
+            <pc:docMk/>
+            <pc:sldMk cId="1541383126" sldId="344"/>
+            <ac:spMk id="15" creationId="{AD9B3EAD-A2B3-42C4-927C-3455E3E69EE6}"/>
+          </ac:spMkLst>
+        </pc:spChg>
+        <pc:grpChg chg="add del mod">
+          <ac:chgData name="Damian Kurpiewski" userId="a6c40eeacb61fb23" providerId="LiveId" clId="{703539CB-B3EB-4B80-AC32-0A43115B4953}" dt="2021-05-11T04:53:04.302" v="56"/>
+          <ac:grpSpMkLst>
+            <pc:docMk/>
+            <pc:sldMk cId="1541383126" sldId="344"/>
+            <ac:grpSpMk id="11" creationId="{E799C3D5-7D55-4046-808C-F290F456D6EF}"/>
+          </ac:grpSpMkLst>
+        </pc:grpChg>
+        <pc:picChg chg="add mod">
+          <ac:chgData name="Damian Kurpiewski" userId="a6c40eeacb61fb23" providerId="LiveId" clId="{703539CB-B3EB-4B80-AC32-0A43115B4953}" dt="2021-05-11T05:01:21.505" v="118" actId="1076"/>
+          <ac:picMkLst>
+            <pc:docMk/>
+            <pc:sldMk cId="1541383126" sldId="344"/>
+            <ac:picMk id="6" creationId="{BA65D94E-64B9-4D35-94F0-F90321F7D41A}"/>
+          </ac:picMkLst>
+        </pc:picChg>
+      </pc:sldChg>
+      <pc:sldChg chg="addSp modSp new del">
+        <pc:chgData name="Damian Kurpiewski" userId="a6c40eeacb61fb23" providerId="LiveId" clId="{703539CB-B3EB-4B80-AC32-0A43115B4953}" dt="2021-05-11T04:53:08.799" v="57" actId="47"/>
+        <pc:sldMkLst>
+          <pc:docMk/>
+          <pc:sldMk cId="4075053032" sldId="345"/>
+        </pc:sldMkLst>
+        <pc:spChg chg="mod">
+          <ac:chgData name="Damian Kurpiewski" userId="a6c40eeacb61fb23" providerId="LiveId" clId="{703539CB-B3EB-4B80-AC32-0A43115B4953}" dt="2021-05-11T04:53:04.302" v="56"/>
+          <ac:spMkLst>
+            <pc:docMk/>
+            <pc:sldMk cId="4075053032" sldId="345"/>
+            <ac:spMk id="2" creationId="{50965AD6-DBC5-4DF2-B6FB-31D962522A10}"/>
+          </ac:spMkLst>
+        </pc:spChg>
+        <pc:picChg chg="add mod">
+          <ac:chgData name="Damian Kurpiewski" userId="a6c40eeacb61fb23" providerId="LiveId" clId="{703539CB-B3EB-4B80-AC32-0A43115B4953}" dt="2021-05-11T04:53:04.302" v="56"/>
+          <ac:picMkLst>
+            <pc:docMk/>
+            <pc:sldMk cId="4075053032" sldId="345"/>
+            <ac:picMk id="3" creationId="{0DB1AAED-53AA-45CA-BB35-564F977A5020}"/>
+          </ac:picMkLst>
+        </pc:picChg>
+      </pc:sldChg>
+      <pc:sldMasterChg chg="modSp modSldLayout">
+        <pc:chgData name="Damian Kurpiewski" userId="a6c40eeacb61fb23" providerId="LiveId" clId="{703539CB-B3EB-4B80-AC32-0A43115B4953}" dt="2021-05-11T04:53:04.302" v="56"/>
+        <pc:sldMasterMkLst>
+          <pc:docMk/>
+          <pc:sldMasterMk cId="3922541662" sldId="2147483830"/>
+        </pc:sldMasterMkLst>
+        <pc:spChg chg="mod">
+          <ac:chgData name="Damian Kurpiewski" userId="a6c40eeacb61fb23" providerId="LiveId" clId="{703539CB-B3EB-4B80-AC32-0A43115B4953}" dt="2021-05-11T04:53:04.302" v="56"/>
+          <ac:spMkLst>
+            <pc:docMk/>
+            <pc:sldMasterMk cId="3922541662" sldId="2147483830"/>
+            <ac:spMk id="2" creationId="{00000000-0000-0000-0000-000000000000}"/>
+          </ac:spMkLst>
+        </pc:spChg>
+        <pc:spChg chg="mod">
+          <ac:chgData name="Damian Kurpiewski" userId="a6c40eeacb61fb23" providerId="LiveId" clId="{703539CB-B3EB-4B80-AC32-0A43115B4953}" dt="2021-05-11T04:53:04.302" v="56"/>
+          <ac:spMkLst>
+            <pc:docMk/>
+            <pc:sldMasterMk cId="3922541662" sldId="2147483830"/>
+            <ac:spMk id="3" creationId="{00000000-0000-0000-0000-000000000000}"/>
+          </ac:spMkLst>
+        </pc:spChg>
+        <pc:spChg chg="mod">
+          <ac:chgData name="Damian Kurpiewski" userId="a6c40eeacb61fb23" providerId="LiveId" clId="{703539CB-B3EB-4B80-AC32-0A43115B4953}" dt="2021-05-11T04:53:04.302" v="56"/>
+          <ac:spMkLst>
+            <pc:docMk/>
+            <pc:sldMasterMk cId="3922541662" sldId="2147483830"/>
+            <ac:spMk id="4" creationId="{00000000-0000-0000-0000-000000000000}"/>
+          </ac:spMkLst>
+        </pc:spChg>
+        <pc:spChg chg="mod">
+          <ac:chgData name="Damian Kurpiewski" userId="a6c40eeacb61fb23" providerId="LiveId" clId="{703539CB-B3EB-4B80-AC32-0A43115B4953}" dt="2021-05-11T04:53:04.302" v="56"/>
+          <ac:spMkLst>
+            <pc:docMk/>
+            <pc:sldMasterMk cId="3922541662" sldId="2147483830"/>
+            <ac:spMk id="5" creationId="{00000000-0000-0000-0000-000000000000}"/>
+          </ac:spMkLst>
+        </pc:spChg>
+        <pc:spChg chg="mod">
+          <ac:chgData name="Damian Kurpiewski" userId="a6c40eeacb61fb23" providerId="LiveId" clId="{703539CB-B3EB-4B80-AC32-0A43115B4953}" dt="2021-05-11T04:53:04.302" v="56"/>
+          <ac:spMkLst>
+            <pc:docMk/>
+            <pc:sldMasterMk cId="3922541662" sldId="2147483830"/>
+            <ac:spMk id="6" creationId="{00000000-0000-0000-0000-000000000000}"/>
+          </ac:spMkLst>
+        </pc:spChg>
+        <pc:spChg chg="mod">
+          <ac:chgData name="Damian Kurpiewski" userId="a6c40eeacb61fb23" providerId="LiveId" clId="{703539CB-B3EB-4B80-AC32-0A43115B4953}" dt="2021-05-11T04:53:04.302" v="56"/>
+          <ac:spMkLst>
+            <pc:docMk/>
+            <pc:sldMasterMk cId="3922541662" sldId="2147483830"/>
+            <ac:spMk id="8" creationId="{00000000-0000-0000-0000-000000000000}"/>
+          </ac:spMkLst>
+        </pc:spChg>
+        <pc:spChg chg="mod">
+          <ac:chgData name="Damian Kurpiewski" userId="a6c40eeacb61fb23" providerId="LiveId" clId="{703539CB-B3EB-4B80-AC32-0A43115B4953}" dt="2021-05-11T04:53:04.302" v="56"/>
+          <ac:spMkLst>
+            <pc:docMk/>
+            <pc:sldMasterMk cId="3922541662" sldId="2147483830"/>
+            <ac:spMk id="9" creationId="{00000000-0000-0000-0000-000000000000}"/>
+          </ac:spMkLst>
+        </pc:spChg>
+        <pc:grpChg chg="mod">
+          <ac:chgData name="Damian Kurpiewski" userId="a6c40eeacb61fb23" providerId="LiveId" clId="{703539CB-B3EB-4B80-AC32-0A43115B4953}" dt="2021-05-11T04:53:04.302" v="56"/>
+          <ac:grpSpMkLst>
+            <pc:docMk/>
+            <pc:sldMasterMk cId="3922541662" sldId="2147483830"/>
+            <ac:grpSpMk id="7" creationId="{00000000-0000-0000-0000-000000000000}"/>
+          </ac:grpSpMkLst>
+        </pc:grpChg>
+        <pc:sldLayoutChg chg="modSp">
+          <pc:chgData name="Damian Kurpiewski" userId="a6c40eeacb61fb23" providerId="LiveId" clId="{703539CB-B3EB-4B80-AC32-0A43115B4953}" dt="2021-05-11T04:53:04.302" v="56"/>
+          <pc:sldLayoutMkLst>
+            <pc:docMk/>
+            <pc:sldMasterMk cId="3922541662" sldId="2147483830"/>
+            <pc:sldLayoutMk cId="3480787863" sldId="2147483831"/>
+          </pc:sldLayoutMkLst>
+          <pc:spChg chg="mod">
+            <ac:chgData name="Damian Kurpiewski" userId="a6c40eeacb61fb23" providerId="LiveId" clId="{703539CB-B3EB-4B80-AC32-0A43115B4953}" dt="2021-05-11T04:53:04.302" v="56"/>
+            <ac:spMkLst>
+              <pc:docMk/>
+              <pc:sldMasterMk cId="3922541662" sldId="2147483830"/>
+              <pc:sldLayoutMk cId="3480787863" sldId="2147483831"/>
+              <ac:spMk id="2" creationId="{00000000-0000-0000-0000-000000000000}"/>
+            </ac:spMkLst>
+          </pc:spChg>
+          <pc:spChg chg="mod">
+            <ac:chgData name="Damian Kurpiewski" userId="a6c40eeacb61fb23" providerId="LiveId" clId="{703539CB-B3EB-4B80-AC32-0A43115B4953}" dt="2021-05-11T04:53:04.302" v="56"/>
+            <ac:spMkLst>
+              <pc:docMk/>
+              <pc:sldMasterMk cId="3922541662" sldId="2147483830"/>
+              <pc:sldLayoutMk cId="3480787863" sldId="2147483831"/>
+              <ac:spMk id="3" creationId="{00000000-0000-0000-0000-000000000000}"/>
+            </ac:spMkLst>
+          </pc:spChg>
+          <pc:spChg chg="mod">
+            <ac:chgData name="Damian Kurpiewski" userId="a6c40eeacb61fb23" providerId="LiveId" clId="{703539CB-B3EB-4B80-AC32-0A43115B4953}" dt="2021-05-11T04:53:04.302" v="56"/>
+            <ac:spMkLst>
+              <pc:docMk/>
+              <pc:sldMasterMk cId="3922541662" sldId="2147483830"/>
+              <pc:sldLayoutMk cId="3480787863" sldId="2147483831"/>
+              <ac:spMk id="6" creationId="{00000000-0000-0000-0000-000000000000}"/>
+            </ac:spMkLst>
+          </pc:spChg>
+          <pc:spChg chg="mod">
+            <ac:chgData name="Damian Kurpiewski" userId="a6c40eeacb61fb23" providerId="LiveId" clId="{703539CB-B3EB-4B80-AC32-0A43115B4953}" dt="2021-05-11T04:53:04.302" v="56"/>
+            <ac:spMkLst>
+              <pc:docMk/>
+              <pc:sldMasterMk cId="3922541662" sldId="2147483830"/>
+              <pc:sldLayoutMk cId="3480787863" sldId="2147483831"/>
+              <ac:spMk id="7" creationId="{00000000-0000-0000-0000-000000000000}"/>
+            </ac:spMkLst>
+          </pc:spChg>
+          <pc:spChg chg="mod">
+            <ac:chgData name="Damian Kurpiewski" userId="a6c40eeacb61fb23" providerId="LiveId" clId="{703539CB-B3EB-4B80-AC32-0A43115B4953}" dt="2021-05-11T04:53:04.302" v="56"/>
+            <ac:spMkLst>
+              <pc:docMk/>
+              <pc:sldMasterMk cId="3922541662" sldId="2147483830"/>
+              <pc:sldLayoutMk cId="3480787863" sldId="2147483831"/>
+              <ac:spMk id="8" creationId="{00000000-0000-0000-0000-000000000000}"/>
+            </ac:spMkLst>
+          </pc:spChg>
+          <pc:spChg chg="mod">
+            <ac:chgData name="Damian Kurpiewski" userId="a6c40eeacb61fb23" providerId="LiveId" clId="{703539CB-B3EB-4B80-AC32-0A43115B4953}" dt="2021-05-11T04:53:04.302" v="56"/>
+            <ac:spMkLst>
+              <pc:docMk/>
+              <pc:sldMasterMk cId="3922541662" sldId="2147483830"/>
+              <pc:sldLayoutMk cId="3480787863" sldId="2147483831"/>
+              <ac:spMk id="9" creationId="{00000000-0000-0000-0000-000000000000}"/>
+            </ac:spMkLst>
+          </pc:spChg>
+          <pc:spChg chg="mod">
+            <ac:chgData name="Damian Kurpiewski" userId="a6c40eeacb61fb23" providerId="LiveId" clId="{703539CB-B3EB-4B80-AC32-0A43115B4953}" dt="2021-05-11T04:53:04.302" v="56"/>
+            <ac:spMkLst>
+              <pc:docMk/>
+              <pc:sldMasterMk cId="3922541662" sldId="2147483830"/>
+              <pc:sldLayoutMk cId="3480787863" sldId="2147483831"/>
+              <ac:spMk id="11" creationId="{00000000-0000-0000-0000-000000000000}"/>
+            </ac:spMkLst>
+          </pc:spChg>
+          <pc:spChg chg="mod">
+            <ac:chgData name="Damian Kurpiewski" userId="a6c40eeacb61fb23" providerId="LiveId" clId="{703539CB-B3EB-4B80-AC32-0A43115B4953}" dt="2021-05-11T04:53:04.302" v="56"/>
+            <ac:spMkLst>
+              <pc:docMk/>
+              <pc:sldMasterMk cId="3922541662" sldId="2147483830"/>
+              <pc:sldLayoutMk cId="3480787863" sldId="2147483831"/>
+              <ac:spMk id="12" creationId="{00000000-0000-0000-0000-000000000000}"/>
+            </ac:spMkLst>
+          </pc:spChg>
+          <pc:grpChg chg="mod">
+            <ac:chgData name="Damian Kurpiewski" userId="a6c40eeacb61fb23" providerId="LiveId" clId="{703539CB-B3EB-4B80-AC32-0A43115B4953}" dt="2021-05-11T04:53:04.302" v="56"/>
+            <ac:grpSpMkLst>
+              <pc:docMk/>
+              <pc:sldMasterMk cId="3922541662" sldId="2147483830"/>
+              <pc:sldLayoutMk cId="3480787863" sldId="2147483831"/>
+              <ac:grpSpMk id="10" creationId="{00000000-0000-0000-0000-000000000000}"/>
+            </ac:grpSpMkLst>
+          </pc:grpChg>
+        </pc:sldLayoutChg>
+        <pc:sldLayoutChg chg="modSp">
+          <pc:chgData name="Damian Kurpiewski" userId="a6c40eeacb61fb23" providerId="LiveId" clId="{703539CB-B3EB-4B80-AC32-0A43115B4953}" dt="2021-05-11T04:53:04.302" v="56"/>
+          <pc:sldLayoutMkLst>
+            <pc:docMk/>
+            <pc:sldMasterMk cId="3922541662" sldId="2147483830"/>
+            <pc:sldLayoutMk cId="4075447514" sldId="2147483833"/>
+          </pc:sldLayoutMkLst>
+          <pc:spChg chg="mod">
+            <ac:chgData name="Damian Kurpiewski" userId="a6c40eeacb61fb23" providerId="LiveId" clId="{703539CB-B3EB-4B80-AC32-0A43115B4953}" dt="2021-05-11T04:53:04.302" v="56"/>
+            <ac:spMkLst>
+              <pc:docMk/>
+              <pc:sldMasterMk cId="3922541662" sldId="2147483830"/>
+              <pc:sldLayoutMk cId="4075447514" sldId="2147483833"/>
+              <ac:spMk id="2" creationId="{00000000-0000-0000-0000-000000000000}"/>
+            </ac:spMkLst>
+          </pc:spChg>
+          <pc:spChg chg="mod">
+            <ac:chgData name="Damian Kurpiewski" userId="a6c40eeacb61fb23" providerId="LiveId" clId="{703539CB-B3EB-4B80-AC32-0A43115B4953}" dt="2021-05-11T04:53:04.302" v="56"/>
+            <ac:spMkLst>
+              <pc:docMk/>
+              <pc:sldMasterMk cId="3922541662" sldId="2147483830"/>
+              <pc:sldLayoutMk cId="4075447514" sldId="2147483833"/>
+              <ac:spMk id="3" creationId="{00000000-0000-0000-0000-000000000000}"/>
+            </ac:spMkLst>
+          </pc:spChg>
+          <pc:spChg chg="mod">
+            <ac:chgData name="Damian Kurpiewski" userId="a6c40eeacb61fb23" providerId="LiveId" clId="{703539CB-B3EB-4B80-AC32-0A43115B4953}" dt="2021-05-11T04:53:04.302" v="56"/>
+            <ac:spMkLst>
+              <pc:docMk/>
+              <pc:sldMasterMk cId="3922541662" sldId="2147483830"/>
+              <pc:sldLayoutMk cId="4075447514" sldId="2147483833"/>
+              <ac:spMk id="4" creationId="{00000000-0000-0000-0000-000000000000}"/>
+            </ac:spMkLst>
+          </pc:spChg>
+          <pc:spChg chg="mod">
+            <ac:chgData name="Damian Kurpiewski" userId="a6c40eeacb61fb23" providerId="LiveId" clId="{703539CB-B3EB-4B80-AC32-0A43115B4953}" dt="2021-05-11T04:53:04.302" v="56"/>
+            <ac:spMkLst>
+              <pc:docMk/>
+              <pc:sldMasterMk cId="3922541662" sldId="2147483830"/>
+              <pc:sldLayoutMk cId="4075447514" sldId="2147483833"/>
+              <ac:spMk id="5" creationId="{00000000-0000-0000-0000-000000000000}"/>
+            </ac:spMkLst>
+          </pc:spChg>
+          <pc:spChg chg="mod">
+            <ac:chgData name="Damian Kurpiewski" userId="a6c40eeacb61fb23" providerId="LiveId" clId="{703539CB-B3EB-4B80-AC32-0A43115B4953}" dt="2021-05-11T04:53:04.302" v="56"/>
+            <ac:spMkLst>
+              <pc:docMk/>
+              <pc:sldMasterMk cId="3922541662" sldId="2147483830"/>
+              <pc:sldLayoutMk cId="4075447514" sldId="2147483833"/>
+              <ac:spMk id="6" creationId="{00000000-0000-0000-0000-000000000000}"/>
+            </ac:spMkLst>
+          </pc:spChg>
+          <pc:spChg chg="mod">
+            <ac:chgData name="Damian Kurpiewski" userId="a6c40eeacb61fb23" providerId="LiveId" clId="{703539CB-B3EB-4B80-AC32-0A43115B4953}" dt="2021-05-11T04:53:04.302" v="56"/>
+            <ac:spMkLst>
+              <pc:docMk/>
+              <pc:sldMasterMk cId="3922541662" sldId="2147483830"/>
+              <pc:sldLayoutMk cId="4075447514" sldId="2147483833"/>
+              <ac:spMk id="7" creationId="{00000000-0000-0000-0000-000000000000}"/>
+            </ac:spMkLst>
+          </pc:spChg>
+          <pc:spChg chg="mod">
+            <ac:chgData name="Damian Kurpiewski" userId="a6c40eeacb61fb23" providerId="LiveId" clId="{703539CB-B3EB-4B80-AC32-0A43115B4953}" dt="2021-05-11T04:53:04.302" v="56"/>
+            <ac:spMkLst>
+              <pc:docMk/>
+              <pc:sldMasterMk cId="3922541662" sldId="2147483830"/>
+              <pc:sldLayoutMk cId="4075447514" sldId="2147483833"/>
+              <ac:spMk id="9" creationId="{00000000-0000-0000-0000-000000000000}"/>
+            </ac:spMkLst>
+          </pc:spChg>
+          <pc:spChg chg="mod">
+            <ac:chgData name="Damian Kurpiewski" userId="a6c40eeacb61fb23" providerId="LiveId" clId="{703539CB-B3EB-4B80-AC32-0A43115B4953}" dt="2021-05-11T04:53:04.302" v="56"/>
+            <ac:spMkLst>
+              <pc:docMk/>
+              <pc:sldMasterMk cId="3922541662" sldId="2147483830"/>
+              <pc:sldLayoutMk cId="4075447514" sldId="2147483833"/>
+              <ac:spMk id="10" creationId="{00000000-0000-0000-0000-000000000000}"/>
+            </ac:spMkLst>
+          </pc:spChg>
+          <pc:grpChg chg="mod">
+            <ac:chgData name="Damian Kurpiewski" userId="a6c40eeacb61fb23" providerId="LiveId" clId="{703539CB-B3EB-4B80-AC32-0A43115B4953}" dt="2021-05-11T04:53:04.302" v="56"/>
+            <ac:grpSpMkLst>
+              <pc:docMk/>
+              <pc:sldMasterMk cId="3922541662" sldId="2147483830"/>
+              <pc:sldLayoutMk cId="4075447514" sldId="2147483833"/>
+              <ac:grpSpMk id="8" creationId="{00000000-0000-0000-0000-000000000000}"/>
+            </ac:grpSpMkLst>
+          </pc:grpChg>
+        </pc:sldLayoutChg>
+        <pc:sldLayoutChg chg="modSp">
+          <pc:chgData name="Damian Kurpiewski" userId="a6c40eeacb61fb23" providerId="LiveId" clId="{703539CB-B3EB-4B80-AC32-0A43115B4953}" dt="2021-05-11T04:53:04.302" v="56"/>
+          <pc:sldLayoutMkLst>
+            <pc:docMk/>
+            <pc:sldMasterMk cId="3922541662" sldId="2147483830"/>
+            <pc:sldLayoutMk cId="2655263945" sldId="2147483834"/>
+          </pc:sldLayoutMkLst>
+          <pc:spChg chg="mod">
+            <ac:chgData name="Damian Kurpiewski" userId="a6c40eeacb61fb23" providerId="LiveId" clId="{703539CB-B3EB-4B80-AC32-0A43115B4953}" dt="2021-05-11T04:53:04.302" v="56"/>
+            <ac:spMkLst>
+              <pc:docMk/>
+              <pc:sldMasterMk cId="3922541662" sldId="2147483830"/>
+              <pc:sldLayoutMk cId="2655263945" sldId="2147483834"/>
+              <ac:spMk id="3" creationId="{00000000-0000-0000-0000-000000000000}"/>
+            </ac:spMkLst>
+          </pc:spChg>
+          <pc:spChg chg="mod">
+            <ac:chgData name="Damian Kurpiewski" userId="a6c40eeacb61fb23" providerId="LiveId" clId="{703539CB-B3EB-4B80-AC32-0A43115B4953}" dt="2021-05-11T04:53:04.302" v="56"/>
+            <ac:spMkLst>
+              <pc:docMk/>
+              <pc:sldMasterMk cId="3922541662" sldId="2147483830"/>
+              <pc:sldLayoutMk cId="2655263945" sldId="2147483834"/>
+              <ac:spMk id="4" creationId="{00000000-0000-0000-0000-000000000000}"/>
+            </ac:spMkLst>
+          </pc:spChg>
+        </pc:sldLayoutChg>
+        <pc:sldLayoutChg chg="modSp">
+          <pc:chgData name="Damian Kurpiewski" userId="a6c40eeacb61fb23" providerId="LiveId" clId="{703539CB-B3EB-4B80-AC32-0A43115B4953}" dt="2021-05-11T04:53:04.302" v="56"/>
+          <pc:sldLayoutMkLst>
+            <pc:docMk/>
+            <pc:sldMasterMk cId="3922541662" sldId="2147483830"/>
+            <pc:sldLayoutMk cId="52991583" sldId="2147483835"/>
+          </pc:sldLayoutMkLst>
+          <pc:spChg chg="mod">
+            <ac:chgData name="Damian Kurpiewski" userId="a6c40eeacb61fb23" providerId="LiveId" clId="{703539CB-B3EB-4B80-AC32-0A43115B4953}" dt="2021-05-11T04:53:04.302" v="56"/>
+            <ac:spMkLst>
+              <pc:docMk/>
+              <pc:sldMasterMk cId="3922541662" sldId="2147483830"/>
+              <pc:sldLayoutMk cId="52991583" sldId="2147483835"/>
+              <ac:spMk id="3" creationId="{00000000-0000-0000-0000-000000000000}"/>
+            </ac:spMkLst>
+          </pc:spChg>
+          <pc:spChg chg="mod">
+            <ac:chgData name="Damian Kurpiewski" userId="a6c40eeacb61fb23" providerId="LiveId" clId="{703539CB-B3EB-4B80-AC32-0A43115B4953}" dt="2021-05-11T04:53:04.302" v="56"/>
+            <ac:spMkLst>
+              <pc:docMk/>
+              <pc:sldMasterMk cId="3922541662" sldId="2147483830"/>
+              <pc:sldLayoutMk cId="52991583" sldId="2147483835"/>
+              <ac:spMk id="4" creationId="{00000000-0000-0000-0000-000000000000}"/>
+            </ac:spMkLst>
+          </pc:spChg>
+          <pc:spChg chg="mod">
+            <ac:chgData name="Damian Kurpiewski" userId="a6c40eeacb61fb23" providerId="LiveId" clId="{703539CB-B3EB-4B80-AC32-0A43115B4953}" dt="2021-05-11T04:53:04.302" v="56"/>
+            <ac:spMkLst>
+              <pc:docMk/>
+              <pc:sldMasterMk cId="3922541662" sldId="2147483830"/>
+              <pc:sldLayoutMk cId="52991583" sldId="2147483835"/>
+              <ac:spMk id="5" creationId="{00000000-0000-0000-0000-000000000000}"/>
+            </ac:spMkLst>
+          </pc:spChg>
+          <pc:spChg chg="mod">
+            <ac:chgData name="Damian Kurpiewski" userId="a6c40eeacb61fb23" providerId="LiveId" clId="{703539CB-B3EB-4B80-AC32-0A43115B4953}" dt="2021-05-11T04:53:04.302" v="56"/>
+            <ac:spMkLst>
+              <pc:docMk/>
+              <pc:sldMasterMk cId="3922541662" sldId="2147483830"/>
+              <pc:sldLayoutMk cId="52991583" sldId="2147483835"/>
+              <ac:spMk id="6" creationId="{00000000-0000-0000-0000-000000000000}"/>
+            </ac:spMkLst>
+          </pc:spChg>
+        </pc:sldLayoutChg>
+        <pc:sldLayoutChg chg="modSp">
+          <pc:chgData name="Damian Kurpiewski" userId="a6c40eeacb61fb23" providerId="LiveId" clId="{703539CB-B3EB-4B80-AC32-0A43115B4953}" dt="2021-05-11T04:53:04.302" v="56"/>
+          <pc:sldLayoutMkLst>
+            <pc:docMk/>
+            <pc:sldMasterMk cId="3922541662" sldId="2147483830"/>
+            <pc:sldLayoutMk cId="1596807992" sldId="2147483838"/>
+          </pc:sldLayoutMkLst>
+          <pc:spChg chg="mod">
+            <ac:chgData name="Damian Kurpiewski" userId="a6c40eeacb61fb23" providerId="LiveId" clId="{703539CB-B3EB-4B80-AC32-0A43115B4953}" dt="2021-05-11T04:53:04.302" v="56"/>
+            <ac:spMkLst>
+              <pc:docMk/>
+              <pc:sldMasterMk cId="3922541662" sldId="2147483830"/>
+              <pc:sldLayoutMk cId="1596807992" sldId="2147483838"/>
+              <ac:spMk id="2" creationId="{00000000-0000-0000-0000-000000000000}"/>
+            </ac:spMkLst>
+          </pc:spChg>
+          <pc:spChg chg="mod">
+            <ac:chgData name="Damian Kurpiewski" userId="a6c40eeacb61fb23" providerId="LiveId" clId="{703539CB-B3EB-4B80-AC32-0A43115B4953}" dt="2021-05-11T04:53:04.302" v="56"/>
+            <ac:spMkLst>
+              <pc:docMk/>
+              <pc:sldMasterMk cId="3922541662" sldId="2147483830"/>
+              <pc:sldLayoutMk cId="1596807992" sldId="2147483838"/>
+              <ac:spMk id="3" creationId="{00000000-0000-0000-0000-000000000000}"/>
+            </ac:spMkLst>
+          </pc:spChg>
+          <pc:spChg chg="mod">
+            <ac:chgData name="Damian Kurpiewski" userId="a6c40eeacb61fb23" providerId="LiveId" clId="{703539CB-B3EB-4B80-AC32-0A43115B4953}" dt="2021-05-11T04:53:04.302" v="56"/>
+            <ac:spMkLst>
+              <pc:docMk/>
+              <pc:sldMasterMk cId="3922541662" sldId="2147483830"/>
+              <pc:sldLayoutMk cId="1596807992" sldId="2147483838"/>
+              <ac:spMk id="4" creationId="{00000000-0000-0000-0000-000000000000}"/>
+            </ac:spMkLst>
+          </pc:spChg>
+          <pc:spChg chg="mod">
+            <ac:chgData name="Damian Kurpiewski" userId="a6c40eeacb61fb23" providerId="LiveId" clId="{703539CB-B3EB-4B80-AC32-0A43115B4953}" dt="2021-05-11T04:53:04.302" v="56"/>
+            <ac:spMkLst>
+              <pc:docMk/>
+              <pc:sldMasterMk cId="3922541662" sldId="2147483830"/>
+              <pc:sldLayoutMk cId="1596807992" sldId="2147483838"/>
+              <ac:spMk id="8" creationId="{00000000-0000-0000-0000-000000000000}"/>
+            </ac:spMkLst>
+          </pc:spChg>
+          <pc:spChg chg="mod">
+            <ac:chgData name="Damian Kurpiewski" userId="a6c40eeacb61fb23" providerId="LiveId" clId="{703539CB-B3EB-4B80-AC32-0A43115B4953}" dt="2021-05-11T04:53:04.302" v="56"/>
+            <ac:spMkLst>
+              <pc:docMk/>
+              <pc:sldMasterMk cId="3922541662" sldId="2147483830"/>
+              <pc:sldLayoutMk cId="1596807992" sldId="2147483838"/>
+              <ac:spMk id="10" creationId="{00000000-0000-0000-0000-000000000000}"/>
+            </ac:spMkLst>
+          </pc:spChg>
+          <pc:spChg chg="mod">
+            <ac:chgData name="Damian Kurpiewski" userId="a6c40eeacb61fb23" providerId="LiveId" clId="{703539CB-B3EB-4B80-AC32-0A43115B4953}" dt="2021-05-11T04:53:04.302" v="56"/>
+            <ac:spMkLst>
+              <pc:docMk/>
+              <pc:sldMasterMk cId="3922541662" sldId="2147483830"/>
+              <pc:sldLayoutMk cId="1596807992" sldId="2147483838"/>
+              <ac:spMk id="11" creationId="{00000000-0000-0000-0000-000000000000}"/>
+            </ac:spMkLst>
+          </pc:spChg>
+          <pc:grpChg chg="mod">
+            <ac:chgData name="Damian Kurpiewski" userId="a6c40eeacb61fb23" providerId="LiveId" clId="{703539CB-B3EB-4B80-AC32-0A43115B4953}" dt="2021-05-11T04:53:04.302" v="56"/>
+            <ac:grpSpMkLst>
+              <pc:docMk/>
+              <pc:sldMasterMk cId="3922541662" sldId="2147483830"/>
+              <pc:sldLayoutMk cId="1596807992" sldId="2147483838"/>
+              <ac:grpSpMk id="9" creationId="{00000000-0000-0000-0000-000000000000}"/>
+            </ac:grpSpMkLst>
+          </pc:grpChg>
+        </pc:sldLayoutChg>
+        <pc:sldLayoutChg chg="modSp">
+          <pc:chgData name="Damian Kurpiewski" userId="a6c40eeacb61fb23" providerId="LiveId" clId="{703539CB-B3EB-4B80-AC32-0A43115B4953}" dt="2021-05-11T04:53:04.302" v="56"/>
+          <pc:sldLayoutMkLst>
+            <pc:docMk/>
+            <pc:sldMasterMk cId="3922541662" sldId="2147483830"/>
+            <pc:sldLayoutMk cId="4160123469" sldId="2147483839"/>
+          </pc:sldLayoutMkLst>
+          <pc:spChg chg="mod">
+            <ac:chgData name="Damian Kurpiewski" userId="a6c40eeacb61fb23" providerId="LiveId" clId="{703539CB-B3EB-4B80-AC32-0A43115B4953}" dt="2021-05-11T04:53:04.302" v="56"/>
+            <ac:spMkLst>
+              <pc:docMk/>
+              <pc:sldMasterMk cId="3922541662" sldId="2147483830"/>
+              <pc:sldLayoutMk cId="4160123469" sldId="2147483839"/>
+              <ac:spMk id="2" creationId="{00000000-0000-0000-0000-000000000000}"/>
+            </ac:spMkLst>
+          </pc:spChg>
+          <pc:spChg chg="mod">
+            <ac:chgData name="Damian Kurpiewski" userId="a6c40eeacb61fb23" providerId="LiveId" clId="{703539CB-B3EB-4B80-AC32-0A43115B4953}" dt="2021-05-11T04:53:04.302" v="56"/>
+            <ac:spMkLst>
+              <pc:docMk/>
+              <pc:sldMasterMk cId="3922541662" sldId="2147483830"/>
+              <pc:sldLayoutMk cId="4160123469" sldId="2147483839"/>
+              <ac:spMk id="3" creationId="{00000000-0000-0000-0000-000000000000}"/>
+            </ac:spMkLst>
+          </pc:spChg>
+          <pc:spChg chg="mod">
+            <ac:chgData name="Damian Kurpiewski" userId="a6c40eeacb61fb23" providerId="LiveId" clId="{703539CB-B3EB-4B80-AC32-0A43115B4953}" dt="2021-05-11T04:53:04.302" v="56"/>
+            <ac:spMkLst>
+              <pc:docMk/>
+              <pc:sldMasterMk cId="3922541662" sldId="2147483830"/>
+              <pc:sldLayoutMk cId="4160123469" sldId="2147483839"/>
+              <ac:spMk id="4" creationId="{00000000-0000-0000-0000-000000000000}"/>
+            </ac:spMkLst>
+          </pc:spChg>
+          <pc:spChg chg="mod">
+            <ac:chgData name="Damian Kurpiewski" userId="a6c40eeacb61fb23" providerId="LiveId" clId="{703539CB-B3EB-4B80-AC32-0A43115B4953}" dt="2021-05-11T04:53:04.302" v="56"/>
+            <ac:spMkLst>
+              <pc:docMk/>
+              <pc:sldMasterMk cId="3922541662" sldId="2147483830"/>
+              <pc:sldLayoutMk cId="4160123469" sldId="2147483839"/>
+              <ac:spMk id="9" creationId="{00000000-0000-0000-0000-000000000000}"/>
+            </ac:spMkLst>
+          </pc:spChg>
+          <pc:spChg chg="mod">
+            <ac:chgData name="Damian Kurpiewski" userId="a6c40eeacb61fb23" providerId="LiveId" clId="{703539CB-B3EB-4B80-AC32-0A43115B4953}" dt="2021-05-11T04:53:04.302" v="56"/>
+            <ac:spMkLst>
+              <pc:docMk/>
+              <pc:sldMasterMk cId="3922541662" sldId="2147483830"/>
+              <pc:sldLayoutMk cId="4160123469" sldId="2147483839"/>
+              <ac:spMk id="10" creationId="{00000000-0000-0000-0000-000000000000}"/>
+            </ac:spMkLst>
+          </pc:spChg>
+          <pc:spChg chg="mod">
+            <ac:chgData name="Damian Kurpiewski" userId="a6c40eeacb61fb23" providerId="LiveId" clId="{703539CB-B3EB-4B80-AC32-0A43115B4953}" dt="2021-05-11T04:53:04.302" v="56"/>
+            <ac:spMkLst>
+              <pc:docMk/>
+              <pc:sldMasterMk cId="3922541662" sldId="2147483830"/>
+              <pc:sldLayoutMk cId="4160123469" sldId="2147483839"/>
+              <ac:spMk id="11" creationId="{00000000-0000-0000-0000-000000000000}"/>
+            </ac:spMkLst>
+          </pc:spChg>
+          <pc:grpChg chg="mod">
+            <ac:chgData name="Damian Kurpiewski" userId="a6c40eeacb61fb23" providerId="LiveId" clId="{703539CB-B3EB-4B80-AC32-0A43115B4953}" dt="2021-05-11T04:53:04.302" v="56"/>
+            <ac:grpSpMkLst>
+              <pc:docMk/>
+              <pc:sldMasterMk cId="3922541662" sldId="2147483830"/>
+              <pc:sldLayoutMk cId="4160123469" sldId="2147483839"/>
+              <ac:grpSpMk id="8" creationId="{00000000-0000-0000-0000-000000000000}"/>
+            </ac:grpSpMkLst>
+          </pc:grpChg>
+        </pc:sldLayoutChg>
+        <pc:sldLayoutChg chg="modSp">
+          <pc:chgData name="Damian Kurpiewski" userId="a6c40eeacb61fb23" providerId="LiveId" clId="{703539CB-B3EB-4B80-AC32-0A43115B4953}" dt="2021-05-11T04:53:04.302" v="56"/>
+          <pc:sldLayoutMkLst>
+            <pc:docMk/>
+            <pc:sldMasterMk cId="3922541662" sldId="2147483830"/>
+            <pc:sldLayoutMk cId="3457503168" sldId="2147483841"/>
+          </pc:sldLayoutMkLst>
+          <pc:spChg chg="mod">
+            <ac:chgData name="Damian Kurpiewski" userId="a6c40eeacb61fb23" providerId="LiveId" clId="{703539CB-B3EB-4B80-AC32-0A43115B4953}" dt="2021-05-11T04:53:04.302" v="56"/>
+            <ac:spMkLst>
+              <pc:docMk/>
+              <pc:sldMasterMk cId="3922541662" sldId="2147483830"/>
+              <pc:sldLayoutMk cId="3457503168" sldId="2147483841"/>
+              <ac:spMk id="2" creationId="{00000000-0000-0000-0000-000000000000}"/>
+            </ac:spMkLst>
+          </pc:spChg>
+          <pc:spChg chg="mod">
+            <ac:chgData name="Damian Kurpiewski" userId="a6c40eeacb61fb23" providerId="LiveId" clId="{703539CB-B3EB-4B80-AC32-0A43115B4953}" dt="2021-05-11T04:53:04.302" v="56"/>
+            <ac:spMkLst>
+              <pc:docMk/>
+              <pc:sldMasterMk cId="3922541662" sldId="2147483830"/>
+              <pc:sldLayoutMk cId="3457503168" sldId="2147483841"/>
+              <ac:spMk id="3" creationId="{00000000-0000-0000-0000-000000000000}"/>
+            </ac:spMkLst>
+          </pc:spChg>
         </pc:sldLayoutChg>
       </pc:sldMasterChg>
     </pc:docChg>
@@ -31224,7 +33476,7 @@
               <a:pPr>
                 <a:defRPr/>
               </a:pPr>
-              <a:t>10.05.2021</a:t>
+              <a:t>11.05.2021</a:t>
             </a:fld>
             <a:endParaRPr lang="pl-PL"/>
           </a:p>
@@ -31463,7 +33715,7 @@
               <a:pPr>
                 <a:defRPr/>
               </a:pPr>
-              <a:t>10.05.2021</a:t>
+              <a:t>11.05.2021</a:t>
             </a:fld>
             <a:endParaRPr lang="pl-PL"/>
           </a:p>
@@ -31853,7 +34105,7 @@
         </p:nvSpPr>
         <p:spPr>
           <a:xfrm>
-            <a:off x="920834" y="1346946"/>
+            <a:off x="920835" y="1346948"/>
             <a:ext cx="10222992" cy="80683"/>
           </a:xfrm>
           <a:prstGeom prst="rect">
@@ -31910,7 +34162,7 @@
         </p:nvSpPr>
         <p:spPr>
           <a:xfrm>
-            <a:off x="920834" y="4299696"/>
+            <a:off x="920835" y="4299698"/>
             <a:ext cx="10222992" cy="80683"/>
           </a:xfrm>
           <a:prstGeom prst="rect">
@@ -31967,7 +34219,7 @@
         </p:nvSpPr>
         <p:spPr>
           <a:xfrm>
-            <a:off x="920834" y="1484779"/>
+            <a:off x="920835" y="1484779"/>
             <a:ext cx="10222992" cy="2743200"/>
           </a:xfrm>
           <a:prstGeom prst="rect">
@@ -32172,35 +34424,35 @@
                 </a:solidFill>
               </a:defRPr>
             </a:lvl1pPr>
-            <a:lvl2pPr marL="457200" indent="0" algn="ctr">
+            <a:lvl2pPr marL="457189" indent="0" algn="ctr">
               <a:buNone/>
               <a:defRPr sz="2200"/>
             </a:lvl2pPr>
-            <a:lvl3pPr marL="914400" indent="0" algn="ctr">
+            <a:lvl3pPr marL="914377" indent="0" algn="ctr">
               <a:buNone/>
               <a:defRPr sz="2200"/>
             </a:lvl3pPr>
-            <a:lvl4pPr marL="1371600" indent="0" algn="ctr">
+            <a:lvl4pPr marL="1371566" indent="0" algn="ctr">
               <a:buNone/>
               <a:defRPr sz="2000"/>
             </a:lvl4pPr>
-            <a:lvl5pPr marL="1828800" indent="0" algn="ctr">
+            <a:lvl5pPr marL="1828754" indent="0" algn="ctr">
               <a:buNone/>
               <a:defRPr sz="2000"/>
             </a:lvl5pPr>
-            <a:lvl6pPr marL="2286000" indent="0" algn="ctr">
+            <a:lvl6pPr marL="2285943" indent="0" algn="ctr">
               <a:buNone/>
               <a:defRPr sz="2000"/>
             </a:lvl6pPr>
-            <a:lvl7pPr marL="2743200" indent="0" algn="ctr">
+            <a:lvl7pPr marL="2743131" indent="0" algn="ctr">
               <a:buNone/>
               <a:defRPr sz="2000"/>
             </a:lvl7pPr>
-            <a:lvl8pPr marL="3200400" indent="0" algn="ctr">
+            <a:lvl8pPr marL="3200320" indent="0" algn="ctr">
               <a:buNone/>
               <a:defRPr sz="2000"/>
             </a:lvl8pPr>
-            <a:lvl9pPr marL="3657600" indent="0" algn="ctr">
+            <a:lvl9pPr marL="3657509" indent="0" algn="ctr">
               <a:buNone/>
               <a:defRPr sz="2000"/>
             </a:lvl9pPr>
@@ -32234,7 +34486,7 @@
             </a:pPr>
             <a:fld id="{43B4B351-6030-4475-8404-2D4AFC8125D1}" type="datetime1">
               <a:rPr lang="pl-PL" smtClean="0"/>
-              <a:t>10.05.2021</a:t>
+              <a:t>11.05.2021</a:t>
             </a:fld>
             <a:endParaRPr lang="pl-PL"/>
           </a:p>
@@ -32274,7 +34526,7 @@
         </p:nvSpPr>
         <p:spPr>
           <a:xfrm>
-            <a:off x="9592733" y="4289334"/>
+            <a:off x="9592734" y="4289334"/>
             <a:ext cx="1193868" cy="640080"/>
           </a:xfrm>
         </p:spPr>
@@ -32420,7 +34672,7 @@
             </a:pPr>
             <a:fld id="{D363B42F-7F81-40C8-BD0B-79FF13DB840C}" type="datetime1">
               <a:rPr lang="pl-PL" smtClean="0"/>
-              <a:t>10.05.2021</a:t>
+              <a:t>11.05.2021</a:t>
             </a:fld>
             <a:endParaRPr lang="pl-PL"/>
           </a:p>
@@ -32514,7 +34766,7 @@
         </p:nvSpPr>
         <p:spPr>
           <a:xfrm>
-            <a:off x="8724900" y="533400"/>
+            <a:off x="8724901" y="533400"/>
             <a:ext cx="2552700" cy="5638800"/>
           </a:xfrm>
         </p:spPr>
@@ -32542,7 +34794,7 @@
         </p:nvSpPr>
         <p:spPr>
           <a:xfrm>
-            <a:off x="1066800" y="533400"/>
+            <a:off x="1066801" y="533400"/>
             <a:ext cx="7505700" cy="5638800"/>
           </a:xfrm>
         </p:spPr>
@@ -32607,7 +34859,7 @@
             </a:pPr>
             <a:fld id="{2930CFCE-B045-497D-951F-9ECEC44EBCE2}" type="datetime1">
               <a:rPr lang="pl-PL" smtClean="0"/>
-              <a:t>10.05.2021</a:t>
+              <a:t>11.05.2021</a:t>
             </a:fld>
             <a:endParaRPr lang="pl-PL"/>
           </a:p>
@@ -32784,7 +35036,7 @@
             </a:pPr>
             <a:fld id="{932FA028-E78A-468C-ADE2-836514782C59}" type="datetime1">
               <a:rPr lang="pl-PL" smtClean="0"/>
-              <a:t>10.05.2021</a:t>
+              <a:t>11.05.2021</a:t>
             </a:fld>
             <a:endParaRPr lang="pl-PL"/>
           </a:p>
@@ -32972,7 +35224,7 @@
         </p:nvSpPr>
         <p:spPr>
           <a:xfrm>
-            <a:off x="2165774" y="5020056"/>
+            <a:off x="2165775" y="5020056"/>
             <a:ext cx="9052560" cy="1066800"/>
           </a:xfrm>
         </p:spPr>
@@ -32989,7 +35241,7 @@
                 </a:solidFill>
               </a:defRPr>
             </a:lvl1pPr>
-            <a:lvl2pPr marL="457200" indent="0">
+            <a:lvl2pPr marL="457189" indent="0">
               <a:buNone/>
               <a:defRPr sz="1800">
                 <a:solidFill>
@@ -32999,7 +35251,7 @@
                 </a:solidFill>
               </a:defRPr>
             </a:lvl2pPr>
-            <a:lvl3pPr marL="914400" indent="0">
+            <a:lvl3pPr marL="914377" indent="0">
               <a:buNone/>
               <a:defRPr sz="1600">
                 <a:solidFill>
@@ -33009,7 +35261,7 @@
                 </a:solidFill>
               </a:defRPr>
             </a:lvl3pPr>
-            <a:lvl4pPr marL="1371600" indent="0">
+            <a:lvl4pPr marL="1371566" indent="0">
               <a:buNone/>
               <a:defRPr sz="1400">
                 <a:solidFill>
@@ -33019,7 +35271,7 @@
                 </a:solidFill>
               </a:defRPr>
             </a:lvl4pPr>
-            <a:lvl5pPr marL="1828800" indent="0">
+            <a:lvl5pPr marL="1828754" indent="0">
               <a:buNone/>
               <a:defRPr sz="1400">
                 <a:solidFill>
@@ -33029,7 +35281,7 @@
                 </a:solidFill>
               </a:defRPr>
             </a:lvl5pPr>
-            <a:lvl6pPr marL="2286000" indent="0">
+            <a:lvl6pPr marL="2285943" indent="0">
               <a:buNone/>
               <a:defRPr sz="1400">
                 <a:solidFill>
@@ -33039,7 +35291,7 @@
                 </a:solidFill>
               </a:defRPr>
             </a:lvl6pPr>
-            <a:lvl7pPr marL="2743200" indent="0">
+            <a:lvl7pPr marL="2743131" indent="0">
               <a:buNone/>
               <a:defRPr sz="1400">
                 <a:solidFill>
@@ -33049,7 +35301,7 @@
                 </a:solidFill>
               </a:defRPr>
             </a:lvl7pPr>
-            <a:lvl8pPr marL="3200400" indent="0">
+            <a:lvl8pPr marL="3200320" indent="0">
               <a:buNone/>
               <a:defRPr sz="1400">
                 <a:solidFill>
@@ -33059,7 +35311,7 @@
                 </a:solidFill>
               </a:defRPr>
             </a:lvl8pPr>
-            <a:lvl9pPr marL="3657600" indent="0">
+            <a:lvl9pPr marL="3657509" indent="0">
               <a:buNone/>
               <a:defRPr sz="1400">
                 <a:solidFill>
@@ -33091,7 +35343,7 @@
         </p:nvSpPr>
         <p:spPr>
           <a:xfrm>
-            <a:off x="8593667" y="6272784"/>
+            <a:off x="8593668" y="6272786"/>
             <a:ext cx="2644309" cy="365125"/>
           </a:xfrm>
         </p:spPr>
@@ -33104,7 +35356,7 @@
             </a:pPr>
             <a:fld id="{EB94DA51-F586-4093-BEE7-207682986B13}" type="datetime1">
               <a:rPr lang="pl-PL" smtClean="0"/>
-              <a:t>10.05.2021</a:t>
+              <a:t>11.05.2021</a:t>
             </a:fld>
             <a:endParaRPr lang="pl-PL"/>
           </a:p>
@@ -33122,7 +35374,7 @@
         </p:nvSpPr>
         <p:spPr>
           <a:xfrm>
-            <a:off x="2182708" y="6272784"/>
+            <a:off x="2182708" y="6272786"/>
             <a:ext cx="6327648" cy="365125"/>
           </a:xfrm>
         </p:spPr>
@@ -33233,8 +35485,8 @@
         </p:nvSpPr>
         <p:spPr>
           <a:xfrm>
-            <a:off x="843702" y="2506133"/>
-            <a:ext cx="1188298" cy="720332"/>
+            <a:off x="843701" y="2506133"/>
+            <a:ext cx="1188299" cy="720332"/>
           </a:xfrm>
         </p:spPr>
         <p:txBody>
@@ -33497,7 +35749,7 @@
             </a:pPr>
             <a:fld id="{55DD9CFA-E99C-46EC-9E40-ADD44506F11E}" type="datetime1">
               <a:rPr lang="pl-PL" smtClean="0"/>
-              <a:t>10.05.2021</a:t>
+              <a:t>11.05.2021</a:t>
             </a:fld>
             <a:endParaRPr lang="pl-PL"/>
           </a:p>
@@ -33633,35 +35885,35 @@
                 </a:solidFill>
               </a:defRPr>
             </a:lvl1pPr>
-            <a:lvl2pPr marL="457200" indent="0">
+            <a:lvl2pPr marL="457189" indent="0">
               <a:buNone/>
               <a:defRPr sz="2000" b="1"/>
             </a:lvl2pPr>
-            <a:lvl3pPr marL="914400" indent="0">
+            <a:lvl3pPr marL="914377" indent="0">
               <a:buNone/>
               <a:defRPr sz="1800" b="1"/>
             </a:lvl3pPr>
-            <a:lvl4pPr marL="1371600" indent="0">
+            <a:lvl4pPr marL="1371566" indent="0">
               <a:buNone/>
               <a:defRPr sz="1600" b="1"/>
             </a:lvl4pPr>
-            <a:lvl5pPr marL="1828800" indent="0">
+            <a:lvl5pPr marL="1828754" indent="0">
               <a:buNone/>
               <a:defRPr sz="1600" b="1"/>
             </a:lvl5pPr>
-            <a:lvl6pPr marL="2286000" indent="0">
+            <a:lvl6pPr marL="2285943" indent="0">
               <a:buNone/>
               <a:defRPr sz="1600" b="1"/>
             </a:lvl6pPr>
-            <a:lvl7pPr marL="2743200" indent="0">
+            <a:lvl7pPr marL="2743131" indent="0">
               <a:buNone/>
               <a:defRPr sz="1600" b="1"/>
             </a:lvl7pPr>
-            <a:lvl8pPr marL="3200400" indent="0">
+            <a:lvl8pPr marL="3200320" indent="0">
               <a:buNone/>
               <a:defRPr sz="1600" b="1"/>
             </a:lvl8pPr>
-            <a:lvl9pPr marL="3657600" indent="0">
+            <a:lvl9pPr marL="3657509" indent="0">
               <a:buNone/>
               <a:defRPr sz="1600" b="1"/>
             </a:lvl9pPr>
@@ -33791,35 +36043,35 @@
                 </a:solidFill>
               </a:defRPr>
             </a:lvl1pPr>
-            <a:lvl2pPr marL="457200" indent="0">
+            <a:lvl2pPr marL="457189" indent="0">
               <a:buNone/>
               <a:defRPr sz="2000" b="1"/>
             </a:lvl2pPr>
-            <a:lvl3pPr marL="914400" indent="0">
+            <a:lvl3pPr marL="914377" indent="0">
               <a:buNone/>
               <a:defRPr sz="1800" b="1"/>
             </a:lvl3pPr>
-            <a:lvl4pPr marL="1371600" indent="0">
+            <a:lvl4pPr marL="1371566" indent="0">
               <a:buNone/>
               <a:defRPr sz="1600" b="1"/>
             </a:lvl4pPr>
-            <a:lvl5pPr marL="1828800" indent="0">
+            <a:lvl5pPr marL="1828754" indent="0">
               <a:buNone/>
               <a:defRPr sz="1600" b="1"/>
             </a:lvl5pPr>
-            <a:lvl6pPr marL="2286000" indent="0">
+            <a:lvl6pPr marL="2285943" indent="0">
               <a:buNone/>
               <a:defRPr sz="1600" b="1"/>
             </a:lvl6pPr>
-            <a:lvl7pPr marL="2743200" indent="0">
+            <a:lvl7pPr marL="2743131" indent="0">
               <a:buNone/>
               <a:defRPr sz="1600" b="1"/>
             </a:lvl7pPr>
-            <a:lvl8pPr marL="3200400" indent="0">
+            <a:lvl8pPr marL="3200320" indent="0">
               <a:buNone/>
               <a:defRPr sz="1600" b="1"/>
             </a:lvl8pPr>
-            <a:lvl9pPr marL="3657600" indent="0">
+            <a:lvl9pPr marL="3657509" indent="0">
               <a:buNone/>
               <a:defRPr sz="1600" b="1"/>
             </a:lvl9pPr>
@@ -33938,7 +36190,7 @@
             </a:pPr>
             <a:fld id="{1302FB1F-4D1F-4B89-B6F3-73413FAA16FA}" type="datetime1">
               <a:rPr lang="pl-PL" smtClean="0"/>
-              <a:t>10.05.2021</a:t>
+              <a:t>11.05.2021</a:t>
             </a:fld>
             <a:endParaRPr lang="pl-PL"/>
           </a:p>
@@ -34063,7 +36315,7 @@
             </a:pPr>
             <a:fld id="{F78AD57A-A64A-4CA4-BE28-63F94F465B6B}" type="datetime1">
               <a:rPr lang="pl-PL" smtClean="0"/>
-              <a:t>10.05.2021</a:t>
+              <a:t>11.05.2021</a:t>
             </a:fld>
             <a:endParaRPr lang="pl-PL"/>
           </a:p>
@@ -34165,7 +36417,7 @@
             </a:pPr>
             <a:fld id="{39F7FA73-09B5-4B67-963E-81290585B38F}" type="datetime1">
               <a:rPr lang="pl-PL" smtClean="0"/>
-              <a:t>10.05.2021</a:t>
+              <a:t>11.05.2021</a:t>
             </a:fld>
             <a:endParaRPr lang="pl-PL"/>
           </a:p>
@@ -34255,7 +36507,7 @@
         </p:nvSpPr>
         <p:spPr>
           <a:xfrm>
-            <a:off x="8303740" y="0"/>
+            <a:off x="8303741" y="2"/>
             <a:ext cx="3888259" cy="6857999"/>
           </a:xfrm>
           <a:prstGeom prst="rect">
@@ -34460,35 +36712,35 @@
                 </a:solidFill>
               </a:defRPr>
             </a:lvl1pPr>
-            <a:lvl2pPr marL="457200" indent="0">
+            <a:lvl2pPr marL="457189" indent="0">
               <a:buNone/>
               <a:defRPr sz="1200"/>
             </a:lvl2pPr>
-            <a:lvl3pPr marL="914400" indent="0">
+            <a:lvl3pPr marL="914377" indent="0">
               <a:buNone/>
               <a:defRPr sz="1000"/>
             </a:lvl3pPr>
-            <a:lvl4pPr marL="1371600" indent="0">
+            <a:lvl4pPr marL="1371566" indent="0">
               <a:buNone/>
               <a:defRPr sz="900"/>
             </a:lvl4pPr>
-            <a:lvl5pPr marL="1828800" indent="0">
+            <a:lvl5pPr marL="1828754" indent="0">
               <a:buNone/>
               <a:defRPr sz="900"/>
             </a:lvl5pPr>
-            <a:lvl6pPr marL="2286000" indent="0">
+            <a:lvl6pPr marL="2285943" indent="0">
               <a:buNone/>
               <a:defRPr sz="900"/>
             </a:lvl6pPr>
-            <a:lvl7pPr marL="2743200" indent="0">
+            <a:lvl7pPr marL="2743131" indent="0">
               <a:buNone/>
               <a:defRPr sz="900"/>
             </a:lvl7pPr>
-            <a:lvl8pPr marL="3200400" indent="0">
+            <a:lvl8pPr marL="3200320" indent="0">
               <a:buNone/>
               <a:defRPr sz="900"/>
             </a:lvl8pPr>
-            <a:lvl9pPr marL="3657600" indent="0">
+            <a:lvl9pPr marL="3657509" indent="0">
               <a:buNone/>
               <a:defRPr sz="900"/>
             </a:lvl9pPr>
@@ -34522,7 +36774,7 @@
             </a:pPr>
             <a:fld id="{3134BFDA-2F92-40E6-9600-017637AAD190}" type="datetime1">
               <a:rPr lang="pl-PL" smtClean="0"/>
-              <a:t>10.05.2021</a:t>
+              <a:t>11.05.2021</a:t>
             </a:fld>
             <a:endParaRPr lang="pl-PL"/>
           </a:p>
@@ -34701,7 +36953,7 @@
         </p:nvSpPr>
         <p:spPr>
           <a:xfrm>
-            <a:off x="8303740" y="0"/>
+            <a:off x="8303741" y="2"/>
             <a:ext cx="3888259" cy="6857999"/>
           </a:xfrm>
           <a:prstGeom prst="rect">
@@ -34796,7 +37048,7 @@
         </p:nvSpPr>
         <p:spPr>
           <a:xfrm>
-            <a:off x="0" y="0"/>
+            <a:off x="1" y="0"/>
             <a:ext cx="8303740" cy="6858000"/>
           </a:xfrm>
           <a:solidFill>
@@ -34813,35 +37065,35 @@
               <a:buNone/>
               <a:defRPr sz="3200"/>
             </a:lvl1pPr>
-            <a:lvl2pPr marL="457200" indent="0">
+            <a:lvl2pPr marL="457189" indent="0">
               <a:buNone/>
               <a:defRPr sz="2800"/>
             </a:lvl2pPr>
-            <a:lvl3pPr marL="914400" indent="0">
+            <a:lvl3pPr marL="914377" indent="0">
               <a:buNone/>
               <a:defRPr sz="2400"/>
             </a:lvl3pPr>
-            <a:lvl4pPr marL="1371600" indent="0">
+            <a:lvl4pPr marL="1371566" indent="0">
               <a:buNone/>
               <a:defRPr sz="2000"/>
             </a:lvl4pPr>
-            <a:lvl5pPr marL="1828800" indent="0">
+            <a:lvl5pPr marL="1828754" indent="0">
               <a:buNone/>
               <a:defRPr sz="2000"/>
             </a:lvl5pPr>
-            <a:lvl6pPr marL="2286000" indent="0">
+            <a:lvl6pPr marL="2285943" indent="0">
               <a:buNone/>
               <a:defRPr sz="2000"/>
             </a:lvl6pPr>
-            <a:lvl7pPr marL="2743200" indent="0">
+            <a:lvl7pPr marL="2743131" indent="0">
               <a:buNone/>
               <a:defRPr sz="2000"/>
             </a:lvl7pPr>
-            <a:lvl8pPr marL="3200400" indent="0">
+            <a:lvl8pPr marL="3200320" indent="0">
               <a:buNone/>
               <a:defRPr sz="2000"/>
             </a:lvl8pPr>
-            <a:lvl9pPr marL="3657600" indent="0">
+            <a:lvl9pPr marL="3657509" indent="0">
               <a:buNone/>
               <a:defRPr sz="2000"/>
             </a:lvl9pPr>
@@ -34892,35 +37144,35 @@
                 </a:solidFill>
               </a:defRPr>
             </a:lvl1pPr>
-            <a:lvl2pPr marL="457200" indent="0">
+            <a:lvl2pPr marL="457189" indent="0">
               <a:buNone/>
               <a:defRPr sz="1200"/>
             </a:lvl2pPr>
-            <a:lvl3pPr marL="914400" indent="0">
+            <a:lvl3pPr marL="914377" indent="0">
               <a:buNone/>
               <a:defRPr sz="1000"/>
             </a:lvl3pPr>
-            <a:lvl4pPr marL="1371600" indent="0">
+            <a:lvl4pPr marL="1371566" indent="0">
               <a:buNone/>
               <a:defRPr sz="900"/>
             </a:lvl4pPr>
-            <a:lvl5pPr marL="1828800" indent="0">
+            <a:lvl5pPr marL="1828754" indent="0">
               <a:buNone/>
               <a:defRPr sz="900"/>
             </a:lvl5pPr>
-            <a:lvl6pPr marL="2286000" indent="0">
+            <a:lvl6pPr marL="2285943" indent="0">
               <a:buNone/>
               <a:defRPr sz="900"/>
             </a:lvl6pPr>
-            <a:lvl7pPr marL="2743200" indent="0">
+            <a:lvl7pPr marL="2743131" indent="0">
               <a:buNone/>
               <a:defRPr sz="900"/>
             </a:lvl7pPr>
-            <a:lvl8pPr marL="3200400" indent="0">
+            <a:lvl8pPr marL="3200320" indent="0">
               <a:buNone/>
               <a:defRPr sz="900"/>
             </a:lvl8pPr>
-            <a:lvl9pPr marL="3657600" indent="0">
+            <a:lvl9pPr marL="3657509" indent="0">
               <a:buNone/>
               <a:defRPr sz="900"/>
             </a:lvl9pPr>
@@ -34954,7 +37206,7 @@
             </a:pPr>
             <a:fld id="{59980DA2-409B-4264-98F1-A097165906B3}" type="datetime1">
               <a:rPr lang="pl-PL" smtClean="0"/>
-              <a:t>10.05.2021</a:t>
+              <a:t>11.05.2021</a:t>
             </a:fld>
             <a:endParaRPr lang="pl-PL"/>
           </a:p>
@@ -35215,7 +37467,7 @@
         </p:nvSpPr>
         <p:spPr>
           <a:xfrm>
-            <a:off x="7964424" y="6272784"/>
+            <a:off x="7964424" y="6272786"/>
             <a:ext cx="3273552" cy="365125"/>
           </a:xfrm>
           <a:prstGeom prst="rect">
@@ -35239,7 +37491,7 @@
             </a:pPr>
             <a:fld id="{E034D96C-657D-4128-AF1A-B7306BBA4852}" type="datetime1">
               <a:rPr lang="pl-PL" smtClean="0"/>
-              <a:t>10.05.2021</a:t>
+              <a:t>11.05.2021</a:t>
             </a:fld>
             <a:endParaRPr lang="pl-PL"/>
           </a:p>
@@ -35257,7 +37509,7 @@
         </p:nvSpPr>
         <p:spPr>
           <a:xfrm>
-            <a:off x="1088136" y="6272784"/>
+            <a:off x="1088136" y="6272786"/>
             <a:ext cx="6327648" cy="365125"/>
           </a:xfrm>
           <a:prstGeom prst="rect">
@@ -35384,7 +37636,7 @@
         </p:nvSpPr>
         <p:spPr>
           <a:xfrm>
-            <a:off x="11311128" y="6272784"/>
+            <a:off x="11311128" y="6272786"/>
             <a:ext cx="640080" cy="365125"/>
           </a:xfrm>
           <a:prstGeom prst="rect">
@@ -35437,7 +37689,7 @@
   <p:hf hdr="0" ftr="0" dt="0"/>
   <p:txStyles>
     <p:titleStyle>
-      <a:lvl1pPr algn="l" defTabSz="914400" rtl="0" eaLnBrk="1" latinLnBrk="0" hangingPunct="1">
+      <a:lvl1pPr algn="l" defTabSz="914377" rtl="0" eaLnBrk="1" latinLnBrk="0" hangingPunct="1">
         <a:lnSpc>
           <a:spcPct val="90000"/>
         </a:lnSpc>
@@ -35463,7 +37715,7 @@
       </a:lvl1pPr>
     </p:titleStyle>
     <p:bodyStyle>
-      <a:lvl1pPr marL="182880" indent="-182880" algn="l" defTabSz="914400" rtl="0" eaLnBrk="1" latinLnBrk="0" hangingPunct="1">
+      <a:lvl1pPr marL="182875" indent="-182875" algn="l" defTabSz="914377" rtl="0" eaLnBrk="1" latinLnBrk="0" hangingPunct="1">
         <a:lnSpc>
           <a:spcPct val="90000"/>
         </a:lnSpc>
@@ -35487,7 +37739,7 @@
           <a:cs typeface="+mn-cs"/>
         </a:defRPr>
       </a:lvl1pPr>
-      <a:lvl2pPr marL="457200" indent="-182880" algn="l" defTabSz="914400" rtl="0" eaLnBrk="1" latinLnBrk="0" hangingPunct="1">
+      <a:lvl2pPr marL="457189" indent="-182875" algn="l" defTabSz="914377" rtl="0" eaLnBrk="1" latinLnBrk="0" hangingPunct="1">
         <a:lnSpc>
           <a:spcPct val="90000"/>
         </a:lnSpc>
@@ -35514,7 +37766,7 @@
           <a:cs typeface="+mn-cs"/>
         </a:defRPr>
       </a:lvl2pPr>
-      <a:lvl3pPr marL="731520" indent="-182880" algn="l" defTabSz="914400" rtl="0" eaLnBrk="1" latinLnBrk="0" hangingPunct="1">
+      <a:lvl3pPr marL="731502" indent="-182875" algn="l" defTabSz="914377" rtl="0" eaLnBrk="1" latinLnBrk="0" hangingPunct="1">
         <a:lnSpc>
           <a:spcPct val="90000"/>
         </a:lnSpc>
@@ -35541,7 +37793,7 @@
           <a:cs typeface="+mn-cs"/>
         </a:defRPr>
       </a:lvl3pPr>
-      <a:lvl4pPr marL="1005840" indent="-182880" algn="l" defTabSz="914400" rtl="0" eaLnBrk="1" latinLnBrk="0" hangingPunct="1">
+      <a:lvl4pPr marL="1005815" indent="-182875" algn="l" defTabSz="914377" rtl="0" eaLnBrk="1" latinLnBrk="0" hangingPunct="1">
         <a:lnSpc>
           <a:spcPct val="90000"/>
         </a:lnSpc>
@@ -35568,7 +37820,7 @@
           <a:cs typeface="+mn-cs"/>
         </a:defRPr>
       </a:lvl4pPr>
-      <a:lvl5pPr marL="1280160" indent="-182880" algn="l" defTabSz="914400" rtl="0" eaLnBrk="1" latinLnBrk="0" hangingPunct="1">
+      <a:lvl5pPr marL="1280128" indent="-182875" algn="l" defTabSz="914377" rtl="0" eaLnBrk="1" latinLnBrk="0" hangingPunct="1">
         <a:lnSpc>
           <a:spcPct val="90000"/>
         </a:lnSpc>
@@ -35595,7 +37847,7 @@
           <a:cs typeface="+mn-cs"/>
         </a:defRPr>
       </a:lvl5pPr>
-      <a:lvl6pPr marL="1600000" indent="-228600" algn="l" defTabSz="914400" rtl="0" eaLnBrk="1" latinLnBrk="0" hangingPunct="1">
+      <a:lvl6pPr marL="1599960" indent="-228594" algn="l" defTabSz="914377" rtl="0" eaLnBrk="1" latinLnBrk="0" hangingPunct="1">
         <a:lnSpc>
           <a:spcPct val="90000"/>
         </a:lnSpc>
@@ -35622,7 +37874,7 @@
           <a:cs typeface="+mn-cs"/>
         </a:defRPr>
       </a:lvl6pPr>
-      <a:lvl7pPr marL="1900000" indent="-228600" algn="l" defTabSz="914400" rtl="0" eaLnBrk="1" latinLnBrk="0" hangingPunct="1">
+      <a:lvl7pPr marL="1899953" indent="-228594" algn="l" defTabSz="914377" rtl="0" eaLnBrk="1" latinLnBrk="0" hangingPunct="1">
         <a:lnSpc>
           <a:spcPct val="90000"/>
         </a:lnSpc>
@@ -35649,7 +37901,7 @@
           <a:cs typeface="+mn-cs"/>
         </a:defRPr>
       </a:lvl7pPr>
-      <a:lvl8pPr marL="2200000" indent="-228600" algn="l" defTabSz="914400" rtl="0" eaLnBrk="1" latinLnBrk="0" hangingPunct="1">
+      <a:lvl8pPr marL="2199945" indent="-228594" algn="l" defTabSz="914377" rtl="0" eaLnBrk="1" latinLnBrk="0" hangingPunct="1">
         <a:lnSpc>
           <a:spcPct val="90000"/>
         </a:lnSpc>
@@ -35676,7 +37928,7 @@
           <a:cs typeface="+mn-cs"/>
         </a:defRPr>
       </a:lvl8pPr>
-      <a:lvl9pPr marL="2500000" indent="-228600" algn="l" defTabSz="914400" rtl="0" eaLnBrk="1" latinLnBrk="0" hangingPunct="1">
+      <a:lvl9pPr marL="2499938" indent="-228594" algn="l" defTabSz="914377" rtl="0" eaLnBrk="1" latinLnBrk="0" hangingPunct="1">
         <a:lnSpc>
           <a:spcPct val="90000"/>
         </a:lnSpc>
@@ -35708,7 +37960,7 @@
       <a:defPPr>
         <a:defRPr lang="en-US"/>
       </a:defPPr>
-      <a:lvl1pPr marL="0" algn="l" defTabSz="914400" rtl="0" eaLnBrk="1" latinLnBrk="0" hangingPunct="1">
+      <a:lvl1pPr marL="0" algn="l" defTabSz="914377" rtl="0" eaLnBrk="1" latinLnBrk="0" hangingPunct="1">
         <a:defRPr sz="1800" kern="1200">
           <a:solidFill>
             <a:schemeClr val="tx1"/>
@@ -35718,7 +37970,7 @@
           <a:cs typeface="+mn-cs"/>
         </a:defRPr>
       </a:lvl1pPr>
-      <a:lvl2pPr marL="457200" algn="l" defTabSz="914400" rtl="0" eaLnBrk="1" latinLnBrk="0" hangingPunct="1">
+      <a:lvl2pPr marL="457189" algn="l" defTabSz="914377" rtl="0" eaLnBrk="1" latinLnBrk="0" hangingPunct="1">
         <a:defRPr sz="1800" kern="1200">
           <a:solidFill>
             <a:schemeClr val="tx1"/>
@@ -35728,7 +37980,7 @@
           <a:cs typeface="+mn-cs"/>
         </a:defRPr>
       </a:lvl2pPr>
-      <a:lvl3pPr marL="914400" algn="l" defTabSz="914400" rtl="0" eaLnBrk="1" latinLnBrk="0" hangingPunct="1">
+      <a:lvl3pPr marL="914377" algn="l" defTabSz="914377" rtl="0" eaLnBrk="1" latinLnBrk="0" hangingPunct="1">
         <a:defRPr sz="1800" kern="1200">
           <a:solidFill>
             <a:schemeClr val="tx1"/>
@@ -35738,7 +37990,7 @@
           <a:cs typeface="+mn-cs"/>
         </a:defRPr>
       </a:lvl3pPr>
-      <a:lvl4pPr marL="1371600" algn="l" defTabSz="914400" rtl="0" eaLnBrk="1" latinLnBrk="0" hangingPunct="1">
+      <a:lvl4pPr marL="1371566" algn="l" defTabSz="914377" rtl="0" eaLnBrk="1" latinLnBrk="0" hangingPunct="1">
         <a:defRPr sz="1800" kern="1200">
           <a:solidFill>
             <a:schemeClr val="tx1"/>
@@ -35748,7 +38000,7 @@
           <a:cs typeface="+mn-cs"/>
         </a:defRPr>
       </a:lvl4pPr>
-      <a:lvl5pPr marL="1828800" algn="l" defTabSz="914400" rtl="0" eaLnBrk="1" latinLnBrk="0" hangingPunct="1">
+      <a:lvl5pPr marL="1828754" algn="l" defTabSz="914377" rtl="0" eaLnBrk="1" latinLnBrk="0" hangingPunct="1">
         <a:defRPr sz="1800" kern="1200">
           <a:solidFill>
             <a:schemeClr val="tx1"/>
@@ -35758,7 +38010,7 @@
           <a:cs typeface="+mn-cs"/>
         </a:defRPr>
       </a:lvl5pPr>
-      <a:lvl6pPr marL="2286000" algn="l" defTabSz="914400" rtl="0" eaLnBrk="1" latinLnBrk="0" hangingPunct="1">
+      <a:lvl6pPr marL="2285943" algn="l" defTabSz="914377" rtl="0" eaLnBrk="1" latinLnBrk="0" hangingPunct="1">
         <a:defRPr sz="1800" kern="1200">
           <a:solidFill>
             <a:schemeClr val="tx1"/>
@@ -35768,7 +38020,7 @@
           <a:cs typeface="+mn-cs"/>
         </a:defRPr>
       </a:lvl6pPr>
-      <a:lvl7pPr marL="2743200" algn="l" defTabSz="914400" rtl="0" eaLnBrk="1" latinLnBrk="0" hangingPunct="1">
+      <a:lvl7pPr marL="2743131" algn="l" defTabSz="914377" rtl="0" eaLnBrk="1" latinLnBrk="0" hangingPunct="1">
         <a:defRPr sz="1800" kern="1200">
           <a:solidFill>
             <a:schemeClr val="tx1"/>
@@ -35778,7 +38030,7 @@
           <a:cs typeface="+mn-cs"/>
         </a:defRPr>
       </a:lvl7pPr>
-      <a:lvl8pPr marL="3200400" algn="l" defTabSz="914400" rtl="0" eaLnBrk="1" latinLnBrk="0" hangingPunct="1">
+      <a:lvl8pPr marL="3200320" algn="l" defTabSz="914377" rtl="0" eaLnBrk="1" latinLnBrk="0" hangingPunct="1">
         <a:defRPr sz="1800" kern="1200">
           <a:solidFill>
             <a:schemeClr val="tx1"/>
@@ -35788,7 +38040,7 @@
           <a:cs typeface="+mn-cs"/>
         </a:defRPr>
       </a:lvl8pPr>
-      <a:lvl9pPr marL="3657600" algn="l" defTabSz="914400" rtl="0" eaLnBrk="1" latinLnBrk="0" hangingPunct="1">
+      <a:lvl9pPr marL="3657509" algn="l" defTabSz="914377" rtl="0" eaLnBrk="1" latinLnBrk="0" hangingPunct="1">
         <a:defRPr sz="1800" kern="1200">
           <a:solidFill>
             <a:schemeClr val="tx1"/>
@@ -35881,6 +38133,54 @@
           </a:p>
         </p:txBody>
       </p:sp>
+      <p:pic>
+        <p:nvPicPr>
+          <p:cNvPr id="4" name="Picture 2">
+            <a:hlinkClick r:id="rId2"/>
+            <a:extLst>
+              <a:ext uri="{FF2B5EF4-FFF2-40B4-BE49-F238E27FC236}">
+                <a16:creationId xmlns:a16="http://schemas.microsoft.com/office/drawing/2014/main" id="{B47B47ED-2223-486B-BD2F-3C2C8CD12291}"/>
+              </a:ext>
+            </a:extLst>
+          </p:cNvPr>
+          <p:cNvPicPr>
+            <a:picLocks noChangeAspect="1" noChangeArrowheads="1"/>
+          </p:cNvPicPr>
+          <p:nvPr/>
+        </p:nvPicPr>
+        <p:blipFill>
+          <a:blip r:embed="rId3">
+            <a:extLst>
+              <a:ext uri="{28A0092B-C50C-407E-A947-70E740481C1C}">
+                <a14:useLocalDpi xmlns:a14="http://schemas.microsoft.com/office/drawing/2010/main" val="0"/>
+              </a:ext>
+            </a:extLst>
+          </a:blip>
+          <a:srcRect/>
+          <a:stretch>
+            <a:fillRect/>
+          </a:stretch>
+        </p:blipFill>
+        <p:spPr bwMode="auto">
+          <a:xfrm>
+            <a:off x="10416480" y="6093296"/>
+            <a:ext cx="1512168" cy="529071"/>
+          </a:xfrm>
+          <a:prstGeom prst="rect">
+            <a:avLst/>
+          </a:prstGeom>
+          <a:noFill/>
+          <a:extLst>
+            <a:ext uri="{909E8E84-426E-40DD-AFC4-6F175D3DCCD1}">
+              <a14:hiddenFill xmlns:a14="http://schemas.microsoft.com/office/drawing/2010/main">
+                <a:solidFill>
+                  <a:srgbClr val="FFFFFF"/>
+                </a:solidFill>
+              </a14:hiddenFill>
+            </a:ext>
+          </a:extLst>
+        </p:spPr>
+      </p:pic>
     </p:spTree>
   </p:cSld>
   <p:clrMapOvr>
@@ -36099,7 +38399,7 @@
           </p:nvPr>
         </p:nvGraphicFramePr>
         <p:xfrm>
-          <a:off x="1069975" y="2385390"/>
+          <a:off x="1069975" y="2385391"/>
           <a:ext cx="10058400" cy="3617845"/>
         </p:xfrm>
         <a:graphic>
@@ -36331,7 +38631,7 @@
           </p:nvPr>
         </p:nvGraphicFramePr>
         <p:xfrm>
-          <a:off x="1069975" y="2385390"/>
+          <a:off x="1069975" y="2385391"/>
           <a:ext cx="10058400" cy="3617845"/>
         </p:xfrm>
         <a:graphic>
@@ -36563,7 +38863,7 @@
           </p:nvPr>
         </p:nvGraphicFramePr>
         <p:xfrm>
-          <a:off x="1069975" y="2385390"/>
+          <a:off x="1069975" y="2385391"/>
           <a:ext cx="10058400" cy="3617845"/>
         </p:xfrm>
         <a:graphic>
@@ -36710,7 +39010,7 @@
         </p:nvSpPr>
         <p:spPr>
           <a:xfrm>
-            <a:off x="382280" y="484632"/>
+            <a:off x="382281" y="484632"/>
             <a:ext cx="6743844" cy="1609344"/>
           </a:xfrm>
         </p:spPr>
@@ -36746,7 +39046,7 @@
         </p:nvSpPr>
         <p:spPr>
           <a:xfrm>
-            <a:off x="382279" y="2121408"/>
+            <a:off x="382280" y="2121408"/>
             <a:ext cx="6743845" cy="4050792"/>
           </a:xfrm>
         </p:spPr>
@@ -36878,7 +39178,7 @@
         </p:blipFill>
         <p:spPr>
           <a:xfrm>
-            <a:off x="8203460" y="1595727"/>
+            <a:off x="8203461" y="1595729"/>
             <a:ext cx="3369177" cy="3369177"/>
           </a:xfrm>
           <a:prstGeom prst="rect">
@@ -36969,36 +39269,14 @@
             <a:bodyPr lIns="0" tIns="0" rIns="0" bIns="0" rtlCol="0" anchor="ctr"/>
             <a:lstStyle/>
             <a:p>
-              <a:pPr marL="0" marR="0" lvl="0" indent="0" algn="ctr" defTabSz="914400" eaLnBrk="1" fontAlgn="auto" latinLnBrk="0" hangingPunct="1">
-                <a:lnSpc>
-                  <a:spcPct val="100000"/>
-                </a:lnSpc>
-                <a:spcBef>
-                  <a:spcPts val="0"/>
-                </a:spcBef>
-                <a:spcAft>
-                  <a:spcPts val="0"/>
-                </a:spcAft>
-                <a:buClrTx/>
-                <a:buSzTx/>
-                <a:buFontTx/>
-                <a:buNone/>
-                <a:tabLst/>
+              <a:pPr algn="ctr" defTabSz="914377">
                 <a:defRPr/>
               </a:pPr>
-              <a:endParaRPr kumimoji="0" lang="en-US" sz="2000" b="0" i="0" u="none" strike="noStrike" kern="0" cap="none" spc="0" normalizeH="0" baseline="0" noProof="0" dirty="0">
-                <a:ln>
-                  <a:noFill/>
-                </a:ln>
+              <a:endParaRPr lang="en-US" sz="2000" kern="0" dirty="0">
                 <a:solidFill>
                   <a:prstClr val="white"/>
                 </a:solidFill>
-                <a:effectLst/>
-                <a:uLnTx/>
-                <a:uFillTx/>
                 <a:latin typeface="Rockwell Extra Bold" pitchFamily="18" charset="0"/>
-                <a:ea typeface="+mn-ea"/>
-                <a:cs typeface="+mn-cs"/>
               </a:endParaRPr>
             </a:p>
           </p:txBody>
@@ -37045,36 +39323,14 @@
             <a:bodyPr rtlCol="0" anchor="ctr"/>
             <a:lstStyle/>
             <a:p>
-              <a:pPr marL="0" marR="0" lvl="0" indent="0" algn="ctr" defTabSz="914400" eaLnBrk="1" fontAlgn="auto" latinLnBrk="0" hangingPunct="1">
-                <a:lnSpc>
-                  <a:spcPct val="100000"/>
-                </a:lnSpc>
-                <a:spcBef>
-                  <a:spcPts val="0"/>
-                </a:spcBef>
-                <a:spcAft>
-                  <a:spcPts val="0"/>
-                </a:spcAft>
-                <a:buClrTx/>
-                <a:buSzTx/>
-                <a:buFontTx/>
-                <a:buNone/>
-                <a:tabLst/>
+              <a:pPr algn="ctr" defTabSz="914377">
                 <a:defRPr/>
               </a:pPr>
-              <a:endParaRPr kumimoji="0" lang="en-US" sz="1800" b="0" i="0" u="none" strike="noStrike" kern="0" cap="none" spc="0" normalizeH="0" baseline="0" noProof="0" dirty="0">
-                <a:ln>
-                  <a:noFill/>
-                </a:ln>
+              <a:endParaRPr lang="en-US" kern="0" dirty="0">
                 <a:solidFill>
                   <a:prstClr val="white"/>
                 </a:solidFill>
-                <a:effectLst/>
-                <a:uLnTx/>
-                <a:uFillTx/>
                 <a:latin typeface="Calibri"/>
-                <a:ea typeface="+mn-ea"/>
-                <a:cs typeface="+mn-cs"/>
               </a:endParaRPr>
             </a:p>
           </p:txBody>
@@ -37149,7 +39405,7 @@
         </p:nvSpPr>
         <p:spPr>
           <a:xfrm>
-            <a:off x="11320181" y="6272783"/>
+            <a:off x="11320181" y="6272784"/>
             <a:ext cx="640080" cy="365125"/>
           </a:xfrm>
           <a:prstGeom prst="rect">
@@ -37476,7 +39732,7 @@
           </p:nvPr>
         </p:nvGraphicFramePr>
         <p:xfrm>
-          <a:off x="1069975" y="2385390"/>
+          <a:off x="1069975" y="2385391"/>
           <a:ext cx="10058400" cy="3617845"/>
         </p:xfrm>
         <a:graphic>
@@ -37608,7 +39864,7 @@
         </p:nvSpPr>
         <p:spPr>
           <a:xfrm>
-            <a:off x="984504" y="464119"/>
+            <a:off x="984504" y="464120"/>
             <a:ext cx="10222992" cy="80683"/>
           </a:xfrm>
           <a:prstGeom prst="rect">
@@ -37683,7 +39939,7 @@
         <p:spPr>
           <a:xfrm>
             <a:off x="984504" y="601952"/>
-            <a:ext cx="10222992" cy="1385874"/>
+            <a:ext cx="10222992" cy="1385875"/>
           </a:xfrm>
           <a:prstGeom prst="rect">
             <a:avLst/>
@@ -37756,7 +40012,7 @@
         </p:nvSpPr>
         <p:spPr>
           <a:xfrm>
-            <a:off x="984504" y="2038655"/>
+            <a:off x="984504" y="2038656"/>
             <a:ext cx="10222992" cy="80683"/>
           </a:xfrm>
           <a:prstGeom prst="rect">
@@ -37858,7 +40114,7 @@
         </p:nvSpPr>
         <p:spPr>
           <a:xfrm>
-            <a:off x="1069848" y="2320412"/>
+            <a:off x="1069848" y="2320413"/>
             <a:ext cx="10058400" cy="3851787"/>
           </a:xfrm>
         </p:spPr>
@@ -37979,36 +40235,14 @@
           <a:bodyPr lIns="0" tIns="0" rIns="0" bIns="0" rtlCol="0" anchor="ctr"/>
           <a:lstStyle/>
           <a:p>
-            <a:pPr marL="0" marR="0" lvl="0" indent="0" algn="ctr" defTabSz="914400" eaLnBrk="1" fontAlgn="auto" latinLnBrk="0" hangingPunct="1">
-              <a:lnSpc>
-                <a:spcPct val="100000"/>
-              </a:lnSpc>
-              <a:spcBef>
-                <a:spcPts val="0"/>
-              </a:spcBef>
-              <a:spcAft>
-                <a:spcPts val="0"/>
-              </a:spcAft>
-              <a:buClrTx/>
-              <a:buSzTx/>
-              <a:buFontTx/>
-              <a:buNone/>
-              <a:tabLst/>
+            <a:pPr algn="ctr" defTabSz="914377">
               <a:defRPr/>
             </a:pPr>
-            <a:endParaRPr kumimoji="0" lang="en-US" sz="2000" b="0" i="0" u="none" strike="noStrike" kern="0" cap="none" spc="0" normalizeH="0" baseline="0" noProof="0" dirty="0">
-              <a:ln>
-                <a:noFill/>
-              </a:ln>
+            <a:endParaRPr lang="en-US" sz="2000" kern="0" dirty="0">
               <a:solidFill>
                 <a:prstClr val="white"/>
               </a:solidFill>
-              <a:effectLst/>
-              <a:uLnTx/>
-              <a:uFillTx/>
               <a:latin typeface="Rockwell Extra Bold" pitchFamily="18" charset="0"/>
-              <a:ea typeface="+mn-ea"/>
-              <a:cs typeface="+mn-cs"/>
             </a:endParaRPr>
           </a:p>
         </p:txBody>
@@ -38038,7 +40272,7 @@
         </p:nvSpPr>
         <p:spPr>
           <a:xfrm>
-            <a:off x="11430918" y="6258874"/>
+            <a:off x="11430919" y="6258875"/>
             <a:ext cx="398813" cy="398815"/>
           </a:xfrm>
           <a:prstGeom prst="ellipse">
@@ -38057,36 +40291,14 @@
           <a:bodyPr rtlCol="0" anchor="ctr"/>
           <a:lstStyle/>
           <a:p>
-            <a:pPr marL="0" marR="0" lvl="0" indent="0" algn="ctr" defTabSz="914400" eaLnBrk="1" fontAlgn="auto" latinLnBrk="0" hangingPunct="1">
-              <a:lnSpc>
-                <a:spcPct val="100000"/>
-              </a:lnSpc>
-              <a:spcBef>
-                <a:spcPts val="0"/>
-              </a:spcBef>
-              <a:spcAft>
-                <a:spcPts val="0"/>
-              </a:spcAft>
-              <a:buClrTx/>
-              <a:buSzTx/>
-              <a:buFontTx/>
-              <a:buNone/>
-              <a:tabLst/>
+            <a:pPr algn="ctr" defTabSz="914377">
               <a:defRPr/>
             </a:pPr>
-            <a:endParaRPr kumimoji="0" lang="en-US" sz="1800" b="0" i="0" u="none" strike="noStrike" kern="0" cap="none" spc="0" normalizeH="0" baseline="0" noProof="0" dirty="0">
-              <a:ln>
-                <a:noFill/>
-              </a:ln>
+            <a:endParaRPr lang="en-US" kern="0" dirty="0">
               <a:solidFill>
                 <a:prstClr val="white"/>
               </a:solidFill>
-              <a:effectLst/>
-              <a:uLnTx/>
-              <a:uFillTx/>
               <a:latin typeface="Calibri"/>
-              <a:ea typeface="+mn-ea"/>
-              <a:cs typeface="+mn-cs"/>
             </a:endParaRPr>
           </a:p>
         </p:txBody>
@@ -38183,8 +40395,8 @@
         </p:nvGrpSpPr>
         <p:grpSpPr bwMode="auto">
           <a:xfrm>
-            <a:off x="2424114" y="1052513"/>
-            <a:ext cx="7343775" cy="5067808"/>
+            <a:off x="2424115" y="1052514"/>
+            <a:ext cx="7343775" cy="5067809"/>
             <a:chOff x="703" y="845"/>
             <a:chExt cx="4310" cy="2752"/>
           </a:xfrm>
@@ -38559,7 +40771,7 @@
         </p:nvSpPr>
         <p:spPr>
           <a:xfrm>
-            <a:off x="984504" y="464119"/>
+            <a:off x="984504" y="464120"/>
             <a:ext cx="10222992" cy="80683"/>
           </a:xfrm>
           <a:prstGeom prst="rect">
@@ -38634,7 +40846,7 @@
         <p:spPr>
           <a:xfrm>
             <a:off x="984504" y="601952"/>
-            <a:ext cx="10222992" cy="1385874"/>
+            <a:ext cx="10222992" cy="1385875"/>
           </a:xfrm>
           <a:prstGeom prst="rect">
             <a:avLst/>
@@ -38707,7 +40919,7 @@
         </p:nvSpPr>
         <p:spPr>
           <a:xfrm>
-            <a:off x="984504" y="2038655"/>
+            <a:off x="984504" y="2038656"/>
             <a:ext cx="10222992" cy="80683"/>
           </a:xfrm>
           <a:prstGeom prst="rect">
@@ -38809,7 +41021,7 @@
         </p:nvSpPr>
         <p:spPr>
           <a:xfrm>
-            <a:off x="1069848" y="2320412"/>
+            <a:off x="1069848" y="2320413"/>
             <a:ext cx="10058400" cy="3851787"/>
           </a:xfrm>
         </p:spPr>
@@ -38881,7 +41093,7 @@
             </a:r>
           </a:p>
           <a:p>
-            <a:pPr marL="617220" lvl="1" indent="-342900">
+            <a:pPr marL="617205" lvl="1" indent="-342891">
               <a:spcBef>
                 <a:spcPct val="50000"/>
               </a:spcBef>
@@ -38895,7 +41107,7 @@
             </a:r>
           </a:p>
           <a:p>
-            <a:pPr marL="617220" lvl="1" indent="-342900">
+            <a:pPr marL="617205" lvl="1" indent="-342891">
               <a:spcBef>
                 <a:spcPct val="50000"/>
               </a:spcBef>
@@ -38967,36 +41179,14 @@
           <a:bodyPr lIns="0" tIns="0" rIns="0" bIns="0" rtlCol="0" anchor="ctr"/>
           <a:lstStyle/>
           <a:p>
-            <a:pPr marL="0" marR="0" lvl="0" indent="0" algn="ctr" defTabSz="914400" eaLnBrk="1" fontAlgn="auto" latinLnBrk="0" hangingPunct="1">
-              <a:lnSpc>
-                <a:spcPct val="100000"/>
-              </a:lnSpc>
-              <a:spcBef>
-                <a:spcPts val="0"/>
-              </a:spcBef>
-              <a:spcAft>
-                <a:spcPts val="0"/>
-              </a:spcAft>
-              <a:buClrTx/>
-              <a:buSzTx/>
-              <a:buFontTx/>
-              <a:buNone/>
-              <a:tabLst/>
+            <a:pPr algn="ctr" defTabSz="914377">
               <a:defRPr/>
             </a:pPr>
-            <a:endParaRPr kumimoji="0" lang="en-US" sz="2000" b="0" i="0" u="none" strike="noStrike" kern="0" cap="none" spc="0" normalizeH="0" baseline="0" noProof="0" dirty="0">
-              <a:ln>
-                <a:noFill/>
-              </a:ln>
+            <a:endParaRPr lang="en-US" sz="2000" kern="0" dirty="0">
               <a:solidFill>
                 <a:prstClr val="white"/>
               </a:solidFill>
-              <a:effectLst/>
-              <a:uLnTx/>
-              <a:uFillTx/>
               <a:latin typeface="Rockwell Extra Bold" pitchFamily="18" charset="0"/>
-              <a:ea typeface="+mn-ea"/>
-              <a:cs typeface="+mn-cs"/>
             </a:endParaRPr>
           </a:p>
         </p:txBody>
@@ -39026,7 +41216,7 @@
         </p:nvSpPr>
         <p:spPr>
           <a:xfrm>
-            <a:off x="11430918" y="6258874"/>
+            <a:off x="11430919" y="6258875"/>
             <a:ext cx="398813" cy="398815"/>
           </a:xfrm>
           <a:prstGeom prst="ellipse">
@@ -39045,36 +41235,14 @@
           <a:bodyPr rtlCol="0" anchor="ctr"/>
           <a:lstStyle/>
           <a:p>
-            <a:pPr marL="0" marR="0" lvl="0" indent="0" algn="ctr" defTabSz="914400" eaLnBrk="1" fontAlgn="auto" latinLnBrk="0" hangingPunct="1">
-              <a:lnSpc>
-                <a:spcPct val="100000"/>
-              </a:lnSpc>
-              <a:spcBef>
-                <a:spcPts val="0"/>
-              </a:spcBef>
-              <a:spcAft>
-                <a:spcPts val="0"/>
-              </a:spcAft>
-              <a:buClrTx/>
-              <a:buSzTx/>
-              <a:buFontTx/>
-              <a:buNone/>
-              <a:tabLst/>
+            <a:pPr algn="ctr" defTabSz="914377">
               <a:defRPr/>
             </a:pPr>
-            <a:endParaRPr kumimoji="0" lang="en-US" sz="1800" b="0" i="0" u="none" strike="noStrike" kern="0" cap="none" spc="0" normalizeH="0" baseline="0" noProof="0" dirty="0">
-              <a:ln>
-                <a:noFill/>
-              </a:ln>
+            <a:endParaRPr lang="en-US" kern="0" dirty="0">
               <a:solidFill>
                 <a:prstClr val="white"/>
               </a:solidFill>
-              <a:effectLst/>
-              <a:uLnTx/>
-              <a:uFillTx/>
               <a:latin typeface="Calibri"/>
-              <a:ea typeface="+mn-ea"/>
-              <a:cs typeface="+mn-cs"/>
             </a:endParaRPr>
           </a:p>
         </p:txBody>
@@ -39389,7 +41557,7 @@
           </p:nvPr>
         </p:nvGraphicFramePr>
         <p:xfrm>
-          <a:off x="1069975" y="2385390"/>
+          <a:off x="1069975" y="2385391"/>
           <a:ext cx="10058400" cy="3617845"/>
         </p:xfrm>
         <a:graphic>
@@ -39521,7 +41689,7 @@
         </p:nvSpPr>
         <p:spPr>
           <a:xfrm>
-            <a:off x="984504" y="464119"/>
+            <a:off x="984504" y="464120"/>
             <a:ext cx="10222992" cy="80683"/>
           </a:xfrm>
           <a:prstGeom prst="rect">
@@ -39596,7 +41764,7 @@
         <p:spPr>
           <a:xfrm>
             <a:off x="984504" y="601952"/>
-            <a:ext cx="10222992" cy="1385874"/>
+            <a:ext cx="10222992" cy="1385875"/>
           </a:xfrm>
           <a:prstGeom prst="rect">
             <a:avLst/>
@@ -39669,7 +41837,7 @@
         </p:nvSpPr>
         <p:spPr>
           <a:xfrm>
-            <a:off x="984504" y="2038655"/>
+            <a:off x="984504" y="2038656"/>
             <a:ext cx="10222992" cy="80683"/>
           </a:xfrm>
           <a:prstGeom prst="rect">
@@ -39772,7 +41940,7 @@
         </p:nvSpPr>
         <p:spPr>
           <a:xfrm>
-            <a:off x="1069848" y="2320412"/>
+            <a:off x="1069848" y="2320413"/>
             <a:ext cx="10058400" cy="3851787"/>
           </a:xfrm>
         </p:spPr>
@@ -39895,36 +42063,14 @@
           <a:bodyPr lIns="0" tIns="0" rIns="0" bIns="0" rtlCol="0" anchor="ctr"/>
           <a:lstStyle/>
           <a:p>
-            <a:pPr marL="0" marR="0" lvl="0" indent="0" algn="ctr" defTabSz="914400" eaLnBrk="1" fontAlgn="auto" latinLnBrk="0" hangingPunct="1">
-              <a:lnSpc>
-                <a:spcPct val="100000"/>
-              </a:lnSpc>
-              <a:spcBef>
-                <a:spcPts val="0"/>
-              </a:spcBef>
-              <a:spcAft>
-                <a:spcPts val="0"/>
-              </a:spcAft>
-              <a:buClrTx/>
-              <a:buSzTx/>
-              <a:buFontTx/>
-              <a:buNone/>
-              <a:tabLst/>
+            <a:pPr algn="ctr" defTabSz="914377">
               <a:defRPr/>
             </a:pPr>
-            <a:endParaRPr kumimoji="0" lang="en-US" sz="2000" b="0" i="0" u="none" strike="noStrike" kern="0" cap="none" spc="0" normalizeH="0" baseline="0" noProof="0" dirty="0">
-              <a:ln>
-                <a:noFill/>
-              </a:ln>
+            <a:endParaRPr lang="en-US" sz="2000" kern="0" dirty="0">
               <a:solidFill>
                 <a:prstClr val="white"/>
               </a:solidFill>
-              <a:effectLst/>
-              <a:uLnTx/>
-              <a:uFillTx/>
               <a:latin typeface="Rockwell Extra Bold" pitchFamily="18" charset="0"/>
-              <a:ea typeface="+mn-ea"/>
-              <a:cs typeface="+mn-cs"/>
             </a:endParaRPr>
           </a:p>
         </p:txBody>
@@ -39954,7 +42100,7 @@
         </p:nvSpPr>
         <p:spPr>
           <a:xfrm>
-            <a:off x="11430918" y="6258874"/>
+            <a:off x="11430919" y="6258875"/>
             <a:ext cx="398813" cy="398815"/>
           </a:xfrm>
           <a:prstGeom prst="ellipse">
@@ -39973,36 +42119,14 @@
           <a:bodyPr rtlCol="0" anchor="ctr"/>
           <a:lstStyle/>
           <a:p>
-            <a:pPr marL="0" marR="0" lvl="0" indent="0" algn="ctr" defTabSz="914400" eaLnBrk="1" fontAlgn="auto" latinLnBrk="0" hangingPunct="1">
-              <a:lnSpc>
-                <a:spcPct val="100000"/>
-              </a:lnSpc>
-              <a:spcBef>
-                <a:spcPts val="0"/>
-              </a:spcBef>
-              <a:spcAft>
-                <a:spcPts val="0"/>
-              </a:spcAft>
-              <a:buClrTx/>
-              <a:buSzTx/>
-              <a:buFontTx/>
-              <a:buNone/>
-              <a:tabLst/>
+            <a:pPr algn="ctr" defTabSz="914377">
               <a:defRPr/>
             </a:pPr>
-            <a:endParaRPr kumimoji="0" lang="en-US" sz="1800" b="0" i="0" u="none" strike="noStrike" kern="0" cap="none" spc="0" normalizeH="0" baseline="0" noProof="0" dirty="0">
-              <a:ln>
-                <a:noFill/>
-              </a:ln>
+            <a:endParaRPr lang="en-US" kern="0" dirty="0">
               <a:solidFill>
                 <a:prstClr val="white"/>
               </a:solidFill>
-              <a:effectLst/>
-              <a:uLnTx/>
-              <a:uFillTx/>
               <a:latin typeface="Calibri"/>
-              <a:ea typeface="+mn-ea"/>
-              <a:cs typeface="+mn-cs"/>
             </a:endParaRPr>
           </a:p>
         </p:txBody>
@@ -40176,7 +42300,7 @@
         </p:nvSpPr>
         <p:spPr>
           <a:xfrm>
-            <a:off x="3344" y="0"/>
+            <a:off x="3345" y="0"/>
             <a:ext cx="4648169" cy="6858000"/>
           </a:xfrm>
           <a:prstGeom prst="rect">
@@ -40219,7 +42343,7 @@
           <a:bodyPr lIns="0" tIns="0" rIns="0" bIns="0" rtlCol="0" anchor="ctr"/>
           <a:lstStyle/>
           <a:p>
-            <a:pPr algn="ctr" defTabSz="914400"/>
+            <a:pPr algn="ctr" defTabSz="914377"/>
             <a:endParaRPr lang="en-US" sz="2000" kern="0">
               <a:solidFill>
                 <a:prstClr val="white"/>
@@ -40248,7 +42372,7 @@
         <p:spPr>
           <a:xfrm>
             <a:off x="643468" y="643466"/>
-            <a:ext cx="3686312" cy="5528734"/>
+            <a:ext cx="3686312" cy="5528735"/>
           </a:xfrm>
         </p:spPr>
         <p:txBody>
@@ -40287,7 +42411,7 @@
         </p:nvSpPr>
         <p:spPr>
           <a:xfrm>
-            <a:off x="5053780" y="599768"/>
+            <a:off x="5053781" y="599768"/>
             <a:ext cx="6074467" cy="5572432"/>
           </a:xfrm>
         </p:spPr>
@@ -40415,36 +42539,14 @@
           <a:bodyPr lIns="0" tIns="0" rIns="0" bIns="0" rtlCol="0" anchor="ctr"/>
           <a:lstStyle/>
           <a:p>
-            <a:pPr marL="0" marR="0" lvl="0" indent="0" algn="ctr" defTabSz="914400" eaLnBrk="1" fontAlgn="auto" latinLnBrk="0" hangingPunct="1">
-              <a:lnSpc>
-                <a:spcPct val="100000"/>
-              </a:lnSpc>
-              <a:spcBef>
-                <a:spcPts val="0"/>
-              </a:spcBef>
-              <a:spcAft>
-                <a:spcPts val="0"/>
-              </a:spcAft>
-              <a:buClrTx/>
-              <a:buSzTx/>
-              <a:buFontTx/>
-              <a:buNone/>
-              <a:tabLst/>
+            <a:pPr algn="ctr" defTabSz="914377">
               <a:defRPr/>
             </a:pPr>
-            <a:endParaRPr kumimoji="0" lang="en-US" sz="2000" b="0" i="0" u="none" strike="noStrike" kern="0" cap="none" spc="0" normalizeH="0" baseline="0" noProof="0" dirty="0">
-              <a:ln>
-                <a:noFill/>
-              </a:ln>
+            <a:endParaRPr lang="en-US" sz="2000" kern="0" dirty="0">
               <a:solidFill>
                 <a:prstClr val="white"/>
               </a:solidFill>
-              <a:effectLst/>
-              <a:uLnTx/>
-              <a:uFillTx/>
               <a:latin typeface="Rockwell Extra Bold" pitchFamily="18" charset="0"/>
-              <a:ea typeface="+mn-ea"/>
-              <a:cs typeface="+mn-cs"/>
             </a:endParaRPr>
           </a:p>
         </p:txBody>
@@ -40474,7 +42576,7 @@
         </p:nvSpPr>
         <p:spPr>
           <a:xfrm>
-            <a:off x="11430918" y="6258874"/>
+            <a:off x="11430919" y="6258875"/>
             <a:ext cx="398813" cy="398815"/>
           </a:xfrm>
           <a:prstGeom prst="ellipse">
@@ -40493,36 +42595,14 @@
           <a:bodyPr rtlCol="0" anchor="ctr"/>
           <a:lstStyle/>
           <a:p>
-            <a:pPr marL="0" marR="0" lvl="0" indent="0" algn="ctr" defTabSz="914400" eaLnBrk="1" fontAlgn="auto" latinLnBrk="0" hangingPunct="1">
-              <a:lnSpc>
-                <a:spcPct val="100000"/>
-              </a:lnSpc>
-              <a:spcBef>
-                <a:spcPts val="0"/>
-              </a:spcBef>
-              <a:spcAft>
-                <a:spcPts val="0"/>
-              </a:spcAft>
-              <a:buClrTx/>
-              <a:buSzTx/>
-              <a:buFontTx/>
-              <a:buNone/>
-              <a:tabLst/>
+            <a:pPr algn="ctr" defTabSz="914377">
               <a:defRPr/>
             </a:pPr>
-            <a:endParaRPr kumimoji="0" lang="en-US" sz="1800" b="0" i="0" u="none" strike="noStrike" kern="0" cap="none" spc="0" normalizeH="0" baseline="0" noProof="0" dirty="0">
-              <a:ln>
-                <a:noFill/>
-              </a:ln>
+            <a:endParaRPr lang="en-US" kern="0" dirty="0">
               <a:solidFill>
                 <a:prstClr val="white"/>
               </a:solidFill>
-              <a:effectLst/>
-              <a:uLnTx/>
-              <a:uFillTx/>
               <a:latin typeface="Calibri"/>
-              <a:ea typeface="+mn-ea"/>
-              <a:cs typeface="+mn-cs"/>
             </a:endParaRPr>
           </a:p>
         </p:txBody>
@@ -40680,10 +42760,10 @@
         </p:nvGrpSpPr>
         <p:grpSpPr bwMode="auto">
           <a:xfrm>
-            <a:off x="3612356" y="2093976"/>
-            <a:ext cx="4967287" cy="3976687"/>
+            <a:off x="3612358" y="2093978"/>
+            <a:ext cx="4967287" cy="3979862"/>
             <a:chOff x="1383" y="1117"/>
-            <a:chExt cx="3129" cy="2505"/>
+            <a:chExt cx="3129" cy="2507"/>
           </a:xfrm>
         </p:grpSpPr>
         <p:pic>
@@ -40763,7 +42843,7 @@
           <p:spPr bwMode="auto">
             <a:xfrm>
               <a:off x="1429" y="3430"/>
-              <a:ext cx="3039" cy="192"/>
+              <a:ext cx="3039" cy="194"/>
             </a:xfrm>
             <a:prstGeom prst="rect">
               <a:avLst/>
@@ -41046,7 +43126,7 @@
         </p:nvSpPr>
         <p:spPr>
           <a:xfrm>
-            <a:off x="382280" y="484632"/>
+            <a:off x="382281" y="484632"/>
             <a:ext cx="6743844" cy="1609344"/>
           </a:xfrm>
         </p:spPr>
@@ -41082,7 +43162,7 @@
         </p:nvSpPr>
         <p:spPr>
           <a:xfrm>
-            <a:off x="382279" y="2121408"/>
+            <a:off x="382280" y="2121408"/>
             <a:ext cx="6743845" cy="4050792"/>
           </a:xfrm>
         </p:spPr>
@@ -41255,36 +43335,14 @@
             <a:bodyPr lIns="0" tIns="0" rIns="0" bIns="0" rtlCol="0" anchor="ctr"/>
             <a:lstStyle/>
             <a:p>
-              <a:pPr marL="0" marR="0" lvl="0" indent="0" algn="ctr" defTabSz="914400" eaLnBrk="1" fontAlgn="auto" latinLnBrk="0" hangingPunct="1">
-                <a:lnSpc>
-                  <a:spcPct val="100000"/>
-                </a:lnSpc>
-                <a:spcBef>
-                  <a:spcPts val="0"/>
-                </a:spcBef>
-                <a:spcAft>
-                  <a:spcPts val="0"/>
-                </a:spcAft>
-                <a:buClrTx/>
-                <a:buSzTx/>
-                <a:buFontTx/>
-                <a:buNone/>
-                <a:tabLst/>
+              <a:pPr algn="ctr" defTabSz="914377">
                 <a:defRPr/>
               </a:pPr>
-              <a:endParaRPr kumimoji="0" lang="en-US" sz="2000" b="0" i="0" u="none" strike="noStrike" kern="0" cap="none" spc="0" normalizeH="0" baseline="0" noProof="0" dirty="0">
-                <a:ln>
-                  <a:noFill/>
-                </a:ln>
+              <a:endParaRPr lang="en-US" sz="2000" kern="0" dirty="0">
                 <a:solidFill>
                   <a:prstClr val="white"/>
                 </a:solidFill>
-                <a:effectLst/>
-                <a:uLnTx/>
-                <a:uFillTx/>
                 <a:latin typeface="Rockwell Extra Bold" pitchFamily="18" charset="0"/>
-                <a:ea typeface="+mn-ea"/>
-                <a:cs typeface="+mn-cs"/>
               </a:endParaRPr>
             </a:p>
           </p:txBody>
@@ -41331,36 +43389,14 @@
             <a:bodyPr rtlCol="0" anchor="ctr"/>
             <a:lstStyle/>
             <a:p>
-              <a:pPr marL="0" marR="0" lvl="0" indent="0" algn="ctr" defTabSz="914400" eaLnBrk="1" fontAlgn="auto" latinLnBrk="0" hangingPunct="1">
-                <a:lnSpc>
-                  <a:spcPct val="100000"/>
-                </a:lnSpc>
-                <a:spcBef>
-                  <a:spcPts val="0"/>
-                </a:spcBef>
-                <a:spcAft>
-                  <a:spcPts val="0"/>
-                </a:spcAft>
-                <a:buClrTx/>
-                <a:buSzTx/>
-                <a:buFontTx/>
-                <a:buNone/>
-                <a:tabLst/>
+              <a:pPr algn="ctr" defTabSz="914377">
                 <a:defRPr/>
               </a:pPr>
-              <a:endParaRPr kumimoji="0" lang="en-US" sz="1800" b="0" i="0" u="none" strike="noStrike" kern="0" cap="none" spc="0" normalizeH="0" baseline="0" noProof="0" dirty="0">
-                <a:ln>
-                  <a:noFill/>
-                </a:ln>
+              <a:endParaRPr lang="en-US" kern="0" dirty="0">
                 <a:solidFill>
                   <a:prstClr val="white"/>
                 </a:solidFill>
-                <a:effectLst/>
-                <a:uLnTx/>
-                <a:uFillTx/>
                 <a:latin typeface="Calibri"/>
-                <a:ea typeface="+mn-ea"/>
-                <a:cs typeface="+mn-cs"/>
               </a:endParaRPr>
             </a:p>
           </p:txBody>
@@ -41391,7 +43427,7 @@
         </p:nvSpPr>
         <p:spPr>
           <a:xfrm>
-            <a:off x="11320181" y="6272783"/>
+            <a:off x="11320181" y="6272784"/>
             <a:ext cx="640080" cy="365125"/>
           </a:xfrm>
           <a:prstGeom prst="rect">
@@ -41529,7 +43565,7 @@
         </p:blipFill>
         <p:spPr bwMode="auto">
           <a:xfrm>
-            <a:off x="7752184" y="2446577"/>
+            <a:off x="7752184" y="2446578"/>
             <a:ext cx="4286933" cy="1964844"/>
           </a:xfrm>
           <a:prstGeom prst="rect">
@@ -41670,7 +43706,7 @@
         </p:nvSpPr>
         <p:spPr>
           <a:xfrm>
-            <a:off x="984504" y="464119"/>
+            <a:off x="984504" y="464120"/>
             <a:ext cx="10222992" cy="80683"/>
           </a:xfrm>
           <a:prstGeom prst="rect">
@@ -41745,7 +43781,7 @@
         <p:spPr>
           <a:xfrm>
             <a:off x="984504" y="601952"/>
-            <a:ext cx="10222992" cy="1385874"/>
+            <a:ext cx="10222992" cy="1385875"/>
           </a:xfrm>
           <a:prstGeom prst="rect">
             <a:avLst/>
@@ -41818,7 +43854,7 @@
         </p:nvSpPr>
         <p:spPr>
           <a:xfrm>
-            <a:off x="984504" y="2038655"/>
+            <a:off x="984504" y="2038656"/>
             <a:ext cx="10222992" cy="80683"/>
           </a:xfrm>
           <a:prstGeom prst="rect">
@@ -41921,7 +43957,7 @@
         </p:nvSpPr>
         <p:spPr>
           <a:xfrm>
-            <a:off x="1069848" y="2320412"/>
+            <a:off x="1069848" y="2320413"/>
             <a:ext cx="10058400" cy="3851787"/>
           </a:xfrm>
         </p:spPr>
@@ -42118,36 +44154,14 @@
           <a:bodyPr lIns="0" tIns="0" rIns="0" bIns="0" rtlCol="0" anchor="ctr"/>
           <a:lstStyle/>
           <a:p>
-            <a:pPr marL="0" marR="0" lvl="0" indent="0" algn="ctr" defTabSz="914400" eaLnBrk="1" fontAlgn="auto" latinLnBrk="0" hangingPunct="1">
-              <a:lnSpc>
-                <a:spcPct val="100000"/>
-              </a:lnSpc>
-              <a:spcBef>
-                <a:spcPts val="0"/>
-              </a:spcBef>
-              <a:spcAft>
-                <a:spcPts val="0"/>
-              </a:spcAft>
-              <a:buClrTx/>
-              <a:buSzTx/>
-              <a:buFontTx/>
-              <a:buNone/>
-              <a:tabLst/>
+            <a:pPr algn="ctr" defTabSz="914377">
               <a:defRPr/>
             </a:pPr>
-            <a:endParaRPr kumimoji="0" lang="en-US" sz="2000" b="0" i="0" u="none" strike="noStrike" kern="0" cap="none" spc="0" normalizeH="0" baseline="0" noProof="0" dirty="0">
-              <a:ln>
-                <a:noFill/>
-              </a:ln>
+            <a:endParaRPr lang="en-US" sz="2000" kern="0" dirty="0">
               <a:solidFill>
                 <a:prstClr val="white"/>
               </a:solidFill>
-              <a:effectLst/>
-              <a:uLnTx/>
-              <a:uFillTx/>
               <a:latin typeface="Rockwell Extra Bold" pitchFamily="18" charset="0"/>
-              <a:ea typeface="+mn-ea"/>
-              <a:cs typeface="+mn-cs"/>
             </a:endParaRPr>
           </a:p>
         </p:txBody>
@@ -42177,7 +44191,7 @@
         </p:nvSpPr>
         <p:spPr>
           <a:xfrm>
-            <a:off x="11430918" y="6258874"/>
+            <a:off x="11430919" y="6258875"/>
             <a:ext cx="398813" cy="398815"/>
           </a:xfrm>
           <a:prstGeom prst="ellipse">
@@ -42196,36 +44210,14 @@
           <a:bodyPr rtlCol="0" anchor="ctr"/>
           <a:lstStyle/>
           <a:p>
-            <a:pPr marL="0" marR="0" lvl="0" indent="0" algn="ctr" defTabSz="914400" eaLnBrk="1" fontAlgn="auto" latinLnBrk="0" hangingPunct="1">
-              <a:lnSpc>
-                <a:spcPct val="100000"/>
-              </a:lnSpc>
-              <a:spcBef>
-                <a:spcPts val="0"/>
-              </a:spcBef>
-              <a:spcAft>
-                <a:spcPts val="0"/>
-              </a:spcAft>
-              <a:buClrTx/>
-              <a:buSzTx/>
-              <a:buFontTx/>
-              <a:buNone/>
-              <a:tabLst/>
+            <a:pPr algn="ctr" defTabSz="914377">
               <a:defRPr/>
             </a:pPr>
-            <a:endParaRPr kumimoji="0" lang="en-US" sz="1800" b="0" i="0" u="none" strike="noStrike" kern="0" cap="none" spc="0" normalizeH="0" baseline="0" noProof="0" dirty="0">
-              <a:ln>
-                <a:noFill/>
-              </a:ln>
+            <a:endParaRPr lang="en-US" kern="0" dirty="0">
               <a:solidFill>
                 <a:prstClr val="white"/>
               </a:solidFill>
-              <a:effectLst/>
-              <a:uLnTx/>
-              <a:uFillTx/>
               <a:latin typeface="Calibri"/>
-              <a:ea typeface="+mn-ea"/>
-              <a:cs typeface="+mn-cs"/>
             </a:endParaRPr>
           </a:p>
         </p:txBody>
@@ -42499,7 +44491,7 @@
           </p:nvPr>
         </p:nvGraphicFramePr>
         <p:xfrm>
-          <a:off x="1069975" y="2385390"/>
+          <a:off x="1069975" y="2385391"/>
           <a:ext cx="10058400" cy="3617845"/>
         </p:xfrm>
         <a:graphic>
@@ -42522,7 +44514,7 @@
 </file>
 
 <file path=ppt/slides/slide24.xml><?xml version="1.0" encoding="utf-8"?>
-<p:sld xmlns:a="http://schemas.openxmlformats.org/drawingml/2006/main" xmlns:r="http://schemas.openxmlformats.org/officeDocument/2006/relationships" xmlns:p="http://schemas.openxmlformats.org/presentationml/2006/main" show="0">
+<p:sld xmlns:a="http://schemas.openxmlformats.org/drawingml/2006/main" xmlns:r="http://schemas.openxmlformats.org/officeDocument/2006/relationships" xmlns:p="http://schemas.openxmlformats.org/presentationml/2006/main">
   <p:cSld>
     <p:bg>
       <p:bgPr>
@@ -42571,7 +44563,7 @@
         </p:nvSpPr>
         <p:spPr bwMode="white">
           <a:xfrm>
-            <a:off x="3048" y="0"/>
+            <a:off x="3048" y="1"/>
             <a:ext cx="12188952" cy="6858001"/>
           </a:xfrm>
           <a:prstGeom prst="rect">
@@ -42731,7 +44723,7 @@
         <p:grpSpPr>
           <a:xfrm>
             <a:off x="1061035" y="1679569"/>
-            <a:ext cx="3498864" cy="3498858"/>
+            <a:ext cx="3498864" cy="3498859"/>
             <a:chOff x="1061035" y="1679569"/>
             <a:chExt cx="3498864" cy="3498858"/>
           </a:xfrm>
@@ -42802,36 +44794,14 @@
             <a:bodyPr lIns="0" tIns="0" rIns="0" bIns="0" rtlCol="0" anchor="ctr"/>
             <a:lstStyle/>
             <a:p>
-              <a:pPr marL="0" marR="0" lvl="0" indent="0" algn="ctr" defTabSz="914400" eaLnBrk="1" fontAlgn="auto" latinLnBrk="0" hangingPunct="1">
-                <a:lnSpc>
-                  <a:spcPct val="100000"/>
-                </a:lnSpc>
-                <a:spcBef>
-                  <a:spcPts val="0"/>
-                </a:spcBef>
-                <a:spcAft>
-                  <a:spcPts val="0"/>
-                </a:spcAft>
-                <a:buClrTx/>
-                <a:buSzTx/>
-                <a:buFontTx/>
-                <a:buNone/>
-                <a:tabLst/>
+              <a:pPr algn="ctr" defTabSz="914377">
                 <a:defRPr/>
               </a:pPr>
-              <a:endParaRPr kumimoji="0" lang="en-US" sz="2000" b="0" i="0" u="none" strike="noStrike" kern="0" cap="none" spc="0" normalizeH="0" baseline="0" noProof="0" dirty="0">
-                <a:ln>
-                  <a:noFill/>
-                </a:ln>
+              <a:endParaRPr lang="en-US" sz="2000" kern="0" dirty="0">
                 <a:solidFill>
                   <a:prstClr val="white"/>
                 </a:solidFill>
-                <a:effectLst/>
-                <a:uLnTx/>
-                <a:uFillTx/>
                 <a:latin typeface="Rockwell Extra Bold" pitchFamily="18" charset="0"/>
-                <a:ea typeface="+mn-ea"/>
-                <a:cs typeface="+mn-cs"/>
               </a:endParaRPr>
             </a:p>
           </p:txBody>
@@ -42878,36 +44848,14 @@
             <a:bodyPr rtlCol="0" anchor="ctr"/>
             <a:lstStyle/>
             <a:p>
-              <a:pPr marL="0" marR="0" lvl="0" indent="0" algn="ctr" defTabSz="914400" eaLnBrk="1" fontAlgn="auto" latinLnBrk="0" hangingPunct="1">
-                <a:lnSpc>
-                  <a:spcPct val="100000"/>
-                </a:lnSpc>
-                <a:spcBef>
-                  <a:spcPts val="0"/>
-                </a:spcBef>
-                <a:spcAft>
-                  <a:spcPts val="0"/>
-                </a:spcAft>
-                <a:buClrTx/>
-                <a:buSzTx/>
-                <a:buFontTx/>
-                <a:buNone/>
-                <a:tabLst/>
+              <a:pPr algn="ctr" defTabSz="914377">
                 <a:defRPr/>
               </a:pPr>
-              <a:endParaRPr kumimoji="0" lang="en-US" sz="1800" b="0" i="0" u="none" strike="noStrike" kern="0" cap="none" spc="0" normalizeH="0" baseline="0" noProof="0" dirty="0">
-                <a:ln>
-                  <a:noFill/>
-                </a:ln>
+              <a:endParaRPr lang="en-US" kern="0" dirty="0">
                 <a:solidFill>
                   <a:prstClr val="white"/>
                 </a:solidFill>
-                <a:effectLst/>
-                <a:uLnTx/>
-                <a:uFillTx/>
                 <a:latin typeface="Calibri"/>
-                <a:ea typeface="+mn-ea"/>
-                <a:cs typeface="+mn-cs"/>
               </a:endParaRPr>
             </a:p>
           </p:txBody>
@@ -42931,8 +44879,8 @@
         </p:nvSpPr>
         <p:spPr>
           <a:xfrm>
-            <a:off x="1490145" y="2376862"/>
-            <a:ext cx="2640646" cy="2104273"/>
+            <a:off x="1490146" y="2376864"/>
+            <a:ext cx="2640647" cy="2104273"/>
           </a:xfrm>
           <a:noFill/>
         </p:spPr>
@@ -42949,7 +44897,22 @@
                   <a:srgbClr val="FFFFFF"/>
                 </a:solidFill>
               </a:rPr>
-              <a:t>Creative </a:t>
+              <a:t>Centrum Cyfrowe </a:t>
+            </a:r>
+            <a:br>
+              <a:rPr lang="pl-PL" sz="3000" dirty="0">
+                <a:solidFill>
+                  <a:srgbClr val="FFFFFF"/>
+                </a:solidFill>
+              </a:rPr>
+            </a:br>
+            <a:r>
+              <a:rPr lang="pl-PL" sz="3000" dirty="0">
+                <a:solidFill>
+                  <a:srgbClr val="FFFFFF"/>
+                </a:solidFill>
+              </a:rPr>
+              <a:t>i </a:t>
             </a:r>
             <a:r>
               <a:rPr lang="pl-PL" sz="3000" dirty="0" err="1">
@@ -42957,7 +44920,7 @@
                   <a:srgbClr val="FFFFFF"/>
                 </a:solidFill>
               </a:rPr>
-              <a:t>Commons</a:t>
+              <a:t>Vivid</a:t>
             </a:r>
             <a:r>
               <a:rPr lang="pl-PL" sz="3000" dirty="0">
@@ -42965,7 +44928,7 @@
                   <a:srgbClr val="FFFFFF"/>
                 </a:solidFill>
               </a:rPr>
-              <a:t> Infografika</a:t>
+              <a:t> Studio</a:t>
             </a:r>
           </a:p>
         </p:txBody>
@@ -42995,7 +44958,7 @@
         </p:nvSpPr>
         <p:spPr>
           <a:xfrm rot="5400000">
-            <a:off x="3502277" y="3388659"/>
+            <a:off x="3502277" y="3388660"/>
             <a:ext cx="3657600" cy="80683"/>
           </a:xfrm>
           <a:prstGeom prst="rect">
@@ -43043,44 +45006,6 @@
             <a:schemeClr val="lt1"/>
           </a:fontRef>
         </p:style>
-      </p:sp>
-      <p:sp>
-        <p:nvSpPr>
-          <p:cNvPr id="3" name="Symbol zastępczy zawartości 2">
-            <a:extLst>
-              <a:ext uri="{FF2B5EF4-FFF2-40B4-BE49-F238E27FC236}">
-                <a16:creationId xmlns:a16="http://schemas.microsoft.com/office/drawing/2014/main" id="{C9848837-046A-4C7C-AD49-4FD95EAEC8E7}"/>
-              </a:ext>
-            </a:extLst>
-          </p:cNvPr>
-          <p:cNvSpPr>
-            <a:spLocks noGrp="1"/>
-          </p:cNvSpPr>
-          <p:nvPr>
-            <p:ph idx="1"/>
-          </p:nvPr>
-        </p:nvSpPr>
-        <p:spPr>
-          <a:xfrm>
-            <a:off x="6081089" y="725394"/>
-            <a:ext cx="5142658" cy="5407212"/>
-          </a:xfrm>
-        </p:spPr>
-        <p:txBody>
-          <a:bodyPr anchor="ctr">
-            <a:normAutofit/>
-          </a:bodyPr>
-          <a:lstStyle/>
-          <a:p>
-            <a:r>
-              <a:rPr lang="pl-PL" dirty="0">
-                <a:hlinkClick r:id="rId6"/>
-              </a:rPr>
-              <a:t>https://i1.wp.com/zdjecia2.ayz.pl/Blog/wp-content/uploads/2017/02/CC-infografika-final-min.jpg</a:t>
-            </a:r>
-            <a:endParaRPr lang="pl-PL" dirty="0"/>
-          </a:p>
-        </p:txBody>
       </p:sp>
       <p:sp>
         <p:nvSpPr>
@@ -43134,7 +45059,7 @@
               </a:pPr>
               <a:t>24</a:t>
             </a:fld>
-            <a:endParaRPr lang="pl-PL" altLang="pl-PL" sz="1900">
+            <a:endParaRPr lang="pl-PL" altLang="pl-PL" sz="1900" dirty="0">
               <a:solidFill>
                 <a:schemeClr val="accent1"/>
               </a:solidFill>
@@ -43142,6 +45067,41 @@
           </a:p>
         </p:txBody>
       </p:sp>
+      <p:pic>
+        <p:nvPicPr>
+          <p:cNvPr id="10" name="Symbol zastępczy zawartości 9">
+            <a:extLst>
+              <a:ext uri="{FF2B5EF4-FFF2-40B4-BE49-F238E27FC236}">
+                <a16:creationId xmlns:a16="http://schemas.microsoft.com/office/drawing/2014/main" id="{2AFA30AA-E083-49D8-A54E-2ADAD2853EBC}"/>
+              </a:ext>
+            </a:extLst>
+          </p:cNvPr>
+          <p:cNvPicPr>
+            <a:picLocks noGrp="1" noChangeAspect="1"/>
+          </p:cNvPicPr>
+          <p:nvPr>
+            <p:ph idx="1"/>
+          </p:nvPr>
+        </p:nvPicPr>
+        <p:blipFill>
+          <a:blip r:embed="rId6">
+            <a:extLst>
+              <a:ext uri="{28A0092B-C50C-407E-A947-70E740481C1C}">
+                <a14:useLocalDpi xmlns:a14="http://schemas.microsoft.com/office/drawing/2010/main" val="0"/>
+              </a:ext>
+            </a:extLst>
+          </a:blip>
+          <a:stretch>
+            <a:fillRect/>
+          </a:stretch>
+        </p:blipFill>
+        <p:spPr>
+          <a:xfrm>
+            <a:off x="7824192" y="72005"/>
+            <a:ext cx="1256419" cy="6713985"/>
+          </a:xfrm>
+        </p:spPr>
+      </p:pic>
     </p:spTree>
     <p:extLst>
       <p:ext uri="{BB962C8B-B14F-4D97-AF65-F5344CB8AC3E}">
@@ -43156,7 +45116,7 @@
 </file>
 
 <file path=ppt/slides/slide25.xml><?xml version="1.0" encoding="utf-8"?>
-<p:sld xmlns:a="http://schemas.openxmlformats.org/drawingml/2006/main" xmlns:r="http://schemas.openxmlformats.org/officeDocument/2006/relationships" xmlns:p="http://schemas.openxmlformats.org/presentationml/2006/main" show="0">
+<p:sld xmlns:a="http://schemas.openxmlformats.org/drawingml/2006/main" xmlns:r="http://schemas.openxmlformats.org/officeDocument/2006/relationships" xmlns:p="http://schemas.openxmlformats.org/presentationml/2006/main">
   <p:cSld>
     <p:bg>
       <p:bgPr>
@@ -43205,7 +45165,7 @@
         </p:nvSpPr>
         <p:spPr bwMode="white">
           <a:xfrm>
-            <a:off x="3048" y="0"/>
+            <a:off x="3048" y="1"/>
             <a:ext cx="12188952" cy="6858001"/>
           </a:xfrm>
           <a:prstGeom prst="rect">
@@ -43365,7 +45325,7 @@
         <p:grpSpPr>
           <a:xfrm>
             <a:off x="1061035" y="1679569"/>
-            <a:ext cx="3498864" cy="3498858"/>
+            <a:ext cx="3498864" cy="3498859"/>
             <a:chOff x="1061035" y="1679569"/>
             <a:chExt cx="3498864" cy="3498858"/>
           </a:xfrm>
@@ -43436,36 +45396,14 @@
             <a:bodyPr lIns="0" tIns="0" rIns="0" bIns="0" rtlCol="0" anchor="ctr"/>
             <a:lstStyle/>
             <a:p>
-              <a:pPr marL="0" marR="0" lvl="0" indent="0" algn="ctr" defTabSz="914400" eaLnBrk="1" fontAlgn="auto" latinLnBrk="0" hangingPunct="1">
-                <a:lnSpc>
-                  <a:spcPct val="100000"/>
-                </a:lnSpc>
-                <a:spcBef>
-                  <a:spcPts val="0"/>
-                </a:spcBef>
-                <a:spcAft>
-                  <a:spcPts val="0"/>
-                </a:spcAft>
-                <a:buClrTx/>
-                <a:buSzTx/>
-                <a:buFontTx/>
-                <a:buNone/>
-                <a:tabLst/>
+              <a:pPr algn="ctr" defTabSz="914377">
                 <a:defRPr/>
               </a:pPr>
-              <a:endParaRPr kumimoji="0" lang="en-US" sz="2000" b="0" i="0" u="none" strike="noStrike" kern="0" cap="none" spc="0" normalizeH="0" baseline="0" noProof="0" dirty="0">
-                <a:ln>
-                  <a:noFill/>
-                </a:ln>
+              <a:endParaRPr lang="en-US" sz="2000" kern="0" dirty="0">
                 <a:solidFill>
                   <a:prstClr val="white"/>
                 </a:solidFill>
-                <a:effectLst/>
-                <a:uLnTx/>
-                <a:uFillTx/>
                 <a:latin typeface="Rockwell Extra Bold" pitchFamily="18" charset="0"/>
-                <a:ea typeface="+mn-ea"/>
-                <a:cs typeface="+mn-cs"/>
               </a:endParaRPr>
             </a:p>
           </p:txBody>
@@ -43512,36 +45450,14 @@
             <a:bodyPr rtlCol="0" anchor="ctr"/>
             <a:lstStyle/>
             <a:p>
-              <a:pPr marL="0" marR="0" lvl="0" indent="0" algn="ctr" defTabSz="914400" eaLnBrk="1" fontAlgn="auto" latinLnBrk="0" hangingPunct="1">
-                <a:lnSpc>
-                  <a:spcPct val="100000"/>
-                </a:lnSpc>
-                <a:spcBef>
-                  <a:spcPts val="0"/>
-                </a:spcBef>
-                <a:spcAft>
-                  <a:spcPts val="0"/>
-                </a:spcAft>
-                <a:buClrTx/>
-                <a:buSzTx/>
-                <a:buFontTx/>
-                <a:buNone/>
-                <a:tabLst/>
+              <a:pPr algn="ctr" defTabSz="914377">
                 <a:defRPr/>
               </a:pPr>
-              <a:endParaRPr kumimoji="0" lang="en-US" sz="1800" b="0" i="0" u="none" strike="noStrike" kern="0" cap="none" spc="0" normalizeH="0" baseline="0" noProof="0" dirty="0">
-                <a:ln>
-                  <a:noFill/>
-                </a:ln>
+              <a:endParaRPr lang="en-US" kern="0" dirty="0">
                 <a:solidFill>
                   <a:prstClr val="white"/>
                 </a:solidFill>
-                <a:effectLst/>
-                <a:uLnTx/>
-                <a:uFillTx/>
                 <a:latin typeface="Calibri"/>
-                <a:ea typeface="+mn-ea"/>
-                <a:cs typeface="+mn-cs"/>
               </a:endParaRPr>
             </a:p>
           </p:txBody>
@@ -43565,8 +45481,8 @@
         </p:nvSpPr>
         <p:spPr>
           <a:xfrm>
-            <a:off x="1490145" y="2376862"/>
-            <a:ext cx="2640646" cy="2104273"/>
+            <a:off x="1490146" y="2376864"/>
+            <a:ext cx="2640647" cy="2104273"/>
           </a:xfrm>
           <a:noFill/>
         </p:spPr>
@@ -43613,7 +45529,7 @@
         </p:nvSpPr>
         <p:spPr>
           <a:xfrm rot="5400000">
-            <a:off x="3502277" y="3388659"/>
+            <a:off x="3502277" y="3388660"/>
             <a:ext cx="3657600" cy="80683"/>
           </a:xfrm>
           <a:prstGeom prst="rect">
@@ -43662,44 +45578,41 @@
           </a:fontRef>
         </p:style>
       </p:sp>
-      <p:sp>
-        <p:nvSpPr>
-          <p:cNvPr id="3" name="Symbol zastępczy zawartości 2">
+      <p:pic>
+        <p:nvPicPr>
+          <p:cNvPr id="6" name="Symbol zastępczy zawartości 5">
             <a:extLst>
               <a:ext uri="{FF2B5EF4-FFF2-40B4-BE49-F238E27FC236}">
-                <a16:creationId xmlns:a16="http://schemas.microsoft.com/office/drawing/2014/main" id="{22F4B25F-B2CB-4C68-B706-E1EA91E42269}"/>
+                <a16:creationId xmlns:a16="http://schemas.microsoft.com/office/drawing/2014/main" id="{BA65D94E-64B9-4D35-94F0-F90321F7D41A}"/>
               </a:ext>
             </a:extLst>
           </p:cNvPr>
-          <p:cNvSpPr>
-            <a:spLocks noGrp="1"/>
-          </p:cNvSpPr>
+          <p:cNvPicPr>
+            <a:picLocks noGrp="1" noChangeAspect="1"/>
+          </p:cNvPicPr>
           <p:nvPr>
             <p:ph idx="1"/>
           </p:nvPr>
-        </p:nvSpPr>
+        </p:nvPicPr>
+        <p:blipFill>
+          <a:blip r:embed="rId6">
+            <a:extLst>
+              <a:ext uri="{28A0092B-C50C-407E-A947-70E740481C1C}">
+                <a14:useLocalDpi xmlns:a14="http://schemas.microsoft.com/office/drawing/2010/main" val="0"/>
+              </a:ext>
+            </a:extLst>
+          </a:blip>
+          <a:stretch>
+            <a:fillRect/>
+          </a:stretch>
+        </p:blipFill>
         <p:spPr>
           <a:xfrm>
-            <a:off x="6081089" y="725394"/>
-            <a:ext cx="5142658" cy="5407212"/>
+            <a:off x="7608168" y="-20943"/>
+            <a:ext cx="2142536" cy="6878942"/>
           </a:xfrm>
         </p:spPr>
-        <p:txBody>
-          <a:bodyPr anchor="ctr">
-            <a:normAutofit/>
-          </a:bodyPr>
-          <a:lstStyle/>
-          <a:p>
-            <a:r>
-              <a:rPr lang="pl-PL" dirty="0">
-                <a:hlinkClick r:id="rId6"/>
-              </a:rPr>
-              <a:t>https://i2.wp.com/zdjecia2.ayz.pl/Blog/wp-content/uploads/2015/05/dozwolony_uz%CC%87ytek_edu_inforgrafika-min.jpg</a:t>
-            </a:r>
-            <a:endParaRPr lang="pl-PL" dirty="0"/>
-          </a:p>
-        </p:txBody>
-      </p:sp>
+      </p:pic>
       <p:sp>
         <p:nvSpPr>
           <p:cNvPr id="4" name="Symbol zastępczy numeru slajdu 3">
@@ -43883,7 +45796,7 @@
         </p:nvSpPr>
         <p:spPr>
           <a:xfrm>
-            <a:off x="984504" y="464119"/>
+            <a:off x="984504" y="464120"/>
             <a:ext cx="10222992" cy="80683"/>
           </a:xfrm>
           <a:prstGeom prst="rect">
@@ -43958,7 +45871,7 @@
         <p:spPr>
           <a:xfrm>
             <a:off x="984504" y="601952"/>
-            <a:ext cx="10222992" cy="1385874"/>
+            <a:ext cx="10222992" cy="1385875"/>
           </a:xfrm>
           <a:prstGeom prst="rect">
             <a:avLst/>
@@ -44031,7 +45944,7 @@
         </p:nvSpPr>
         <p:spPr>
           <a:xfrm>
-            <a:off x="984504" y="2038655"/>
+            <a:off x="984504" y="2038656"/>
             <a:ext cx="10222992" cy="80683"/>
           </a:xfrm>
           <a:prstGeom prst="rect">
@@ -44140,7 +46053,7 @@
         </p:nvSpPr>
         <p:spPr>
           <a:xfrm>
-            <a:off x="1069848" y="2320412"/>
+            <a:off x="1069848" y="2320413"/>
             <a:ext cx="10058400" cy="3851787"/>
           </a:xfrm>
         </p:spPr>
@@ -44150,7 +46063,7 @@
           </a:bodyPr>
           <a:lstStyle/>
           <a:p>
-            <a:pPr marL="457200" indent="-457200">
+            <a:pPr marL="457189" indent="-457189">
               <a:spcBef>
                 <a:spcPct val="50000"/>
               </a:spcBef>
@@ -44164,7 +46077,7 @@
             </a:r>
           </a:p>
           <a:p>
-            <a:pPr marL="457200" indent="-457200">
+            <a:pPr marL="457189" indent="-457189">
               <a:spcBef>
                 <a:spcPct val="50000"/>
               </a:spcBef>
@@ -44190,7 +46103,7 @@
             </a:r>
           </a:p>
           <a:p>
-            <a:pPr marL="457200" indent="-457200">
+            <a:pPr marL="457189" indent="-457189">
               <a:spcBef>
                 <a:spcPct val="50000"/>
               </a:spcBef>
@@ -44208,7 +46121,7 @@
             </a:r>
           </a:p>
           <a:p>
-            <a:pPr marL="457200" indent="-457200">
+            <a:pPr marL="457189" indent="-457189">
               <a:spcBef>
                 <a:spcPct val="20000"/>
               </a:spcBef>
@@ -44280,36 +46193,14 @@
           <a:bodyPr lIns="0" tIns="0" rIns="0" bIns="0" rtlCol="0" anchor="ctr"/>
           <a:lstStyle/>
           <a:p>
-            <a:pPr marL="0" marR="0" lvl="0" indent="0" algn="ctr" defTabSz="914400" eaLnBrk="1" fontAlgn="auto" latinLnBrk="0" hangingPunct="1">
-              <a:lnSpc>
-                <a:spcPct val="100000"/>
-              </a:lnSpc>
-              <a:spcBef>
-                <a:spcPts val="0"/>
-              </a:spcBef>
-              <a:spcAft>
-                <a:spcPts val="0"/>
-              </a:spcAft>
-              <a:buClrTx/>
-              <a:buSzTx/>
-              <a:buFontTx/>
-              <a:buNone/>
-              <a:tabLst/>
+            <a:pPr algn="ctr" defTabSz="914377">
               <a:defRPr/>
             </a:pPr>
-            <a:endParaRPr kumimoji="0" lang="en-US" sz="2000" b="0" i="0" u="none" strike="noStrike" kern="0" cap="none" spc="0" normalizeH="0" baseline="0" noProof="0" dirty="0">
-              <a:ln>
-                <a:noFill/>
-              </a:ln>
+            <a:endParaRPr lang="en-US" sz="2000" kern="0" dirty="0">
               <a:solidFill>
                 <a:prstClr val="white"/>
               </a:solidFill>
-              <a:effectLst/>
-              <a:uLnTx/>
-              <a:uFillTx/>
               <a:latin typeface="Rockwell Extra Bold" pitchFamily="18" charset="0"/>
-              <a:ea typeface="+mn-ea"/>
-              <a:cs typeface="+mn-cs"/>
             </a:endParaRPr>
           </a:p>
         </p:txBody>
@@ -44339,7 +46230,7 @@
         </p:nvSpPr>
         <p:spPr>
           <a:xfrm>
-            <a:off x="11430918" y="6258874"/>
+            <a:off x="11430919" y="6258875"/>
             <a:ext cx="398813" cy="398815"/>
           </a:xfrm>
           <a:prstGeom prst="ellipse">
@@ -44358,36 +46249,14 @@
           <a:bodyPr rtlCol="0" anchor="ctr"/>
           <a:lstStyle/>
           <a:p>
-            <a:pPr marL="0" marR="0" lvl="0" indent="0" algn="ctr" defTabSz="914400" eaLnBrk="1" fontAlgn="auto" latinLnBrk="0" hangingPunct="1">
-              <a:lnSpc>
-                <a:spcPct val="100000"/>
-              </a:lnSpc>
-              <a:spcBef>
-                <a:spcPts val="0"/>
-              </a:spcBef>
-              <a:spcAft>
-                <a:spcPts val="0"/>
-              </a:spcAft>
-              <a:buClrTx/>
-              <a:buSzTx/>
-              <a:buFontTx/>
-              <a:buNone/>
-              <a:tabLst/>
+            <a:pPr algn="ctr" defTabSz="914377">
               <a:defRPr/>
             </a:pPr>
-            <a:endParaRPr kumimoji="0" lang="en-US" sz="1800" b="0" i="0" u="none" strike="noStrike" kern="0" cap="none" spc="0" normalizeH="0" baseline="0" noProof="0" dirty="0">
-              <a:ln>
-                <a:noFill/>
-              </a:ln>
+            <a:endParaRPr lang="en-US" kern="0" dirty="0">
               <a:solidFill>
                 <a:prstClr val="white"/>
               </a:solidFill>
-              <a:effectLst/>
-              <a:uLnTx/>
-              <a:uFillTx/>
               <a:latin typeface="Calibri"/>
-              <a:ea typeface="+mn-ea"/>
-              <a:cs typeface="+mn-cs"/>
             </a:endParaRPr>
           </a:p>
         </p:txBody>
@@ -44561,7 +46430,7 @@
         </p:nvSpPr>
         <p:spPr>
           <a:xfrm>
-            <a:off x="984504" y="464119"/>
+            <a:off x="984504" y="464120"/>
             <a:ext cx="10222992" cy="80683"/>
           </a:xfrm>
           <a:prstGeom prst="rect">
@@ -44636,7 +46505,7 @@
         <p:spPr>
           <a:xfrm>
             <a:off x="984504" y="601952"/>
-            <a:ext cx="10222992" cy="1385874"/>
+            <a:ext cx="10222992" cy="1385875"/>
           </a:xfrm>
           <a:prstGeom prst="rect">
             <a:avLst/>
@@ -44709,7 +46578,7 @@
         </p:nvSpPr>
         <p:spPr>
           <a:xfrm>
-            <a:off x="984504" y="2038655"/>
+            <a:off x="984504" y="2038656"/>
             <a:ext cx="10222992" cy="80683"/>
           </a:xfrm>
           <a:prstGeom prst="rect">
@@ -44818,7 +46687,7 @@
         </p:nvSpPr>
         <p:spPr>
           <a:xfrm>
-            <a:off x="1069848" y="2320412"/>
+            <a:off x="1069848" y="2320413"/>
             <a:ext cx="10058400" cy="3851787"/>
           </a:xfrm>
         </p:spPr>
@@ -44828,7 +46697,7 @@
           </a:bodyPr>
           <a:lstStyle/>
           <a:p>
-            <a:pPr marL="457200" indent="-457200">
+            <a:pPr marL="457189" indent="-457189">
               <a:spcBef>
                 <a:spcPct val="50000"/>
               </a:spcBef>
@@ -44850,7 +46719,7 @@
             </a:r>
           </a:p>
           <a:p>
-            <a:pPr marL="457200" indent="-457200">
+            <a:pPr marL="457189" indent="-457189">
               <a:spcBef>
                 <a:spcPct val="50000"/>
               </a:spcBef>
@@ -44888,7 +46757,7 @@
             </a:r>
           </a:p>
           <a:p>
-            <a:pPr marL="457200" indent="-457200">
+            <a:pPr marL="457189" indent="-457189">
               <a:spcBef>
                 <a:spcPct val="50000"/>
               </a:spcBef>
@@ -44906,7 +46775,7 @@
             </a:r>
           </a:p>
           <a:p>
-            <a:pPr marL="457200" indent="-457200">
+            <a:pPr marL="457189" indent="-457189">
               <a:spcBef>
                 <a:spcPct val="50000"/>
               </a:spcBef>
@@ -44993,36 +46862,14 @@
           <a:bodyPr lIns="0" tIns="0" rIns="0" bIns="0" rtlCol="0" anchor="ctr"/>
           <a:lstStyle/>
           <a:p>
-            <a:pPr marL="0" marR="0" lvl="0" indent="0" algn="ctr" defTabSz="914400" eaLnBrk="1" fontAlgn="auto" latinLnBrk="0" hangingPunct="1">
-              <a:lnSpc>
-                <a:spcPct val="100000"/>
-              </a:lnSpc>
-              <a:spcBef>
-                <a:spcPts val="0"/>
-              </a:spcBef>
-              <a:spcAft>
-                <a:spcPts val="0"/>
-              </a:spcAft>
-              <a:buClrTx/>
-              <a:buSzTx/>
-              <a:buFontTx/>
-              <a:buNone/>
-              <a:tabLst/>
+            <a:pPr algn="ctr" defTabSz="914377">
               <a:defRPr/>
             </a:pPr>
-            <a:endParaRPr kumimoji="0" lang="en-US" sz="2000" b="0" i="0" u="none" strike="noStrike" kern="0" cap="none" spc="0" normalizeH="0" baseline="0" noProof="0" dirty="0">
-              <a:ln>
-                <a:noFill/>
-              </a:ln>
+            <a:endParaRPr lang="en-US" sz="2000" kern="0" dirty="0">
               <a:solidFill>
                 <a:prstClr val="white"/>
               </a:solidFill>
-              <a:effectLst/>
-              <a:uLnTx/>
-              <a:uFillTx/>
               <a:latin typeface="Rockwell Extra Bold" pitchFamily="18" charset="0"/>
-              <a:ea typeface="+mn-ea"/>
-              <a:cs typeface="+mn-cs"/>
             </a:endParaRPr>
           </a:p>
         </p:txBody>
@@ -45052,7 +46899,7 @@
         </p:nvSpPr>
         <p:spPr>
           <a:xfrm>
-            <a:off x="11430918" y="6258874"/>
+            <a:off x="11430919" y="6258875"/>
             <a:ext cx="398813" cy="398815"/>
           </a:xfrm>
           <a:prstGeom prst="ellipse">
@@ -45071,36 +46918,14 @@
           <a:bodyPr rtlCol="0" anchor="ctr"/>
           <a:lstStyle/>
           <a:p>
-            <a:pPr marL="0" marR="0" lvl="0" indent="0" algn="ctr" defTabSz="914400" eaLnBrk="1" fontAlgn="auto" latinLnBrk="0" hangingPunct="1">
-              <a:lnSpc>
-                <a:spcPct val="100000"/>
-              </a:lnSpc>
-              <a:spcBef>
-                <a:spcPts val="0"/>
-              </a:spcBef>
-              <a:spcAft>
-                <a:spcPts val="0"/>
-              </a:spcAft>
-              <a:buClrTx/>
-              <a:buSzTx/>
-              <a:buFontTx/>
-              <a:buNone/>
-              <a:tabLst/>
+            <a:pPr algn="ctr" defTabSz="914377">
               <a:defRPr/>
             </a:pPr>
-            <a:endParaRPr kumimoji="0" lang="en-US" sz="1800" b="0" i="0" u="none" strike="noStrike" kern="0" cap="none" spc="0" normalizeH="0" baseline="0" noProof="0" dirty="0">
-              <a:ln>
-                <a:noFill/>
-              </a:ln>
+            <a:endParaRPr lang="en-US" kern="0" dirty="0">
               <a:solidFill>
                 <a:prstClr val="white"/>
               </a:solidFill>
-              <a:effectLst/>
-              <a:uLnTx/>
-              <a:uFillTx/>
               <a:latin typeface="Calibri"/>
-              <a:ea typeface="+mn-ea"/>
-              <a:cs typeface="+mn-cs"/>
             </a:endParaRPr>
           </a:p>
         </p:txBody>
@@ -45254,6 +47079,39 @@
               </a:rPr>
               <a:t>https://pl.wikipedia.org/wiki/Licencje_Creative_Commons#/media/Plik:CC_some_rights_reserved_PL.svg</a:t>
             </a:r>
+            <a:endParaRPr lang="pl-PL" dirty="0"/>
+          </a:p>
+          <a:p>
+            <a:r>
+              <a:rPr lang="pl-PL" dirty="0">
+                <a:hlinkClick r:id="rId5"/>
+              </a:rPr>
+              <a:t>https://i1.wp.com/zdjecia2.ayz.pl/Blog/wp-content/uploads/2015/05/infograf_prawa_autorskie_kolor_BIG-min.jpg</a:t>
+            </a:r>
+            <a:endParaRPr lang="pl-PL" dirty="0"/>
+          </a:p>
+          <a:p>
+            <a:r>
+              <a:rPr lang="pl-PL" dirty="0">
+                <a:hlinkClick r:id="rId6"/>
+              </a:rPr>
+              <a:t>https://i1.wp.com/zdjecia2.ayz.pl/Blog/wp-content/uploads/2017/02/CC-infografika-final-min.jpg</a:t>
+            </a:r>
+            <a:endParaRPr lang="pl-PL" dirty="0"/>
+          </a:p>
+          <a:p>
+            <a:r>
+              <a:rPr lang="pl-PL" dirty="0">
+                <a:hlinkClick r:id="rId7"/>
+              </a:rPr>
+              <a:t>https://i2.wp.com/zdjecia2.ayz.pl/Blog/wp-content/uploads/2015/05/dozwolony_uz%CC%87ytek_edu_inforgrafika-min.jpg</a:t>
+            </a:r>
+            <a:endParaRPr lang="pl-PL" dirty="0"/>
+          </a:p>
+          <a:p>
+            <a:endParaRPr lang="pl-PL" dirty="0"/>
+          </a:p>
+          <a:p>
             <a:endParaRPr lang="pl-PL" dirty="0"/>
           </a:p>
         </p:txBody>
@@ -45511,7 +47369,7 @@
           </p:nvPr>
         </p:nvGraphicFramePr>
         <p:xfrm>
-          <a:off x="1069975" y="2385390"/>
+          <a:off x="1069975" y="2385391"/>
           <a:ext cx="10058400" cy="3617845"/>
         </p:xfrm>
         <a:graphic>
@@ -45583,7 +47441,7 @@
         </p:nvSpPr>
         <p:spPr>
           <a:xfrm>
-            <a:off x="920834" y="1346946"/>
+            <a:off x="920835" y="1346947"/>
             <a:ext cx="10222992" cy="80683"/>
           </a:xfrm>
           <a:prstGeom prst="rect">
@@ -45657,7 +47515,7 @@
         </p:nvSpPr>
         <p:spPr>
           <a:xfrm>
-            <a:off x="920834" y="4299696"/>
+            <a:off x="920835" y="4299697"/>
             <a:ext cx="10222992" cy="80683"/>
           </a:xfrm>
           <a:prstGeom prst="rect">
@@ -45731,7 +47589,7 @@
         </p:nvSpPr>
         <p:spPr>
           <a:xfrm>
-            <a:off x="920834" y="1484779"/>
+            <a:off x="920835" y="1484779"/>
             <a:ext cx="10222992" cy="2743200"/>
           </a:xfrm>
           <a:prstGeom prst="rect">
@@ -45806,7 +47664,7 @@
         <p:grpSpPr>
           <a:xfrm>
             <a:off x="9649215" y="4068923"/>
-            <a:ext cx="1080904" cy="1080902"/>
+            <a:ext cx="1080904" cy="1080903"/>
             <a:chOff x="9685338" y="4460675"/>
             <a:chExt cx="1080904" cy="1080902"/>
           </a:xfrm>
@@ -46048,8 +47906,8 @@
         </p:nvSpPr>
         <p:spPr>
           <a:xfrm>
-            <a:off x="1069848" y="4649148"/>
-            <a:ext cx="9948672" cy="1486158"/>
+            <a:off x="1069848" y="4649149"/>
+            <a:ext cx="9948672" cy="1486159"/>
           </a:xfrm>
         </p:spPr>
         <p:txBody>
@@ -46239,7 +48097,7 @@
         </p:nvSpPr>
         <p:spPr>
           <a:xfrm>
-            <a:off x="11269404" y="6135306"/>
+            <a:off x="11269406" y="6135307"/>
             <a:ext cx="749319" cy="640080"/>
           </a:xfrm>
         </p:spPr>
@@ -46255,15 +48113,12 @@
               </a:spcAft>
             </a:pPr>
             <a:fld id="{C33B4751-E9FD-4EBC-BC61-49D7B6F3460B}" type="slidenum">
-              <a:rPr lang="en-US" altLang="pl-PL" sz="2800" b="1" kern="1200">
+              <a:rPr lang="en-US" altLang="pl-PL" sz="2800" b="1">
                 <a:solidFill>
                   <a:srgbClr val="FFFFFF">
                     <a:alpha val="95000"/>
                   </a:srgbClr>
                 </a:solidFill>
-                <a:latin typeface="+mj-lt"/>
-                <a:ea typeface="+mn-ea"/>
-                <a:cs typeface="+mn-cs"/>
               </a:rPr>
               <a:pPr algn="l">
                 <a:spcAft>
@@ -46272,15 +48127,12 @@
               </a:pPr>
               <a:t>4</a:t>
             </a:fld>
-            <a:endParaRPr lang="en-US" altLang="pl-PL" sz="2800" b="1" kern="1200">
+            <a:endParaRPr lang="en-US" altLang="pl-PL" sz="2800" b="1">
               <a:solidFill>
                 <a:srgbClr val="FFFFFF">
                   <a:alpha val="95000"/>
                 </a:srgbClr>
               </a:solidFill>
-              <a:latin typeface="+mj-lt"/>
-              <a:ea typeface="+mn-ea"/>
-              <a:cs typeface="+mn-cs"/>
             </a:endParaRPr>
           </a:p>
         </p:txBody>
@@ -46348,7 +48200,7 @@
         </p:nvSpPr>
         <p:spPr>
           <a:xfrm>
-            <a:off x="920834" y="1346946"/>
+            <a:off x="920835" y="1346947"/>
             <a:ext cx="10222992" cy="80683"/>
           </a:xfrm>
           <a:prstGeom prst="rect">
@@ -46430,7 +48282,7 @@
         </p:nvSpPr>
         <p:spPr>
           <a:xfrm>
-            <a:off x="920834" y="4299696"/>
+            <a:off x="920835" y="4299697"/>
             <a:ext cx="10222992" cy="80683"/>
           </a:xfrm>
           <a:prstGeom prst="rect">
@@ -46512,7 +48364,7 @@
         </p:nvSpPr>
         <p:spPr>
           <a:xfrm>
-            <a:off x="920834" y="1484779"/>
+            <a:off x="920835" y="1484779"/>
             <a:ext cx="10222992" cy="2743200"/>
           </a:xfrm>
           <a:prstGeom prst="rect">
@@ -46595,7 +48447,7 @@
         <p:grpSpPr>
           <a:xfrm>
             <a:off x="9649215" y="4068923"/>
-            <a:ext cx="1080904" cy="1080902"/>
+            <a:ext cx="1080904" cy="1080903"/>
             <a:chOff x="9685338" y="4460675"/>
             <a:chExt cx="1080904" cy="1080902"/>
           </a:xfrm>
@@ -46663,36 +48515,14 @@
             <a:bodyPr lIns="0" tIns="0" rIns="0" bIns="0" rtlCol="0" anchor="ctr"/>
             <a:lstStyle/>
             <a:p>
-              <a:pPr marL="0" marR="0" lvl="0" indent="0" algn="ctr" defTabSz="914400" eaLnBrk="1" fontAlgn="auto" latinLnBrk="0" hangingPunct="1">
-                <a:lnSpc>
-                  <a:spcPct val="100000"/>
-                </a:lnSpc>
-                <a:spcBef>
-                  <a:spcPts val="0"/>
-                </a:spcBef>
-                <a:spcAft>
-                  <a:spcPts val="0"/>
-                </a:spcAft>
-                <a:buClrTx/>
-                <a:buSzTx/>
-                <a:buFontTx/>
-                <a:buNone/>
-                <a:tabLst/>
+              <a:pPr algn="ctr" defTabSz="914377">
                 <a:defRPr/>
               </a:pPr>
-              <a:endParaRPr kumimoji="0" lang="en-US" sz="2000" b="0" i="0" u="none" strike="noStrike" kern="0" cap="none" spc="0" normalizeH="0" baseline="0" noProof="0" dirty="0">
-                <a:ln>
-                  <a:noFill/>
-                </a:ln>
+              <a:endParaRPr lang="en-US" sz="2000" kern="0" dirty="0">
                 <a:solidFill>
                   <a:prstClr val="white"/>
                 </a:solidFill>
-                <a:effectLst/>
-                <a:uLnTx/>
-                <a:uFillTx/>
                 <a:latin typeface="Rockwell Extra Bold" pitchFamily="18" charset="0"/>
-                <a:ea typeface="+mn-ea"/>
-                <a:cs typeface="+mn-cs"/>
               </a:endParaRPr>
             </a:p>
           </p:txBody>
@@ -46739,36 +48569,14 @@
             <a:bodyPr rtlCol="0" anchor="ctr"/>
             <a:lstStyle/>
             <a:p>
-              <a:pPr marL="0" marR="0" lvl="0" indent="0" algn="ctr" defTabSz="914400" eaLnBrk="1" fontAlgn="auto" latinLnBrk="0" hangingPunct="1">
-                <a:lnSpc>
-                  <a:spcPct val="100000"/>
-                </a:lnSpc>
-                <a:spcBef>
-                  <a:spcPts val="0"/>
-                </a:spcBef>
-                <a:spcAft>
-                  <a:spcPts val="0"/>
-                </a:spcAft>
-                <a:buClrTx/>
-                <a:buSzTx/>
-                <a:buFontTx/>
-                <a:buNone/>
-                <a:tabLst/>
+              <a:pPr algn="ctr" defTabSz="914377">
                 <a:defRPr/>
               </a:pPr>
-              <a:endParaRPr kumimoji="0" lang="en-US" sz="1800" b="0" i="0" u="none" strike="noStrike" kern="0" cap="none" spc="0" normalizeH="0" baseline="0" noProof="0" dirty="0">
-                <a:ln>
-                  <a:noFill/>
-                </a:ln>
+              <a:endParaRPr lang="en-US" kern="0" dirty="0">
                 <a:solidFill>
                   <a:prstClr val="white"/>
                 </a:solidFill>
-                <a:effectLst/>
-                <a:uLnTx/>
-                <a:uFillTx/>
                 <a:latin typeface="Calibri"/>
-                <a:ea typeface="+mn-ea"/>
-                <a:cs typeface="+mn-cs"/>
               </a:endParaRPr>
             </a:p>
           </p:txBody>
@@ -46799,7 +48607,7 @@
         </p:nvSpPr>
         <p:spPr bwMode="white">
           <a:xfrm>
-            <a:off x="0" y="0"/>
+            <a:off x="0" y="1"/>
             <a:ext cx="12188952" cy="6858001"/>
           </a:xfrm>
           <a:prstGeom prst="rect">
@@ -46961,7 +48769,7 @@
         </p:nvSpPr>
         <p:spPr>
           <a:xfrm>
-            <a:off x="920834" y="928117"/>
+            <a:off x="920835" y="928117"/>
             <a:ext cx="10351008" cy="80683"/>
           </a:xfrm>
           <a:prstGeom prst="rect">
@@ -47043,7 +48851,7 @@
         </p:nvSpPr>
         <p:spPr>
           <a:xfrm>
-            <a:off x="920833" y="1110053"/>
+            <a:off x="920834" y="1110054"/>
             <a:ext cx="6631431" cy="4580301"/>
           </a:xfrm>
           <a:prstGeom prst="rect">
@@ -47118,8 +48926,8 @@
         </p:nvSpPr>
         <p:spPr>
           <a:xfrm>
-            <a:off x="1248156" y="1432223"/>
-            <a:ext cx="5965470" cy="3357976"/>
+            <a:off x="1248157" y="1432223"/>
+            <a:ext cx="5965471" cy="3357976"/>
           </a:xfrm>
         </p:spPr>
         <p:txBody>
@@ -47397,7 +49205,7 @@
         </p:blipFill>
         <p:spPr>
           <a:xfrm>
-            <a:off x="7855117" y="1702032"/>
+            <a:off x="7855118" y="1702032"/>
             <a:ext cx="3416725" cy="3416725"/>
           </a:xfrm>
           <a:prstGeom prst="rect">
@@ -47430,7 +49238,7 @@
         </p:nvSpPr>
         <p:spPr>
           <a:xfrm>
-            <a:off x="920834" y="5780565"/>
+            <a:off x="920835" y="5780565"/>
             <a:ext cx="10351008" cy="80683"/>
           </a:xfrm>
           <a:prstGeom prst="rect">
@@ -47512,8 +49320,8 @@
         </p:nvGrpSpPr>
         <p:grpSpPr>
           <a:xfrm>
-            <a:off x="9646920" y="5257800"/>
-            <a:ext cx="1080904" cy="1080902"/>
+            <a:off x="9646920" y="5257801"/>
+            <a:ext cx="1080904" cy="1080903"/>
             <a:chOff x="9685338" y="4460675"/>
             <a:chExt cx="1080904" cy="1080902"/>
           </a:xfrm>
@@ -47570,36 +49378,14 @@
             <a:bodyPr lIns="0" tIns="0" rIns="0" bIns="0" rtlCol="0" anchor="ctr"/>
             <a:lstStyle/>
             <a:p>
-              <a:pPr marL="0" marR="0" lvl="0" indent="0" algn="ctr" defTabSz="914400" eaLnBrk="1" fontAlgn="auto" latinLnBrk="0" hangingPunct="1">
-                <a:lnSpc>
-                  <a:spcPct val="100000"/>
-                </a:lnSpc>
-                <a:spcBef>
-                  <a:spcPts val="0"/>
-                </a:spcBef>
-                <a:spcAft>
-                  <a:spcPts val="0"/>
-                </a:spcAft>
-                <a:buClrTx/>
-                <a:buSzTx/>
-                <a:buFontTx/>
-                <a:buNone/>
-                <a:tabLst/>
+              <a:pPr algn="ctr" defTabSz="914377">
                 <a:defRPr/>
               </a:pPr>
-              <a:endParaRPr kumimoji="0" lang="en-US" sz="2000" b="0" i="0" u="none" strike="noStrike" kern="0" cap="none" spc="0" normalizeH="0" baseline="0" noProof="0" dirty="0">
-                <a:ln>
-                  <a:noFill/>
-                </a:ln>
+              <a:endParaRPr lang="en-US" sz="2000" kern="0" dirty="0">
                 <a:solidFill>
                   <a:prstClr val="white"/>
                 </a:solidFill>
-                <a:effectLst/>
-                <a:uLnTx/>
-                <a:uFillTx/>
                 <a:latin typeface="Rockwell Extra Bold" pitchFamily="18" charset="0"/>
-                <a:ea typeface="+mn-ea"/>
-                <a:cs typeface="+mn-cs"/>
               </a:endParaRPr>
             </a:p>
           </p:txBody>
@@ -47646,36 +49432,14 @@
             <a:bodyPr rtlCol="0" anchor="ctr"/>
             <a:lstStyle/>
             <a:p>
-              <a:pPr marL="0" marR="0" lvl="0" indent="0" algn="ctr" defTabSz="914400" eaLnBrk="1" fontAlgn="auto" latinLnBrk="0" hangingPunct="1">
-                <a:lnSpc>
-                  <a:spcPct val="100000"/>
-                </a:lnSpc>
-                <a:spcBef>
-                  <a:spcPts val="0"/>
-                </a:spcBef>
-                <a:spcAft>
-                  <a:spcPts val="0"/>
-                </a:spcAft>
-                <a:buClrTx/>
-                <a:buSzTx/>
-                <a:buFontTx/>
-                <a:buNone/>
-                <a:tabLst/>
+              <a:pPr algn="ctr" defTabSz="914377">
                 <a:defRPr/>
               </a:pPr>
-              <a:endParaRPr kumimoji="0" lang="en-US" sz="1800" b="0" i="0" u="none" strike="noStrike" kern="0" cap="none" spc="0" normalizeH="0" baseline="0" noProof="0" dirty="0">
-                <a:ln>
-                  <a:noFill/>
-                </a:ln>
+              <a:endParaRPr lang="en-US" kern="0" dirty="0">
                 <a:solidFill>
                   <a:prstClr val="white"/>
                 </a:solidFill>
-                <a:effectLst/>
-                <a:uLnTx/>
-                <a:uFillTx/>
                 <a:latin typeface="Calibri"/>
-                <a:ea typeface="+mn-ea"/>
-                <a:cs typeface="+mn-cs"/>
               </a:endParaRPr>
             </a:p>
           </p:txBody>
@@ -47699,7 +49463,7 @@
         </p:nvSpPr>
         <p:spPr>
           <a:xfrm>
-            <a:off x="9592056" y="5477256"/>
+            <a:off x="9592057" y="5477256"/>
             <a:ext cx="1193868" cy="640080"/>
           </a:xfrm>
         </p:spPr>
@@ -47709,14 +49473,14 @@
           </a:bodyPr>
           <a:lstStyle/>
           <a:p>
-            <a:pPr defTabSz="914400">
+            <a:pPr defTabSz="914377">
               <a:spcAft>
                 <a:spcPts val="600"/>
               </a:spcAft>
             </a:pPr>
             <a:fld id="{4B0C204F-07FE-4F28-A6AC-8972EA9390B3}" type="slidenum">
-              <a:rPr lang="en-US" altLang="pl-PL" sz="2800" smtClean="0"/>
-              <a:pPr defTabSz="914400">
+              <a:rPr lang="en-US" altLang="pl-PL" sz="2800"/>
+              <a:pPr defTabSz="914377">
                 <a:spcAft>
                   <a:spcPts val="600"/>
                 </a:spcAft>
@@ -47857,7 +49621,18 @@
               <a:rPr lang="pl-PL" b="1" dirty="0">
                 <a:latin typeface="Arial" charset="0"/>
               </a:rPr>
-              <a:t>w czasie i niepodlegającą zrzeczeniu lub zbyciu więź autora z utworem</a:t>
+              <a:t>w czasie i niepodlegającą zrzeczeniu lub zbyciu więź autora </a:t>
+            </a:r>
+            <a:br>
+              <a:rPr lang="pl-PL" b="1" dirty="0">
+                <a:latin typeface="Arial" charset="0"/>
+              </a:rPr>
+            </a:br>
+            <a:r>
+              <a:rPr lang="pl-PL" b="1" dirty="0">
+                <a:latin typeface="Arial" charset="0"/>
+              </a:rPr>
+              <a:t>z utworem</a:t>
             </a:r>
             <a:r>
               <a:rPr lang="pl-PL" dirty="0">
@@ -48031,7 +49806,7 @@
 </file>
 
 <file path=ppt/slides/slide7.xml><?xml version="1.0" encoding="utf-8"?>
-<p:sld xmlns:a="http://schemas.openxmlformats.org/drawingml/2006/main" xmlns:r="http://schemas.openxmlformats.org/officeDocument/2006/relationships" xmlns:p="http://schemas.openxmlformats.org/presentationml/2006/main" show="0">
+<p:sld xmlns:a="http://schemas.openxmlformats.org/drawingml/2006/main" xmlns:r="http://schemas.openxmlformats.org/officeDocument/2006/relationships" xmlns:p="http://schemas.openxmlformats.org/presentationml/2006/main">
   <p:cSld>
     <p:bg>
       <p:bgPr>
@@ -48080,7 +49855,7 @@
         </p:nvSpPr>
         <p:spPr bwMode="white">
           <a:xfrm>
-            <a:off x="0" y="0"/>
+            <a:off x="0" y="1"/>
             <a:ext cx="12188952" cy="6858001"/>
           </a:xfrm>
           <a:prstGeom prst="rect">
@@ -48214,44 +49989,41 @@
           </a:p>
         </p:txBody>
       </p:sp>
-      <p:sp>
-        <p:nvSpPr>
-          <p:cNvPr id="3" name="Symbol zastępczy zawartości 2">
+      <p:pic>
+        <p:nvPicPr>
+          <p:cNvPr id="6" name="Symbol zastępczy zawartości 5" descr="Obraz zawierający tekst&#10;&#10;Opis wygenerowany automatycznie">
             <a:extLst>
               <a:ext uri="{FF2B5EF4-FFF2-40B4-BE49-F238E27FC236}">
-                <a16:creationId xmlns:a16="http://schemas.microsoft.com/office/drawing/2014/main" id="{D014108B-7856-43CC-AA1A-BA8972D192CC}"/>
+                <a16:creationId xmlns:a16="http://schemas.microsoft.com/office/drawing/2014/main" id="{D71D17CC-B95B-43B3-B598-7ABA7BBB4010}"/>
               </a:ext>
             </a:extLst>
           </p:cNvPr>
-          <p:cNvSpPr>
-            <a:spLocks noGrp="1"/>
-          </p:cNvSpPr>
+          <p:cNvPicPr>
+            <a:picLocks noGrp="1" noChangeAspect="1"/>
+          </p:cNvPicPr>
           <p:nvPr>
             <p:ph idx="1"/>
           </p:nvPr>
-        </p:nvSpPr>
+        </p:nvPicPr>
+        <p:blipFill>
+          <a:blip r:embed="rId2">
+            <a:extLst>
+              <a:ext uri="{28A0092B-C50C-407E-A947-70E740481C1C}">
+                <a14:useLocalDpi xmlns:a14="http://schemas.microsoft.com/office/drawing/2010/main" val="0"/>
+              </a:ext>
+            </a:extLst>
+          </a:blip>
+          <a:stretch>
+            <a:fillRect/>
+          </a:stretch>
+        </p:blipFill>
         <p:spPr>
           <a:xfrm>
-            <a:off x="1069850" y="844902"/>
-            <a:ext cx="5818858" cy="5168196"/>
+            <a:off x="1415480" y="28422"/>
+            <a:ext cx="4824536" cy="6821813"/>
           </a:xfrm>
         </p:spPr>
-        <p:txBody>
-          <a:bodyPr anchor="ctr">
-            <a:normAutofit/>
-          </a:bodyPr>
-          <a:lstStyle/>
-          <a:p>
-            <a:r>
-              <a:rPr lang="pl-PL" dirty="0">
-                <a:hlinkClick r:id="rId2"/>
-              </a:rPr>
-              <a:t>https://i1.wp.com/zdjecia2.ayz.pl/Blog/wp-content/uploads/2015/05/infograf_prawa_autorskie_kolor_BIG-min.jpg</a:t>
-            </a:r>
-            <a:endParaRPr lang="pl-PL" dirty="0"/>
-          </a:p>
-        </p:txBody>
-      </p:sp>
+      </p:pic>
       <p:sp>
         <p:nvSpPr>
           <p:cNvPr id="11" name="Rectangle 10">
@@ -48277,7 +50049,7 @@
         </p:nvSpPr>
         <p:spPr>
           <a:xfrm rot="5400000">
-            <a:off x="5586983" y="3388659"/>
+            <a:off x="5586983" y="3388660"/>
             <a:ext cx="3657600" cy="80683"/>
           </a:xfrm>
           <a:prstGeom prst="rect">
@@ -48352,7 +50124,7 @@
         <p:grpSpPr>
           <a:xfrm>
             <a:off x="7942859" y="1679571"/>
-            <a:ext cx="3498864" cy="3498858"/>
+            <a:ext cx="3498864" cy="3498859"/>
             <a:chOff x="7942859" y="1679571"/>
             <a:chExt cx="3498864" cy="3498858"/>
           </a:xfrm>
@@ -48423,36 +50195,14 @@
             <a:bodyPr lIns="0" tIns="0" rIns="0" bIns="0" rtlCol="0" anchor="ctr"/>
             <a:lstStyle/>
             <a:p>
-              <a:pPr marL="0" marR="0" lvl="0" indent="0" algn="ctr" defTabSz="914400" eaLnBrk="1" fontAlgn="auto" latinLnBrk="0" hangingPunct="1">
-                <a:lnSpc>
-                  <a:spcPct val="100000"/>
-                </a:lnSpc>
-                <a:spcBef>
-                  <a:spcPts val="0"/>
-                </a:spcBef>
-                <a:spcAft>
-                  <a:spcPts val="0"/>
-                </a:spcAft>
-                <a:buClrTx/>
-                <a:buSzTx/>
-                <a:buFontTx/>
-                <a:buNone/>
-                <a:tabLst/>
+              <a:pPr algn="ctr" defTabSz="914377">
                 <a:defRPr/>
               </a:pPr>
-              <a:endParaRPr kumimoji="0" lang="en-US" sz="2000" b="0" i="0" u="none" strike="noStrike" kern="0" cap="none" spc="0" normalizeH="0" baseline="0" noProof="0" dirty="0">
-                <a:ln>
-                  <a:noFill/>
-                </a:ln>
+              <a:endParaRPr lang="en-US" sz="2000" kern="0" dirty="0">
                 <a:solidFill>
                   <a:prstClr val="white"/>
                 </a:solidFill>
-                <a:effectLst/>
-                <a:uLnTx/>
-                <a:uFillTx/>
                 <a:latin typeface="Rockwell Extra Bold" pitchFamily="18" charset="0"/>
-                <a:ea typeface="+mn-ea"/>
-                <a:cs typeface="+mn-cs"/>
               </a:endParaRPr>
             </a:p>
           </p:txBody>
@@ -48499,36 +50249,14 @@
             <a:bodyPr rtlCol="0" anchor="ctr"/>
             <a:lstStyle/>
             <a:p>
-              <a:pPr marL="0" marR="0" lvl="0" indent="0" algn="ctr" defTabSz="914400" eaLnBrk="1" fontAlgn="auto" latinLnBrk="0" hangingPunct="1">
-                <a:lnSpc>
-                  <a:spcPct val="100000"/>
-                </a:lnSpc>
-                <a:spcBef>
-                  <a:spcPts val="0"/>
-                </a:spcBef>
-                <a:spcAft>
-                  <a:spcPts val="0"/>
-                </a:spcAft>
-                <a:buClrTx/>
-                <a:buSzTx/>
-                <a:buFontTx/>
-                <a:buNone/>
-                <a:tabLst/>
+              <a:pPr algn="ctr" defTabSz="914377">
                 <a:defRPr/>
               </a:pPr>
-              <a:endParaRPr kumimoji="0" lang="en-US" sz="1800" b="0" i="0" u="none" strike="noStrike" kern="0" cap="none" spc="0" normalizeH="0" baseline="0" noProof="0" dirty="0">
-                <a:ln>
-                  <a:noFill/>
-                </a:ln>
+              <a:endParaRPr lang="en-US" kern="0" dirty="0">
                 <a:solidFill>
                   <a:prstClr val="white"/>
                 </a:solidFill>
-                <a:effectLst/>
-                <a:uLnTx/>
-                <a:uFillTx/>
                 <a:latin typeface="Calibri"/>
-                <a:ea typeface="+mn-ea"/>
-                <a:cs typeface="+mn-cs"/>
               </a:endParaRPr>
             </a:p>
           </p:txBody>
@@ -48552,8 +50280,8 @@
         </p:nvSpPr>
         <p:spPr>
           <a:xfrm>
-            <a:off x="8371968" y="2376862"/>
-            <a:ext cx="2640646" cy="2104273"/>
+            <a:off x="8371969" y="2376864"/>
+            <a:ext cx="2640647" cy="2104273"/>
           </a:xfrm>
           <a:noFill/>
         </p:spPr>
@@ -48902,7 +50630,7 @@
           </p:nvPr>
         </p:nvGraphicFramePr>
         <p:xfrm>
-          <a:off x="1069975" y="2385390"/>
+          <a:off x="1069975" y="2385391"/>
           <a:ext cx="10058400" cy="3617845"/>
         </p:xfrm>
         <a:graphic>
@@ -49134,7 +50862,7 @@
           </p:nvPr>
         </p:nvGraphicFramePr>
         <p:xfrm>
-          <a:off x="1069975" y="2385390"/>
+          <a:off x="1069975" y="2385391"/>
           <a:ext cx="10058400" cy="3617845"/>
         </p:xfrm>
         <a:graphic>
